--- a/04.0 -- 活动-意图-- 第04章.pptx
+++ b/04.0 -- 活动-意图-- 第04章.pptx
@@ -339,7 +339,7 @@
               <a:pPr>
                 <a:defRPr/>
               </a:pPr>
-              <a:t>2020/10/4</a:t>
+              <a:t>2021/9/6</a:t>
             </a:fld>
             <a:endParaRPr lang="zh-CN" altLang="en-US" sz="1200"/>
           </a:p>
@@ -1270,7 +1270,7 @@
             <a:fld id="{C33D8BF3-04B1-4578-9944-A784348B543C}" type="datetimeFigureOut">
               <a:rPr lang="zh-CN" altLang="en-US"/>
               <a:pPr/>
-              <a:t>2020/10/4</a:t>
+              <a:t>2021/9/6</a:t>
             </a:fld>
             <a:endParaRPr lang="zh-CN" altLang="en-US"/>
           </a:p>
@@ -1469,7 +1469,7 @@
             <a:fld id="{C33D8BF3-04B1-4578-9944-A784348B543C}" type="datetimeFigureOut">
               <a:rPr lang="zh-CN" altLang="en-US"/>
               <a:pPr/>
-              <a:t>2020/10/4</a:t>
+              <a:t>2021/9/6</a:t>
             </a:fld>
             <a:endParaRPr lang="zh-CN" altLang="en-US"/>
           </a:p>
@@ -1618,7 +1618,7 @@
             <a:fld id="{C33D8BF3-04B1-4578-9944-A784348B543C}" type="datetimeFigureOut">
               <a:rPr lang="zh-CN" altLang="en-US"/>
               <a:pPr/>
-              <a:t>2020/10/4</a:t>
+              <a:t>2021/9/6</a:t>
             </a:fld>
             <a:endParaRPr lang="zh-CN" altLang="en-US"/>
           </a:p>
@@ -1767,7 +1767,7 @@
             <a:fld id="{C33D8BF3-04B1-4578-9944-A784348B543C}" type="datetimeFigureOut">
               <a:rPr lang="zh-CN" altLang="en-US"/>
               <a:pPr/>
-              <a:t>2020/10/4</a:t>
+              <a:t>2021/9/6</a:t>
             </a:fld>
             <a:endParaRPr lang="zh-CN" altLang="en-US"/>
           </a:p>
@@ -1916,7 +1916,7 @@
             <a:fld id="{C33D8BF3-04B1-4578-9944-A784348B543C}" type="datetimeFigureOut">
               <a:rPr lang="zh-CN" altLang="en-US"/>
               <a:pPr/>
-              <a:t>2020/10/4</a:t>
+              <a:t>2021/9/6</a:t>
             </a:fld>
             <a:endParaRPr lang="zh-CN" altLang="en-US"/>
           </a:p>
@@ -2118,7 +2118,7 @@
             <a:fld id="{C33D8BF3-04B1-4578-9944-A784348B543C}" type="datetimeFigureOut">
               <a:rPr lang="zh-CN" altLang="en-US"/>
               <a:pPr/>
-              <a:t>2020/10/4</a:t>
+              <a:t>2021/9/6</a:t>
             </a:fld>
             <a:endParaRPr lang="zh-CN" altLang="en-US"/>
           </a:p>
@@ -2507,7 +2507,7 @@
             <a:fld id="{C33D8BF3-04B1-4578-9944-A784348B543C}" type="datetimeFigureOut">
               <a:rPr lang="zh-CN" altLang="en-US"/>
               <a:pPr/>
-              <a:t>2020/10/4</a:t>
+              <a:t>2021/9/6</a:t>
             </a:fld>
             <a:endParaRPr lang="zh-CN" altLang="en-US"/>
           </a:p>
@@ -2775,7 +2775,7 @@
             <a:fld id="{C33D8BF3-04B1-4578-9944-A784348B543C}" type="datetimeFigureOut">
               <a:rPr lang="zh-CN" altLang="en-US"/>
               <a:pPr/>
-              <a:t>2020/10/4</a:t>
+              <a:t>2021/9/6</a:t>
             </a:fld>
             <a:endParaRPr lang="zh-CN" altLang="en-US"/>
           </a:p>
@@ -3178,7 +3178,7 @@
             <a:fld id="{C33D8BF3-04B1-4578-9944-A784348B543C}" type="datetimeFigureOut">
               <a:rPr lang="zh-CN" altLang="en-US"/>
               <a:pPr/>
-              <a:t>2020/10/4</a:t>
+              <a:t>2021/9/6</a:t>
             </a:fld>
             <a:endParaRPr lang="zh-CN" altLang="en-US"/>
           </a:p>
@@ -4667,7 +4667,7 @@
             <a:fld id="{C33D8BF3-04B1-4578-9944-A784348B543C}" type="datetimeFigureOut">
               <a:rPr lang="zh-CN" altLang="en-US"/>
               <a:pPr/>
-              <a:t>2020/10/4</a:t>
+              <a:t>2021/9/6</a:t>
             </a:fld>
             <a:endParaRPr lang="zh-CN" altLang="en-US"/>
           </a:p>
@@ -4794,7 +4794,7 @@
             <a:fld id="{C33D8BF3-04B1-4578-9944-A784348B543C}" type="datetimeFigureOut">
               <a:rPr lang="zh-CN" altLang="en-US"/>
               <a:pPr/>
-              <a:t>2020/10/4</a:t>
+              <a:t>2021/9/6</a:t>
             </a:fld>
             <a:endParaRPr lang="zh-CN" altLang="en-US"/>
           </a:p>
@@ -5010,7 +5010,7 @@
             <a:fld id="{C33D8BF3-04B1-4578-9944-A784348B543C}" type="datetimeFigureOut">
               <a:rPr lang="zh-CN" altLang="en-US"/>
               <a:pPr/>
-              <a:t>2020/10/4</a:t>
+              <a:t>2021/9/6</a:t>
             </a:fld>
             <a:endParaRPr lang="zh-CN" altLang="en-US"/>
           </a:p>
@@ -5232,7 +5232,7 @@
             <a:fld id="{C33D8BF3-04B1-4578-9944-A784348B543C}" type="datetimeFigureOut">
               <a:rPr lang="zh-CN" altLang="en-US"/>
               <a:pPr/>
-              <a:t>2020/10/4</a:t>
+              <a:t>2021/9/6</a:t>
             </a:fld>
             <a:endParaRPr lang="zh-CN" altLang="en-US"/>
           </a:p>
@@ -5642,7 +5642,7 @@
             <a:fld id="{C33D8BF3-04B1-4578-9944-A784348B543C}" type="datetimeFigureOut">
               <a:rPr lang="zh-CN" altLang="en-US"/>
               <a:pPr/>
-              <a:t>2020/10/4</a:t>
+              <a:t>2021/9/6</a:t>
             </a:fld>
             <a:endParaRPr lang="zh-CN" altLang="en-US"/>
           </a:p>
@@ -7307,9 +7307,9 @@
           <a:lstStyle/>
           <a:p>
             <a:r>
-              <a:rPr lang="en-US" altLang="zh-CN">
-                <a:solidFill>
-                  <a:srgbClr val="000000"/>
+              <a:rPr lang="en-US" altLang="zh-CN" dirty="0">
+                <a:solidFill>
+                  <a:schemeClr val="bg1"/>
                 </a:solidFill>
                 <a:latin typeface="微软雅黑" panose="020B0503020204020204" pitchFamily="34" charset="-122"/>
                 <a:ea typeface="微软雅黑" panose="020B0503020204020204" pitchFamily="34" charset="-122"/>
@@ -7318,9 +7318,9 @@
               <a:t>4.1.3  Activity</a:t>
             </a:r>
             <a:r>
-              <a:rPr lang="zh-CN" altLang="en-US">
-                <a:solidFill>
-                  <a:srgbClr val="000000"/>
+              <a:rPr lang="zh-CN" altLang="en-US" dirty="0">
+                <a:solidFill>
+                  <a:schemeClr val="bg1"/>
                 </a:solidFill>
                 <a:latin typeface="微软雅黑" panose="020B0503020204020204" pitchFamily="34" charset="-122"/>
                 <a:ea typeface="微软雅黑" panose="020B0503020204020204" pitchFamily="34" charset="-122"/>
@@ -7329,9 +7329,9 @@
               <a:t>生命周期的实例</a:t>
             </a:r>
             <a:r>
-              <a:rPr lang="en-US" altLang="zh-CN">
-                <a:solidFill>
-                  <a:srgbClr val="000000"/>
+              <a:rPr lang="en-US" altLang="zh-CN" dirty="0">
+                <a:solidFill>
+                  <a:schemeClr val="bg1"/>
                 </a:solidFill>
                 <a:latin typeface="微软雅黑" panose="020B0503020204020204" pitchFamily="34" charset="-122"/>
                 <a:ea typeface="微软雅黑" panose="020B0503020204020204" pitchFamily="34" charset="-122"/>
@@ -7797,9 +7797,9 @@
           <a:lstStyle/>
           <a:p>
             <a:r>
-              <a:rPr lang="en-US" altLang="zh-CN">
-                <a:solidFill>
-                  <a:srgbClr val="000000"/>
+              <a:rPr lang="en-US" altLang="zh-CN" dirty="0">
+                <a:solidFill>
+                  <a:schemeClr val="bg1"/>
                 </a:solidFill>
                 <a:latin typeface="微软雅黑" panose="020B0503020204020204" pitchFamily="34" charset="-122"/>
                 <a:ea typeface="微软雅黑" panose="020B0503020204020204" pitchFamily="34" charset="-122"/>
@@ -7808,9 +7808,9 @@
               <a:t>4.1.3  Activity</a:t>
             </a:r>
             <a:r>
-              <a:rPr lang="zh-CN" altLang="en-US">
-                <a:solidFill>
-                  <a:srgbClr val="000000"/>
+              <a:rPr lang="zh-CN" altLang="en-US" dirty="0">
+                <a:solidFill>
+                  <a:schemeClr val="bg1"/>
                 </a:solidFill>
                 <a:latin typeface="微软雅黑" panose="020B0503020204020204" pitchFamily="34" charset="-122"/>
                 <a:ea typeface="微软雅黑" panose="020B0503020204020204" pitchFamily="34" charset="-122"/>
@@ -7818,9 +7818,9 @@
               </a:rPr>
               <a:t>生命周期的回调函数</a:t>
             </a:r>
-            <a:endParaRPr lang="en-US" altLang="zh-CN" sz="1600">
+            <a:endParaRPr lang="en-US" altLang="zh-CN" sz="1600" dirty="0">
               <a:solidFill>
-                <a:srgbClr val="000000"/>
+                <a:schemeClr val="bg1"/>
               </a:solidFill>
               <a:latin typeface="微软雅黑" panose="020B0503020204020204" pitchFamily="34" charset="-122"/>
               <a:ea typeface="微软雅黑" panose="020B0503020204020204" pitchFamily="34" charset="-122"/>
@@ -9583,7 +9583,7 @@
                 <a:latin typeface="Calibri" panose="020F0502020204030204" pitchFamily="34" charset="0"/>
                 <a:sym typeface="宋体" panose="02010600030101010101" pitchFamily="2" charset="-122"/>
               </a:rPr>
-              <a:t>超大屏：电视。</a:t>
+              <a:t>超大屏：电视</a:t>
             </a:r>
           </a:p>
           <a:p>
@@ -10802,9 +10802,9 @@
           <a:lstStyle/>
           <a:p>
             <a:r>
-              <a:rPr lang="en-US" altLang="zh-CN">
-                <a:solidFill>
-                  <a:srgbClr val="000000"/>
+              <a:rPr lang="en-US" altLang="zh-CN" dirty="0">
+                <a:solidFill>
+                  <a:schemeClr val="bg1"/>
                 </a:solidFill>
                 <a:latin typeface="微软雅黑" panose="020B0503020204020204" pitchFamily="34" charset="-122"/>
                 <a:ea typeface="微软雅黑" panose="020B0503020204020204" pitchFamily="34" charset="-122"/>
@@ -10813,9 +10813,9 @@
               <a:t>4.3.1 Intent </a:t>
             </a:r>
             <a:r>
-              <a:rPr lang="zh-CN" altLang="en-US">
-                <a:solidFill>
-                  <a:srgbClr val="000000"/>
+              <a:rPr lang="zh-CN" altLang="en-US" dirty="0">
+                <a:solidFill>
+                  <a:schemeClr val="bg1"/>
                 </a:solidFill>
                 <a:latin typeface="微软雅黑" panose="020B0503020204020204" pitchFamily="34" charset="-122"/>
                 <a:ea typeface="微软雅黑" panose="020B0503020204020204" pitchFamily="34" charset="-122"/>
@@ -10823,9 +10823,9 @@
               </a:rPr>
               <a:t>属性</a:t>
             </a:r>
-            <a:endParaRPr lang="en-US" altLang="zh-CN">
+            <a:endParaRPr lang="en-US" altLang="zh-CN" dirty="0">
               <a:solidFill>
-                <a:srgbClr val="000000"/>
+                <a:schemeClr val="bg1"/>
               </a:solidFill>
               <a:latin typeface="微软雅黑" panose="020B0503020204020204" pitchFamily="34" charset="-122"/>
               <a:ea typeface="微软雅黑" panose="020B0503020204020204" pitchFamily="34" charset="-122"/>
@@ -11715,9 +11715,9 @@
           <a:lstStyle/>
           <a:p>
             <a:r>
-              <a:rPr lang="en-US" altLang="zh-CN">
-                <a:solidFill>
-                  <a:srgbClr val="000000"/>
+              <a:rPr lang="en-US" altLang="zh-CN" dirty="0">
+                <a:solidFill>
+                  <a:schemeClr val="bg1"/>
                 </a:solidFill>
                 <a:latin typeface="微软雅黑" panose="020B0503020204020204" pitchFamily="34" charset="-122"/>
                 <a:ea typeface="微软雅黑" panose="020B0503020204020204" pitchFamily="34" charset="-122"/>
@@ -11726,9 +11726,9 @@
               <a:t>4.3.2  Intent </a:t>
             </a:r>
             <a:r>
-              <a:rPr lang="zh-CN" altLang="en-US">
-                <a:solidFill>
-                  <a:srgbClr val="000000"/>
+              <a:rPr lang="zh-CN" altLang="en-US" dirty="0">
+                <a:solidFill>
+                  <a:schemeClr val="bg1"/>
                 </a:solidFill>
                 <a:latin typeface="微软雅黑" panose="020B0503020204020204" pitchFamily="34" charset="-122"/>
                 <a:ea typeface="微软雅黑" panose="020B0503020204020204" pitchFamily="34" charset="-122"/>
@@ -11736,9 +11736,9 @@
               </a:rPr>
               <a:t>解析</a:t>
             </a:r>
-            <a:endParaRPr lang="en-US" altLang="zh-CN">
+            <a:endParaRPr lang="en-US" altLang="zh-CN" dirty="0">
               <a:solidFill>
-                <a:srgbClr val="000000"/>
+                <a:schemeClr val="bg1"/>
               </a:solidFill>
               <a:latin typeface="微软雅黑" panose="020B0503020204020204" pitchFamily="34" charset="-122"/>
               <a:ea typeface="微软雅黑" panose="020B0503020204020204" pitchFamily="34" charset="-122"/>
@@ -12409,9 +12409,9 @@
           <a:lstStyle/>
           <a:p>
             <a:r>
-              <a:rPr lang="en-US" altLang="zh-CN">
-                <a:solidFill>
-                  <a:srgbClr val="000000"/>
+              <a:rPr lang="en-US" altLang="zh-CN" dirty="0">
+                <a:solidFill>
+                  <a:schemeClr val="bg1"/>
                 </a:solidFill>
                 <a:latin typeface="微软雅黑" panose="020B0503020204020204" pitchFamily="34" charset="-122"/>
                 <a:ea typeface="微软雅黑" panose="020B0503020204020204" pitchFamily="34" charset="-122"/>
@@ -12420,9 +12420,9 @@
               <a:t>4.3.2  Intent </a:t>
             </a:r>
             <a:r>
-              <a:rPr lang="zh-CN" altLang="en-US">
-                <a:solidFill>
-                  <a:srgbClr val="000000"/>
+              <a:rPr lang="zh-CN" altLang="en-US" dirty="0">
+                <a:solidFill>
+                  <a:schemeClr val="bg1"/>
                 </a:solidFill>
                 <a:latin typeface="微软雅黑" panose="020B0503020204020204" pitchFamily="34" charset="-122"/>
                 <a:ea typeface="微软雅黑" panose="020B0503020204020204" pitchFamily="34" charset="-122"/>
@@ -12430,9 +12430,9 @@
               </a:rPr>
               <a:t>解析</a:t>
             </a:r>
-            <a:endParaRPr lang="en-US" altLang="zh-CN">
+            <a:endParaRPr lang="en-US" altLang="zh-CN" dirty="0">
               <a:solidFill>
-                <a:srgbClr val="000000"/>
+                <a:schemeClr val="bg1"/>
               </a:solidFill>
               <a:latin typeface="微软雅黑" panose="020B0503020204020204" pitchFamily="34" charset="-122"/>
               <a:ea typeface="微软雅黑" panose="020B0503020204020204" pitchFamily="34" charset="-122"/>
@@ -13757,9 +13757,9 @@
           <a:lstStyle/>
           <a:p>
             <a:r>
-              <a:rPr lang="en-US" altLang="zh-CN">
-                <a:solidFill>
-                  <a:srgbClr val="000000"/>
+              <a:rPr lang="en-US" altLang="zh-CN" dirty="0">
+                <a:solidFill>
+                  <a:schemeClr val="bg1"/>
                 </a:solidFill>
                 <a:latin typeface="微软雅黑" panose="020B0503020204020204" pitchFamily="34" charset="-122"/>
                 <a:ea typeface="微软雅黑" panose="020B0503020204020204" pitchFamily="34" charset="-122"/>
@@ -13768,9 +13768,9 @@
               <a:t>4.3.3  Activity</a:t>
             </a:r>
             <a:r>
-              <a:rPr lang="zh-CN" altLang="en-US">
-                <a:solidFill>
-                  <a:srgbClr val="000000"/>
+              <a:rPr lang="zh-CN" altLang="en-US" dirty="0">
+                <a:solidFill>
+                  <a:schemeClr val="bg1"/>
                 </a:solidFill>
                 <a:latin typeface="微软雅黑" panose="020B0503020204020204" pitchFamily="34" charset="-122"/>
                 <a:ea typeface="微软雅黑" panose="020B0503020204020204" pitchFamily="34" charset="-122"/>
@@ -13778,9 +13778,9 @@
               </a:rPr>
               <a:t>的跳转</a:t>
             </a:r>
-            <a:endParaRPr lang="en-US" altLang="zh-CN">
+            <a:endParaRPr lang="en-US" altLang="zh-CN" dirty="0">
               <a:solidFill>
-                <a:srgbClr val="000000"/>
+                <a:schemeClr val="bg1"/>
               </a:solidFill>
               <a:latin typeface="微软雅黑" panose="020B0503020204020204" pitchFamily="34" charset="-122"/>
               <a:ea typeface="微软雅黑" panose="020B0503020204020204" pitchFamily="34" charset="-122"/>
@@ -14461,9 +14461,9 @@
           <a:lstStyle/>
           <a:p>
             <a:r>
-              <a:rPr lang="en-US" altLang="zh-CN">
-                <a:solidFill>
-                  <a:srgbClr val="000000"/>
+              <a:rPr lang="en-US" altLang="zh-CN" dirty="0">
+                <a:solidFill>
+                  <a:schemeClr val="bg1"/>
                 </a:solidFill>
                 <a:latin typeface="微软雅黑" panose="020B0503020204020204" pitchFamily="34" charset="-122"/>
                 <a:ea typeface="微软雅黑" panose="020B0503020204020204" pitchFamily="34" charset="-122"/>
@@ -14472,9 +14472,9 @@
               <a:t>4.3.3  Activity</a:t>
             </a:r>
             <a:r>
-              <a:rPr lang="zh-CN" altLang="en-US">
-                <a:solidFill>
-                  <a:srgbClr val="000000"/>
+              <a:rPr lang="zh-CN" altLang="en-US" dirty="0">
+                <a:solidFill>
+                  <a:schemeClr val="bg1"/>
                 </a:solidFill>
                 <a:latin typeface="微软雅黑" panose="020B0503020204020204" pitchFamily="34" charset="-122"/>
                 <a:ea typeface="微软雅黑" panose="020B0503020204020204" pitchFamily="34" charset="-122"/>
@@ -14482,9 +14482,9 @@
               </a:rPr>
               <a:t>的跳转</a:t>
             </a:r>
-            <a:endParaRPr lang="en-US" altLang="zh-CN">
+            <a:endParaRPr lang="en-US" altLang="zh-CN" dirty="0">
               <a:solidFill>
-                <a:srgbClr val="000000"/>
+                <a:schemeClr val="bg1"/>
               </a:solidFill>
               <a:latin typeface="微软雅黑" panose="020B0503020204020204" pitchFamily="34" charset="-122"/>
               <a:ea typeface="微软雅黑" panose="020B0503020204020204" pitchFamily="34" charset="-122"/>
@@ -14815,9 +14815,9 @@
           <a:lstStyle/>
           <a:p>
             <a:r>
-              <a:rPr lang="en-US" altLang="zh-CN">
-                <a:solidFill>
-                  <a:srgbClr val="000000"/>
+              <a:rPr lang="en-US" altLang="zh-CN" dirty="0">
+                <a:solidFill>
+                  <a:schemeClr val="bg1"/>
                 </a:solidFill>
                 <a:latin typeface="微软雅黑" panose="020B0503020204020204" pitchFamily="34" charset="-122"/>
                 <a:ea typeface="微软雅黑" panose="020B0503020204020204" pitchFamily="34" charset="-122"/>
@@ -14826,9 +14826,9 @@
               <a:t>4.3.3  Activity</a:t>
             </a:r>
             <a:r>
-              <a:rPr lang="zh-CN" altLang="en-US">
-                <a:solidFill>
-                  <a:srgbClr val="000000"/>
+              <a:rPr lang="zh-CN" altLang="en-US" dirty="0">
+                <a:solidFill>
+                  <a:schemeClr val="bg1"/>
                 </a:solidFill>
                 <a:latin typeface="微软雅黑" panose="020B0503020204020204" pitchFamily="34" charset="-122"/>
                 <a:ea typeface="微软雅黑" panose="020B0503020204020204" pitchFamily="34" charset="-122"/>
@@ -14836,9 +14836,9 @@
               </a:rPr>
               <a:t>的跳转</a:t>
             </a:r>
-            <a:endParaRPr lang="en-US" altLang="zh-CN">
+            <a:endParaRPr lang="en-US" altLang="zh-CN" dirty="0">
               <a:solidFill>
-                <a:srgbClr val="000000"/>
+                <a:schemeClr val="bg1"/>
               </a:solidFill>
               <a:latin typeface="微软雅黑" panose="020B0503020204020204" pitchFamily="34" charset="-122"/>
               <a:ea typeface="微软雅黑" panose="020B0503020204020204" pitchFamily="34" charset="-122"/>
@@ -15234,9 +15234,9 @@
           <a:lstStyle/>
           <a:p>
             <a:r>
-              <a:rPr lang="en-US" altLang="zh-CN">
-                <a:solidFill>
-                  <a:srgbClr val="000000"/>
+              <a:rPr lang="en-US" altLang="zh-CN" dirty="0">
+                <a:solidFill>
+                  <a:schemeClr val="bg1"/>
                 </a:solidFill>
                 <a:latin typeface="微软雅黑" panose="020B0503020204020204" pitchFamily="34" charset="-122"/>
                 <a:ea typeface="微软雅黑" panose="020B0503020204020204" pitchFamily="34" charset="-122"/>
@@ -15245,9 +15245,9 @@
               <a:t>4.3.3  Activity</a:t>
             </a:r>
             <a:r>
-              <a:rPr lang="zh-CN" altLang="en-US">
-                <a:solidFill>
-                  <a:srgbClr val="000000"/>
+              <a:rPr lang="zh-CN" altLang="en-US" dirty="0">
+                <a:solidFill>
+                  <a:schemeClr val="bg1"/>
                 </a:solidFill>
                 <a:latin typeface="微软雅黑" panose="020B0503020204020204" pitchFamily="34" charset="-122"/>
                 <a:ea typeface="微软雅黑" panose="020B0503020204020204" pitchFamily="34" charset="-122"/>
@@ -15255,9 +15255,9 @@
               </a:rPr>
               <a:t>的跳转</a:t>
             </a:r>
-            <a:endParaRPr lang="en-US" altLang="zh-CN">
+            <a:endParaRPr lang="en-US" altLang="zh-CN" dirty="0">
               <a:solidFill>
-                <a:srgbClr val="000000"/>
+                <a:schemeClr val="bg1"/>
               </a:solidFill>
               <a:latin typeface="微软雅黑" panose="020B0503020204020204" pitchFamily="34" charset="-122"/>
               <a:ea typeface="微软雅黑" panose="020B0503020204020204" pitchFamily="34" charset="-122"/>
@@ -17373,9 +17373,9 @@
           <a:lstStyle/>
           <a:p>
             <a:r>
-              <a:rPr lang="en-US" altLang="zh-CN">
-                <a:solidFill>
-                  <a:srgbClr val="000000"/>
+              <a:rPr lang="en-US" altLang="zh-CN" dirty="0">
+                <a:solidFill>
+                  <a:schemeClr val="bg1"/>
                 </a:solidFill>
                 <a:latin typeface="微软雅黑" panose="020B0503020204020204" pitchFamily="34" charset="-122"/>
                 <a:ea typeface="微软雅黑" panose="020B0503020204020204" pitchFamily="34" charset="-122"/>
@@ -17384,9 +17384,9 @@
               <a:t>4.1.2  Activity</a:t>
             </a:r>
             <a:r>
-              <a:rPr lang="zh-CN" altLang="en-US">
-                <a:solidFill>
-                  <a:srgbClr val="000000"/>
+              <a:rPr lang="zh-CN" altLang="en-US" dirty="0">
+                <a:solidFill>
+                  <a:schemeClr val="bg1"/>
                 </a:solidFill>
                 <a:latin typeface="微软雅黑" panose="020B0503020204020204" pitchFamily="34" charset="-122"/>
                 <a:ea typeface="微软雅黑" panose="020B0503020204020204" pitchFamily="34" charset="-122"/>
@@ -17394,9 +17394,9 @@
               </a:rPr>
               <a:t>状态</a:t>
             </a:r>
-            <a:endParaRPr lang="en-US" altLang="zh-CN">
+            <a:endParaRPr lang="en-US" altLang="zh-CN" dirty="0">
               <a:solidFill>
-                <a:srgbClr val="000000"/>
+                <a:schemeClr val="bg1"/>
               </a:solidFill>
               <a:latin typeface="微软雅黑" panose="020B0503020204020204" pitchFamily="34" charset="-122"/>
               <a:ea typeface="微软雅黑" panose="020B0503020204020204" pitchFamily="34" charset="-122"/>
@@ -18059,9 +18059,9 @@
           <a:lstStyle/>
           <a:p>
             <a:r>
-              <a:rPr lang="en-US" altLang="zh-CN">
-                <a:solidFill>
-                  <a:srgbClr val="000000"/>
+              <a:rPr lang="en-US" altLang="zh-CN" dirty="0">
+                <a:solidFill>
+                  <a:schemeClr val="bg1"/>
                 </a:solidFill>
                 <a:latin typeface="微软雅黑" panose="020B0503020204020204" pitchFamily="34" charset="-122"/>
                 <a:ea typeface="微软雅黑" panose="020B0503020204020204" pitchFamily="34" charset="-122"/>
@@ -18070,9 +18070,9 @@
               <a:t>4.1.2  Activity</a:t>
             </a:r>
             <a:r>
-              <a:rPr lang="zh-CN" altLang="en-US">
-                <a:solidFill>
-                  <a:srgbClr val="000000"/>
+              <a:rPr lang="zh-CN" altLang="en-US" dirty="0">
+                <a:solidFill>
+                  <a:schemeClr val="bg1"/>
                 </a:solidFill>
                 <a:latin typeface="微软雅黑" panose="020B0503020204020204" pitchFamily="34" charset="-122"/>
                 <a:ea typeface="微软雅黑" panose="020B0503020204020204" pitchFamily="34" charset="-122"/>
@@ -18080,9 +18080,9 @@
               </a:rPr>
               <a:t>状态</a:t>
             </a:r>
-            <a:endParaRPr lang="en-US" altLang="zh-CN">
+            <a:endParaRPr lang="en-US" altLang="zh-CN" dirty="0">
               <a:solidFill>
-                <a:srgbClr val="000000"/>
+                <a:schemeClr val="bg1"/>
               </a:solidFill>
               <a:latin typeface="微软雅黑" panose="020B0503020204020204" pitchFamily="34" charset="-122"/>
               <a:ea typeface="微软雅黑" panose="020B0503020204020204" pitchFamily="34" charset="-122"/>
@@ -18712,9 +18712,9 @@
           <a:lstStyle/>
           <a:p>
             <a:r>
-              <a:rPr lang="en-US" altLang="zh-CN">
-                <a:solidFill>
-                  <a:srgbClr val="000000"/>
+              <a:rPr lang="en-US" altLang="zh-CN" dirty="0">
+                <a:solidFill>
+                  <a:schemeClr val="bg1"/>
                 </a:solidFill>
                 <a:latin typeface="微软雅黑" panose="020B0503020204020204" pitchFamily="34" charset="-122"/>
                 <a:ea typeface="微软雅黑" panose="020B0503020204020204" pitchFamily="34" charset="-122"/>
@@ -18723,9 +18723,9 @@
               <a:t>4.1.2  Activity</a:t>
             </a:r>
             <a:r>
-              <a:rPr lang="zh-CN" altLang="en-US">
-                <a:solidFill>
-                  <a:srgbClr val="000000"/>
+              <a:rPr lang="zh-CN" altLang="en-US" dirty="0">
+                <a:solidFill>
+                  <a:schemeClr val="bg1"/>
                 </a:solidFill>
                 <a:latin typeface="微软雅黑" panose="020B0503020204020204" pitchFamily="34" charset="-122"/>
                 <a:ea typeface="微软雅黑" panose="020B0503020204020204" pitchFamily="34" charset="-122"/>
@@ -18733,9 +18733,9 @@
               </a:rPr>
               <a:t>状态</a:t>
             </a:r>
-            <a:endParaRPr lang="en-US" altLang="zh-CN">
+            <a:endParaRPr lang="en-US" altLang="zh-CN" dirty="0">
               <a:solidFill>
-                <a:srgbClr val="000000"/>
+                <a:schemeClr val="bg1"/>
               </a:solidFill>
               <a:latin typeface="微软雅黑" panose="020B0503020204020204" pitchFamily="34" charset="-122"/>
               <a:ea typeface="微软雅黑" panose="020B0503020204020204" pitchFamily="34" charset="-122"/>
@@ -19267,9 +19267,9 @@
           <a:lstStyle/>
           <a:p>
             <a:r>
-              <a:rPr lang="en-US" altLang="zh-CN">
-                <a:solidFill>
-                  <a:srgbClr val="000000"/>
+              <a:rPr lang="en-US" altLang="zh-CN" dirty="0">
+                <a:solidFill>
+                  <a:schemeClr val="bg1"/>
                 </a:solidFill>
                 <a:latin typeface="微软雅黑" panose="020B0503020204020204" pitchFamily="34" charset="-122"/>
                 <a:ea typeface="微软雅黑" panose="020B0503020204020204" pitchFamily="34" charset="-122"/>
@@ -19278,9 +19278,9 @@
               <a:t>4.1.2  Activity</a:t>
             </a:r>
             <a:r>
-              <a:rPr lang="zh-CN" altLang="en-US">
-                <a:solidFill>
-                  <a:srgbClr val="000000"/>
+              <a:rPr lang="zh-CN" altLang="en-US" dirty="0">
+                <a:solidFill>
+                  <a:schemeClr val="bg1"/>
                 </a:solidFill>
                 <a:latin typeface="微软雅黑" panose="020B0503020204020204" pitchFamily="34" charset="-122"/>
                 <a:ea typeface="微软雅黑" panose="020B0503020204020204" pitchFamily="34" charset="-122"/>
@@ -19288,9 +19288,9 @@
               </a:rPr>
               <a:t>状态</a:t>
             </a:r>
-            <a:endParaRPr lang="en-US" altLang="zh-CN">
+            <a:endParaRPr lang="en-US" altLang="zh-CN" dirty="0">
               <a:solidFill>
-                <a:srgbClr val="000000"/>
+                <a:schemeClr val="bg1"/>
               </a:solidFill>
               <a:latin typeface="微软雅黑" panose="020B0503020204020204" pitchFamily="34" charset="-122"/>
               <a:ea typeface="微软雅黑" panose="020B0503020204020204" pitchFamily="34" charset="-122"/>
@@ -19809,9 +19809,9 @@
           <a:lstStyle/>
           <a:p>
             <a:r>
-              <a:rPr lang="en-US" altLang="zh-CN">
-                <a:solidFill>
-                  <a:srgbClr val="000000"/>
+              <a:rPr lang="en-US" altLang="zh-CN" dirty="0">
+                <a:solidFill>
+                  <a:schemeClr val="bg1"/>
                 </a:solidFill>
                 <a:latin typeface="微软雅黑" panose="020B0503020204020204" pitchFamily="34" charset="-122"/>
                 <a:ea typeface="微软雅黑" panose="020B0503020204020204" pitchFamily="34" charset="-122"/>
@@ -19820,9 +19820,9 @@
               <a:t>4.1.3  Activity</a:t>
             </a:r>
             <a:r>
-              <a:rPr lang="zh-CN" altLang="en-US">
-                <a:solidFill>
-                  <a:srgbClr val="000000"/>
+              <a:rPr lang="zh-CN" altLang="en-US" dirty="0">
+                <a:solidFill>
+                  <a:schemeClr val="bg1"/>
                 </a:solidFill>
                 <a:latin typeface="微软雅黑" panose="020B0503020204020204" pitchFamily="34" charset="-122"/>
                 <a:ea typeface="微软雅黑" panose="020B0503020204020204" pitchFamily="34" charset="-122"/>
@@ -19830,9 +19830,9 @@
               </a:rPr>
               <a:t>生命周期的回调函数</a:t>
             </a:r>
-            <a:endParaRPr lang="en-US" altLang="zh-CN">
+            <a:endParaRPr lang="en-US" altLang="zh-CN" dirty="0">
               <a:solidFill>
-                <a:srgbClr val="000000"/>
+                <a:schemeClr val="bg1"/>
               </a:solidFill>
               <a:latin typeface="微软雅黑" panose="020B0503020204020204" pitchFamily="34" charset="-122"/>
               <a:ea typeface="微软雅黑" panose="020B0503020204020204" pitchFamily="34" charset="-122"/>
@@ -20408,9 +20408,9 @@
           <a:lstStyle/>
           <a:p>
             <a:r>
-              <a:rPr lang="en-US" altLang="zh-CN">
-                <a:solidFill>
-                  <a:srgbClr val="000000"/>
+              <a:rPr lang="en-US" altLang="zh-CN" dirty="0">
+                <a:solidFill>
+                  <a:schemeClr val="bg1"/>
                 </a:solidFill>
                 <a:latin typeface="微软雅黑" panose="020B0503020204020204" pitchFamily="34" charset="-122"/>
                 <a:ea typeface="微软雅黑" panose="020B0503020204020204" pitchFamily="34" charset="-122"/>
@@ -20419,9 +20419,9 @@
               <a:t>4.1.3  Activity</a:t>
             </a:r>
             <a:r>
-              <a:rPr lang="zh-CN" altLang="en-US">
-                <a:solidFill>
-                  <a:srgbClr val="000000"/>
+              <a:rPr lang="zh-CN" altLang="en-US" dirty="0">
+                <a:solidFill>
+                  <a:schemeClr val="bg1"/>
                 </a:solidFill>
                 <a:latin typeface="微软雅黑" panose="020B0503020204020204" pitchFamily="34" charset="-122"/>
                 <a:ea typeface="微软雅黑" panose="020B0503020204020204" pitchFamily="34" charset="-122"/>
@@ -20429,9 +20429,9 @@
               </a:rPr>
               <a:t>生命周期的回调函数</a:t>
             </a:r>
-            <a:endParaRPr lang="en-US" altLang="zh-CN">
+            <a:endParaRPr lang="en-US" altLang="zh-CN" dirty="0">
               <a:solidFill>
-                <a:srgbClr val="000000"/>
+                <a:schemeClr val="bg1"/>
               </a:solidFill>
               <a:latin typeface="微软雅黑" panose="020B0503020204020204" pitchFamily="34" charset="-122"/>
               <a:ea typeface="微软雅黑" panose="020B0503020204020204" pitchFamily="34" charset="-122"/>
@@ -20725,7 +20725,7 @@
             <a:r>
               <a:rPr lang="zh-CN" altLang="en-US" sz="1600" b="1" dirty="0">
                 <a:solidFill>
-                  <a:srgbClr val="00B050"/>
+                  <a:schemeClr val="bg1"/>
                 </a:solidFill>
                 <a:latin typeface="Calibri" panose="020F0502020204030204" pitchFamily="34" charset="0"/>
                 <a:sym typeface="宋体" panose="02010600030101010101" pitchFamily="2" charset="-122"/>
@@ -20773,7 +20773,7 @@
             <a:r>
               <a:rPr lang="zh-CN" altLang="en-US" sz="1600" b="1" dirty="0">
                 <a:solidFill>
-                  <a:srgbClr val="00B050"/>
+                  <a:schemeClr val="bg1"/>
                 </a:solidFill>
                 <a:latin typeface="Calibri" panose="020F0502020204030204" pitchFamily="34" charset="0"/>
                 <a:sym typeface="宋体" panose="02010600030101010101" pitchFamily="2" charset="-122"/>
@@ -20782,7 +20782,7 @@
             </a:r>
             <a:endParaRPr lang="zh-CN" altLang="en-US" sz="1600" dirty="0">
               <a:solidFill>
-                <a:srgbClr val="000000"/>
+                <a:schemeClr val="bg1"/>
               </a:solidFill>
               <a:latin typeface="Calibri" panose="020F0502020204030204" pitchFamily="34" charset="0"/>
               <a:sym typeface="宋体" panose="02010600030101010101" pitchFamily="2" charset="-122"/>
@@ -20828,7 +20828,7 @@
             <a:r>
               <a:rPr lang="zh-CN" altLang="en-US" sz="1600" b="1" dirty="0">
                 <a:solidFill>
-                  <a:srgbClr val="00B050"/>
+                  <a:schemeClr val="bg1"/>
                 </a:solidFill>
                 <a:latin typeface="Calibri" panose="020F0502020204030204" pitchFamily="34" charset="0"/>
                 <a:sym typeface="宋体" panose="02010600030101010101" pitchFamily="2" charset="-122"/>
@@ -20929,9 +20929,9 @@
           <a:lstStyle/>
           <a:p>
             <a:r>
-              <a:rPr lang="en-US" altLang="zh-CN">
-                <a:solidFill>
-                  <a:srgbClr val="000000"/>
+              <a:rPr lang="en-US" altLang="zh-CN" dirty="0">
+                <a:solidFill>
+                  <a:schemeClr val="bg1"/>
                 </a:solidFill>
                 <a:latin typeface="微软雅黑" panose="020B0503020204020204" pitchFamily="34" charset="-122"/>
                 <a:ea typeface="微软雅黑" panose="020B0503020204020204" pitchFamily="34" charset="-122"/>
@@ -20940,9 +20940,9 @@
               <a:t>4.1.3  Activity</a:t>
             </a:r>
             <a:r>
-              <a:rPr lang="zh-CN" altLang="en-US">
-                <a:solidFill>
-                  <a:srgbClr val="000000"/>
+              <a:rPr lang="zh-CN" altLang="en-US" dirty="0">
+                <a:solidFill>
+                  <a:schemeClr val="bg1"/>
                 </a:solidFill>
                 <a:latin typeface="微软雅黑" panose="020B0503020204020204" pitchFamily="34" charset="-122"/>
                 <a:ea typeface="微软雅黑" panose="020B0503020204020204" pitchFamily="34" charset="-122"/>
@@ -20950,9 +20950,9 @@
               </a:rPr>
               <a:t>生命周期的回调函数</a:t>
             </a:r>
-            <a:endParaRPr lang="en-US" altLang="zh-CN">
+            <a:endParaRPr lang="en-US" altLang="zh-CN" dirty="0">
               <a:solidFill>
-                <a:srgbClr val="000000"/>
+                <a:schemeClr val="bg1"/>
               </a:solidFill>
               <a:latin typeface="微软雅黑" panose="020B0503020204020204" pitchFamily="34" charset="-122"/>
               <a:ea typeface="微软雅黑" panose="020B0503020204020204" pitchFamily="34" charset="-122"/>

--- a/04.0 -- 活动-意图-- 第04章.pptx
+++ b/04.0 -- 活动-意图-- 第04章.pptx
@@ -5,7 +5,7 @@
     <p:sldMasterId id="2147483662" r:id="rId1"/>
   </p:sldMasterIdLst>
   <p:notesMasterIdLst>
-    <p:notesMasterId r:id="rId29"/>
+    <p:notesMasterId r:id="rId31"/>
   </p:notesMasterIdLst>
   <p:sldIdLst>
     <p:sldId id="395" r:id="rId2"/>
@@ -25,16 +25,18 @@
     <p:sldId id="353" r:id="rId16"/>
     <p:sldId id="372" r:id="rId17"/>
     <p:sldId id="261" r:id="rId18"/>
-    <p:sldId id="378" r:id="rId19"/>
-    <p:sldId id="379" r:id="rId20"/>
-    <p:sldId id="535" r:id="rId21"/>
-    <p:sldId id="384" r:id="rId22"/>
-    <p:sldId id="385" r:id="rId23"/>
-    <p:sldId id="536" r:id="rId24"/>
-    <p:sldId id="391" r:id="rId25"/>
-    <p:sldId id="392" r:id="rId26"/>
-    <p:sldId id="393" r:id="rId27"/>
-    <p:sldId id="294" r:id="rId28"/>
+    <p:sldId id="537" r:id="rId19"/>
+    <p:sldId id="538" r:id="rId20"/>
+    <p:sldId id="378" r:id="rId21"/>
+    <p:sldId id="379" r:id="rId22"/>
+    <p:sldId id="535" r:id="rId23"/>
+    <p:sldId id="384" r:id="rId24"/>
+    <p:sldId id="385" r:id="rId25"/>
+    <p:sldId id="536" r:id="rId26"/>
+    <p:sldId id="391" r:id="rId27"/>
+    <p:sldId id="392" r:id="rId28"/>
+    <p:sldId id="393" r:id="rId29"/>
+    <p:sldId id="294" r:id="rId30"/>
   </p:sldIdLst>
   <p:sldSz cx="9144000" cy="5143500" type="screen16x9"/>
   <p:notesSz cx="6858000" cy="9144000"/>
@@ -339,7 +341,7 @@
               <a:pPr>
                 <a:defRPr/>
               </a:pPr>
-              <a:t>2021/9/6</a:t>
+              <a:t>2021/9/13</a:t>
             </a:fld>
             <a:endParaRPr lang="zh-CN" altLang="en-US" sz="1200"/>
           </a:p>
@@ -1270,7 +1272,7 @@
             <a:fld id="{C33D8BF3-04B1-4578-9944-A784348B543C}" type="datetimeFigureOut">
               <a:rPr lang="zh-CN" altLang="en-US"/>
               <a:pPr/>
-              <a:t>2021/9/6</a:t>
+              <a:t>2021/9/13</a:t>
             </a:fld>
             <a:endParaRPr lang="zh-CN" altLang="en-US"/>
           </a:p>
@@ -1469,7 +1471,7 @@
             <a:fld id="{C33D8BF3-04B1-4578-9944-A784348B543C}" type="datetimeFigureOut">
               <a:rPr lang="zh-CN" altLang="en-US"/>
               <a:pPr/>
-              <a:t>2021/9/6</a:t>
+              <a:t>2021/9/13</a:t>
             </a:fld>
             <a:endParaRPr lang="zh-CN" altLang="en-US"/>
           </a:p>
@@ -1618,7 +1620,7 @@
             <a:fld id="{C33D8BF3-04B1-4578-9944-A784348B543C}" type="datetimeFigureOut">
               <a:rPr lang="zh-CN" altLang="en-US"/>
               <a:pPr/>
-              <a:t>2021/9/6</a:t>
+              <a:t>2021/9/13</a:t>
             </a:fld>
             <a:endParaRPr lang="zh-CN" altLang="en-US"/>
           </a:p>
@@ -1767,7 +1769,7 @@
             <a:fld id="{C33D8BF3-04B1-4578-9944-A784348B543C}" type="datetimeFigureOut">
               <a:rPr lang="zh-CN" altLang="en-US"/>
               <a:pPr/>
-              <a:t>2021/9/6</a:t>
+              <a:t>2021/9/13</a:t>
             </a:fld>
             <a:endParaRPr lang="zh-CN" altLang="en-US"/>
           </a:p>
@@ -1916,7 +1918,7 @@
             <a:fld id="{C33D8BF3-04B1-4578-9944-A784348B543C}" type="datetimeFigureOut">
               <a:rPr lang="zh-CN" altLang="en-US"/>
               <a:pPr/>
-              <a:t>2021/9/6</a:t>
+              <a:t>2021/9/13</a:t>
             </a:fld>
             <a:endParaRPr lang="zh-CN" altLang="en-US"/>
           </a:p>
@@ -2118,7 +2120,7 @@
             <a:fld id="{C33D8BF3-04B1-4578-9944-A784348B543C}" type="datetimeFigureOut">
               <a:rPr lang="zh-CN" altLang="en-US"/>
               <a:pPr/>
-              <a:t>2021/9/6</a:t>
+              <a:t>2021/9/13</a:t>
             </a:fld>
             <a:endParaRPr lang="zh-CN" altLang="en-US"/>
           </a:p>
@@ -2507,7 +2509,7 @@
             <a:fld id="{C33D8BF3-04B1-4578-9944-A784348B543C}" type="datetimeFigureOut">
               <a:rPr lang="zh-CN" altLang="en-US"/>
               <a:pPr/>
-              <a:t>2021/9/6</a:t>
+              <a:t>2021/9/13</a:t>
             </a:fld>
             <a:endParaRPr lang="zh-CN" altLang="en-US"/>
           </a:p>
@@ -2775,7 +2777,7 @@
             <a:fld id="{C33D8BF3-04B1-4578-9944-A784348B543C}" type="datetimeFigureOut">
               <a:rPr lang="zh-CN" altLang="en-US"/>
               <a:pPr/>
-              <a:t>2021/9/6</a:t>
+              <a:t>2021/9/13</a:t>
             </a:fld>
             <a:endParaRPr lang="zh-CN" altLang="en-US"/>
           </a:p>
@@ -3178,7 +3180,7 @@
             <a:fld id="{C33D8BF3-04B1-4578-9944-A784348B543C}" type="datetimeFigureOut">
               <a:rPr lang="zh-CN" altLang="en-US"/>
               <a:pPr/>
-              <a:t>2021/9/6</a:t>
+              <a:t>2021/9/13</a:t>
             </a:fld>
             <a:endParaRPr lang="zh-CN" altLang="en-US"/>
           </a:p>
@@ -4667,7 +4669,7 @@
             <a:fld id="{C33D8BF3-04B1-4578-9944-A784348B543C}" type="datetimeFigureOut">
               <a:rPr lang="zh-CN" altLang="en-US"/>
               <a:pPr/>
-              <a:t>2021/9/6</a:t>
+              <a:t>2021/9/13</a:t>
             </a:fld>
             <a:endParaRPr lang="zh-CN" altLang="en-US"/>
           </a:p>
@@ -4794,7 +4796,7 @@
             <a:fld id="{C33D8BF3-04B1-4578-9944-A784348B543C}" type="datetimeFigureOut">
               <a:rPr lang="zh-CN" altLang="en-US"/>
               <a:pPr/>
-              <a:t>2021/9/6</a:t>
+              <a:t>2021/9/13</a:t>
             </a:fld>
             <a:endParaRPr lang="zh-CN" altLang="en-US"/>
           </a:p>
@@ -5010,7 +5012,7 @@
             <a:fld id="{C33D8BF3-04B1-4578-9944-A784348B543C}" type="datetimeFigureOut">
               <a:rPr lang="zh-CN" altLang="en-US"/>
               <a:pPr/>
-              <a:t>2021/9/6</a:t>
+              <a:t>2021/9/13</a:t>
             </a:fld>
             <a:endParaRPr lang="zh-CN" altLang="en-US"/>
           </a:p>
@@ -5232,7 +5234,7 @@
             <a:fld id="{C33D8BF3-04B1-4578-9944-A784348B543C}" type="datetimeFigureOut">
               <a:rPr lang="zh-CN" altLang="en-US"/>
               <a:pPr/>
-              <a:t>2021/9/6</a:t>
+              <a:t>2021/9/13</a:t>
             </a:fld>
             <a:endParaRPr lang="zh-CN" altLang="en-US"/>
           </a:p>
@@ -5642,7 +5644,7 @@
             <a:fld id="{C33D8BF3-04B1-4578-9944-A784348B543C}" type="datetimeFigureOut">
               <a:rPr lang="zh-CN" altLang="en-US"/>
               <a:pPr/>
-              <a:t>2021/9/6</a:t>
+              <a:t>2021/9/13</a:t>
             </a:fld>
             <a:endParaRPr lang="zh-CN" altLang="en-US"/>
           </a:p>
@@ -10985,8 +10987,8 @@
         </p:nvSpPr>
         <p:spPr bwMode="auto">
           <a:xfrm>
-            <a:off x="971750" y="934977"/>
-            <a:ext cx="6696464" cy="701795"/>
+            <a:off x="406773" y="755932"/>
+            <a:ext cx="8125502" cy="378630"/>
           </a:xfrm>
           <a:prstGeom prst="rect">
             <a:avLst/>
@@ -11065,27 +11067,7 @@
                 <a:latin typeface="Calibri" panose="020F0502020204030204" pitchFamily="34" charset="0"/>
                 <a:sym typeface="宋体" panose="02010600030101010101" pitchFamily="2" charset="-122"/>
               </a:rPr>
-              <a:t>等内容组成，每个组成都由相应的属性进行表示，并提供设置和获取相应属性的方法，如下表</a:t>
-            </a:r>
-            <a:r>
-              <a:rPr lang="en-US" altLang="zh-CN" sz="1400" dirty="0">
-                <a:solidFill>
-                  <a:srgbClr val="000000"/>
-                </a:solidFill>
-                <a:latin typeface="Calibri" panose="020F0502020204030204" pitchFamily="34" charset="0"/>
-                <a:sym typeface="Calibri" panose="020F0502020204030204" pitchFamily="34" charset="0"/>
-              </a:rPr>
-              <a:t>4.3</a:t>
-            </a:r>
-            <a:r>
-              <a:rPr lang="zh-CN" altLang="en-US" sz="1400" dirty="0">
-                <a:solidFill>
-                  <a:srgbClr val="000000"/>
-                </a:solidFill>
-                <a:latin typeface="Calibri" panose="020F0502020204030204" pitchFamily="34" charset="0"/>
-                <a:sym typeface="宋体" panose="02010600030101010101" pitchFamily="2" charset="-122"/>
-              </a:rPr>
-              <a:t>所示。</a:t>
+              <a:t>等内容组成</a:t>
             </a:r>
             <a:endParaRPr lang="zh-CN" altLang="en-US" sz="1600" dirty="0"/>
           </a:p>
@@ -11106,14 +11088,14 @@
           <p:nvPr>
             <p:extLst>
               <p:ext uri="{D42A27DB-BD31-4B8C-83A1-F6EECF244321}">
-                <p14:modId xmlns:p14="http://schemas.microsoft.com/office/powerpoint/2010/main" val="3976790453"/>
+                <p14:modId xmlns:p14="http://schemas.microsoft.com/office/powerpoint/2010/main" val="969384614"/>
               </p:ext>
             </p:extLst>
           </p:nvPr>
         </p:nvGraphicFramePr>
         <p:xfrm>
-          <a:off x="971750" y="1933514"/>
-          <a:ext cx="6696464" cy="2595880"/>
+          <a:off x="410335" y="1261274"/>
+          <a:ext cx="2221092" cy="2727960"/>
         </p:xfrm>
         <a:graphic>
           <a:graphicData uri="http://schemas.openxmlformats.org/drawingml/2006/table">
@@ -11122,31 +11104,17 @@
                 <a:tableStyleId>{5C22544A-7EE6-4342-B048-85BDC9FD1C3A}</a:tableStyleId>
               </a:tblPr>
               <a:tblGrid>
-                <a:gridCol w="1674116">
+                <a:gridCol w="661377">
                   <a:extLst>
                     <a:ext uri="{9D8B030D-6E8A-4147-A177-3AD203B41FA5}">
                       <a16:colId xmlns:a16="http://schemas.microsoft.com/office/drawing/2014/main" val="2381358321"/>
                     </a:ext>
                   </a:extLst>
                 </a:gridCol>
-                <a:gridCol w="1674116">
+                <a:gridCol w="1559715">
                   <a:extLst>
                     <a:ext uri="{9D8B030D-6E8A-4147-A177-3AD203B41FA5}">
                       <a16:colId xmlns:a16="http://schemas.microsoft.com/office/drawing/2014/main" val="492297040"/>
-                    </a:ext>
-                  </a:extLst>
-                </a:gridCol>
-                <a:gridCol w="1674116">
-                  <a:extLst>
-                    <a:ext uri="{9D8B030D-6E8A-4147-A177-3AD203B41FA5}">
-                      <a16:colId xmlns:a16="http://schemas.microsoft.com/office/drawing/2014/main" val="290841861"/>
-                    </a:ext>
-                  </a:extLst>
-                </a:gridCol>
-                <a:gridCol w="1674116">
-                  <a:extLst>
-                    <a:ext uri="{9D8B030D-6E8A-4147-A177-3AD203B41FA5}">
-                      <a16:colId xmlns:a16="http://schemas.microsoft.com/office/drawing/2014/main" val="1298917872"/>
                     </a:ext>
                   </a:extLst>
                 </a:gridCol>
@@ -11173,32 +11141,6 @@
                       <a:r>
                         <a:rPr lang="zh-CN" altLang="en-US" dirty="0"/>
                         <a:t>属性</a:t>
-                      </a:r>
-                    </a:p>
-                  </a:txBody>
-                  <a:tcPr/>
-                </a:tc>
-                <a:tc>
-                  <a:txBody>
-                    <a:bodyPr/>
-                    <a:lstStyle/>
-                    <a:p>
-                      <a:r>
-                        <a:rPr lang="zh-CN" altLang="en-US" dirty="0"/>
-                        <a:t>设置属性方法</a:t>
-                      </a:r>
-                    </a:p>
-                  </a:txBody>
-                  <a:tcPr/>
-                </a:tc>
-                <a:tc>
-                  <a:txBody>
-                    <a:bodyPr/>
-                    <a:lstStyle/>
-                    <a:p>
-                      <a:r>
-                        <a:rPr lang="zh-CN" altLang="en-US" dirty="0"/>
-                        <a:t>获取属性方法</a:t>
                       </a:r>
                     </a:p>
                   </a:txBody>
@@ -11238,40 +11180,6 @@
                   </a:txBody>
                   <a:tcPr/>
                 </a:tc>
-                <a:tc>
-                  <a:txBody>
-                    <a:bodyPr/>
-                    <a:lstStyle/>
-                    <a:p>
-                      <a:r>
-                        <a:rPr lang="en-US" altLang="zh-CN" dirty="0" err="1"/>
-                        <a:t>setAction</a:t>
-                      </a:r>
-                      <a:r>
-                        <a:rPr lang="zh-CN" altLang="en-US" dirty="0"/>
-                        <a:t>（）</a:t>
-                      </a:r>
-                    </a:p>
-                  </a:txBody>
-                  <a:tcPr/>
-                </a:tc>
-                <a:tc>
-                  <a:txBody>
-                    <a:bodyPr/>
-                    <a:lstStyle/>
-                    <a:p>
-                      <a:r>
-                        <a:rPr lang="en-US" altLang="zh-CN" dirty="0" err="1"/>
-                        <a:t>getAction</a:t>
-                      </a:r>
-                      <a:r>
-                        <a:rPr lang="zh-CN" altLang="en-US" dirty="0"/>
-                        <a:t>（）</a:t>
-                      </a:r>
-                    </a:p>
-                  </a:txBody>
-                  <a:tcPr/>
-                </a:tc>
                 <a:extLst>
                   <a:ext uri="{0D108BD9-81ED-4DB2-BD59-A6C34878D82A}">
                     <a16:rowId xmlns:a16="http://schemas.microsoft.com/office/drawing/2014/main" val="2651152174"/>
@@ -11306,40 +11214,6 @@
                   </a:txBody>
                   <a:tcPr/>
                 </a:tc>
-                <a:tc>
-                  <a:txBody>
-                    <a:bodyPr/>
-                    <a:lstStyle/>
-                    <a:p>
-                      <a:r>
-                        <a:rPr lang="en-US" altLang="zh-CN" dirty="0" err="1"/>
-                        <a:t>setData</a:t>
-                      </a:r>
-                      <a:r>
-                        <a:rPr lang="zh-CN" altLang="en-US" dirty="0"/>
-                        <a:t>（）</a:t>
-                      </a:r>
-                    </a:p>
-                  </a:txBody>
-                  <a:tcPr/>
-                </a:tc>
-                <a:tc>
-                  <a:txBody>
-                    <a:bodyPr/>
-                    <a:lstStyle/>
-                    <a:p>
-                      <a:r>
-                        <a:rPr lang="en-US" altLang="zh-CN" dirty="0" err="1"/>
-                        <a:t>getData</a:t>
-                      </a:r>
-                      <a:r>
-                        <a:rPr lang="zh-CN" altLang="en-US" dirty="0"/>
-                        <a:t>（）</a:t>
-                      </a:r>
-                    </a:p>
-                  </a:txBody>
-                  <a:tcPr/>
-                </a:tc>
                 <a:extLst>
                   <a:ext uri="{0D108BD9-81ED-4DB2-BD59-A6C34878D82A}">
                     <a16:rowId xmlns:a16="http://schemas.microsoft.com/office/drawing/2014/main" val="2362893337"/>
@@ -11368,37 +11242,6 @@
                       <a:r>
                         <a:rPr lang="en-US" altLang="zh-CN" dirty="0"/>
                         <a:t>Category</a:t>
-                      </a:r>
-                      <a:endParaRPr lang="zh-CN" altLang="en-US" dirty="0"/>
-                    </a:p>
-                  </a:txBody>
-                  <a:tcPr/>
-                </a:tc>
-                <a:tc>
-                  <a:txBody>
-                    <a:bodyPr/>
-                    <a:lstStyle/>
-                    <a:p>
-                      <a:r>
-                        <a:rPr lang="en-US" altLang="zh-CN" dirty="0" err="1"/>
-                        <a:t>addCategory</a:t>
-                      </a:r>
-                      <a:r>
-                        <a:rPr lang="zh-CN" altLang="en-US" dirty="0"/>
-                        <a:t>（）</a:t>
-                      </a:r>
-                    </a:p>
-                  </a:txBody>
-                  <a:tcPr/>
-                </a:tc>
-                <a:tc>
-                  <a:txBody>
-                    <a:bodyPr/>
-                    <a:lstStyle/>
-                    <a:p>
-                      <a:r>
-                        <a:rPr lang="en-US" altLang="zh-CN" dirty="0"/>
-                        <a:t>---</a:t>
                       </a:r>
                       <a:endParaRPr lang="zh-CN" altLang="en-US" dirty="0"/>
                     </a:p>
@@ -11439,18 +11282,21 @@
                   </a:txBody>
                   <a:tcPr/>
                 </a:tc>
+                <a:extLst>
+                  <a:ext uri="{0D108BD9-81ED-4DB2-BD59-A6C34878D82A}">
+                    <a16:rowId xmlns:a16="http://schemas.microsoft.com/office/drawing/2014/main" val="4129549276"/>
+                  </a:ext>
+                </a:extLst>
+              </a:tr>
+              <a:tr h="370840">
                 <a:tc>
                   <a:txBody>
                     <a:bodyPr/>
                     <a:lstStyle/>
                     <a:p>
                       <a:r>
-                        <a:rPr lang="en-US" altLang="zh-CN" dirty="0" err="1"/>
-                        <a:t>setTypy</a:t>
-                      </a:r>
-                      <a:r>
                         <a:rPr lang="zh-CN" altLang="en-US" dirty="0"/>
-                        <a:t>（）</a:t>
+                        <a:t>组件</a:t>
                       </a:r>
                     </a:p>
                   </a:txBody>
@@ -11462,13 +11308,1557 @@
                     <a:lstStyle/>
                     <a:p>
                       <a:r>
-                        <a:rPr lang="en-US" altLang="zh-CN" dirty="0" err="1"/>
-                        <a:t>getType</a:t>
+                        <a:rPr lang="en-US" altLang="zh-CN" dirty="0"/>
+                        <a:t>Component</a:t>
                       </a:r>
+                      <a:endParaRPr lang="zh-CN" altLang="en-US" dirty="0"/>
+                    </a:p>
+                  </a:txBody>
+                  <a:tcPr/>
+                </a:tc>
+                <a:extLst>
+                  <a:ext uri="{0D108BD9-81ED-4DB2-BD59-A6C34878D82A}">
+                    <a16:rowId xmlns:a16="http://schemas.microsoft.com/office/drawing/2014/main" val="2455900744"/>
+                  </a:ext>
+                </a:extLst>
+              </a:tr>
+              <a:tr h="370840">
+                <a:tc>
+                  <a:txBody>
+                    <a:bodyPr/>
+                    <a:lstStyle/>
+                    <a:p>
                       <a:r>
                         <a:rPr lang="zh-CN" altLang="en-US" dirty="0"/>
-                        <a:t>（）</a:t>
+                        <a:t>扩展信息</a:t>
                       </a:r>
+                    </a:p>
+                  </a:txBody>
+                  <a:tcPr/>
+                </a:tc>
+                <a:tc>
+                  <a:txBody>
+                    <a:bodyPr/>
+                    <a:lstStyle/>
+                    <a:p>
+                      <a:r>
+                        <a:rPr lang="en-US" altLang="zh-CN" dirty="0"/>
+                        <a:t>Extra</a:t>
+                      </a:r>
+                      <a:endParaRPr lang="zh-CN" altLang="en-US" dirty="0"/>
+                    </a:p>
+                  </a:txBody>
+                  <a:tcPr/>
+                </a:tc>
+                <a:extLst>
+                  <a:ext uri="{0D108BD9-81ED-4DB2-BD59-A6C34878D82A}">
+                    <a16:rowId xmlns:a16="http://schemas.microsoft.com/office/drawing/2014/main" val="4156856627"/>
+                  </a:ext>
+                </a:extLst>
+              </a:tr>
+            </a:tbl>
+          </a:graphicData>
+        </a:graphic>
+      </p:graphicFrame>
+      <p:sp>
+        <p:nvSpPr>
+          <p:cNvPr id="11" name="文本框 10">
+            <a:extLst>
+              <a:ext uri="{FF2B5EF4-FFF2-40B4-BE49-F238E27FC236}">
+                <a16:creationId xmlns:a16="http://schemas.microsoft.com/office/drawing/2014/main" id="{C1D12B1A-3C46-44F4-8C47-2AB11961ADFA}"/>
+              </a:ext>
+            </a:extLst>
+          </p:cNvPr>
+          <p:cNvSpPr txBox="1"/>
+          <p:nvPr/>
+        </p:nvSpPr>
+        <p:spPr>
+          <a:xfrm>
+            <a:off x="2693340" y="1261274"/>
+            <a:ext cx="5760400" cy="1692771"/>
+          </a:xfrm>
+          <a:prstGeom prst="rect">
+            <a:avLst/>
+          </a:prstGeom>
+          <a:gradFill flip="none" rotWithShape="1">
+            <a:gsLst>
+              <a:gs pos="0">
+                <a:schemeClr val="accent1">
+                  <a:tint val="66000"/>
+                  <a:satMod val="160000"/>
+                </a:schemeClr>
+              </a:gs>
+              <a:gs pos="50000">
+                <a:schemeClr val="accent1">
+                  <a:tint val="44500"/>
+                  <a:satMod val="160000"/>
+                </a:schemeClr>
+              </a:gs>
+              <a:gs pos="100000">
+                <a:schemeClr val="accent1">
+                  <a:tint val="23500"/>
+                  <a:satMod val="160000"/>
+                </a:schemeClr>
+              </a:gs>
+            </a:gsLst>
+            <a:lin ang="5400000" scaled="1"/>
+            <a:tileRect/>
+          </a:gradFill>
+        </p:spPr>
+        <p:txBody>
+          <a:bodyPr wrap="square">
+            <a:spAutoFit/>
+          </a:bodyPr>
+          <a:lstStyle/>
+          <a:p>
+            <a:pPr algn="l"/>
+            <a:r>
+              <a:rPr lang="en-US" altLang="zh-CN" sz="3200" b="1" i="0" dirty="0">
+                <a:solidFill>
+                  <a:srgbClr val="4F4F4F"/>
+                </a:solidFill>
+                <a:effectLst/>
+                <a:latin typeface="PingFang SC"/>
+              </a:rPr>
+              <a:t>Action</a:t>
+            </a:r>
+            <a:r>
+              <a:rPr lang="zh-CN" altLang="en-US" sz="3200" b="1" i="0" dirty="0">
+                <a:solidFill>
+                  <a:srgbClr val="4F4F4F"/>
+                </a:solidFill>
+                <a:effectLst/>
+                <a:latin typeface="PingFang SC"/>
+              </a:rPr>
+              <a:t>（动作）</a:t>
+            </a:r>
+          </a:p>
+          <a:p>
+            <a:pPr marL="285750" indent="-285750">
+              <a:buFont typeface="Arial" panose="020B0604020202020204" pitchFamily="34" charset="0"/>
+              <a:buChar char="•"/>
+            </a:pPr>
+            <a:r>
+              <a:rPr lang="zh-CN" altLang="en-US" b="0" i="0" dirty="0">
+                <a:solidFill>
+                  <a:srgbClr val="4D4D4D"/>
+                </a:solidFill>
+                <a:effectLst/>
+                <a:latin typeface="-apple-system"/>
+              </a:rPr>
+              <a:t>代表</a:t>
+            </a:r>
+            <a:r>
+              <a:rPr lang="en-US" altLang="zh-CN" b="0" i="0" dirty="0">
+                <a:solidFill>
+                  <a:srgbClr val="4D4D4D"/>
+                </a:solidFill>
+                <a:effectLst/>
+                <a:latin typeface="-apple-system"/>
+              </a:rPr>
+              <a:t>Intent</a:t>
+            </a:r>
+            <a:r>
+              <a:rPr lang="zh-CN" altLang="en-US" b="0" i="0" dirty="0">
+                <a:solidFill>
+                  <a:srgbClr val="4D4D4D"/>
+                </a:solidFill>
+                <a:effectLst/>
+                <a:latin typeface="-apple-system"/>
+              </a:rPr>
+              <a:t>要完成的一个抽象“动作”，如：发信息</a:t>
+            </a:r>
+            <a:endParaRPr lang="en-US" altLang="zh-CN" b="0" i="0" dirty="0">
+              <a:solidFill>
+                <a:srgbClr val="4D4D4D"/>
+              </a:solidFill>
+              <a:effectLst/>
+              <a:latin typeface="-apple-system"/>
+            </a:endParaRPr>
+          </a:p>
+          <a:p>
+            <a:pPr marL="285750" indent="-285750">
+              <a:buFont typeface="Arial" panose="020B0604020202020204" pitchFamily="34" charset="0"/>
+              <a:buChar char="•"/>
+            </a:pPr>
+            <a:r>
+              <a:rPr lang="zh-CN" altLang="en-US" b="0" i="0" dirty="0">
+                <a:solidFill>
+                  <a:srgbClr val="4D4D4D"/>
+                </a:solidFill>
+                <a:effectLst/>
+                <a:latin typeface="-apple-system"/>
+              </a:rPr>
+              <a:t>具体要由哪个组件完成，</a:t>
+            </a:r>
+            <a:r>
+              <a:rPr lang="en-US" altLang="zh-CN" b="0" i="0" dirty="0">
+                <a:solidFill>
+                  <a:srgbClr val="4D4D4D"/>
+                </a:solidFill>
+                <a:effectLst/>
+                <a:latin typeface="-apple-system"/>
+              </a:rPr>
+              <a:t>Intent</a:t>
+            </a:r>
+            <a:r>
+              <a:rPr lang="zh-CN" altLang="en-US" b="0" i="0" dirty="0">
+                <a:solidFill>
+                  <a:srgbClr val="4D4D4D"/>
+                </a:solidFill>
+                <a:effectLst/>
+                <a:latin typeface="-apple-system"/>
+              </a:rPr>
+              <a:t>并不负责，仅知道有这个</a:t>
+            </a:r>
+            <a:r>
+              <a:rPr lang="en-US" altLang="zh-CN" b="0" i="0" dirty="0">
+                <a:solidFill>
+                  <a:srgbClr val="4D4D4D"/>
+                </a:solidFill>
+                <a:effectLst/>
+                <a:latin typeface="-apple-system"/>
+              </a:rPr>
+              <a:t>Action</a:t>
+            </a:r>
+            <a:r>
+              <a:rPr lang="zh-CN" altLang="en-US" b="0" i="0" dirty="0">
+                <a:solidFill>
+                  <a:srgbClr val="4D4D4D"/>
+                </a:solidFill>
+                <a:effectLst/>
+                <a:latin typeface="-apple-system"/>
+              </a:rPr>
+              <a:t>，谁来完成通过</a:t>
+            </a:r>
+            <a:r>
+              <a:rPr lang="en-US" altLang="zh-CN" b="0" i="0" dirty="0">
+                <a:solidFill>
+                  <a:srgbClr val="4D4D4D"/>
+                </a:solidFill>
+                <a:effectLst/>
+                <a:latin typeface="-apple-system"/>
+              </a:rPr>
+              <a:t>Intent-filter</a:t>
+            </a:r>
+            <a:r>
+              <a:rPr lang="zh-CN" altLang="en-US" b="0" i="0" dirty="0">
+                <a:solidFill>
+                  <a:srgbClr val="4D4D4D"/>
+                </a:solidFill>
+                <a:effectLst/>
+                <a:latin typeface="-apple-system"/>
+              </a:rPr>
+              <a:t>筛选</a:t>
+            </a:r>
+            <a:endParaRPr lang="en-US" altLang="zh-CN" b="0" i="0" dirty="0">
+              <a:solidFill>
+                <a:srgbClr val="4D4D4D"/>
+              </a:solidFill>
+              <a:effectLst/>
+              <a:latin typeface="-apple-system"/>
+            </a:endParaRPr>
+          </a:p>
+          <a:p>
+            <a:pPr marL="285750" indent="-285750">
+              <a:buFont typeface="Arial" panose="020B0604020202020204" pitchFamily="34" charset="0"/>
+              <a:buChar char="•"/>
+            </a:pPr>
+            <a:r>
+              <a:rPr lang="zh-CN" altLang="en-US" b="0" i="0" dirty="0">
+                <a:solidFill>
+                  <a:srgbClr val="4D4D4D"/>
+                </a:solidFill>
+                <a:effectLst/>
+                <a:latin typeface="-apple-system"/>
+              </a:rPr>
+              <a:t>隐式</a:t>
+            </a:r>
+            <a:r>
+              <a:rPr lang="en-US" altLang="zh-CN" b="0" i="0" dirty="0">
+                <a:solidFill>
+                  <a:srgbClr val="4D4D4D"/>
+                </a:solidFill>
+                <a:effectLst/>
+                <a:latin typeface="-apple-system"/>
+              </a:rPr>
+              <a:t>Intent</a:t>
+            </a:r>
+            <a:r>
+              <a:rPr lang="zh-CN" altLang="en-US" b="0" i="0" dirty="0">
+                <a:solidFill>
+                  <a:srgbClr val="4D4D4D"/>
+                </a:solidFill>
+                <a:effectLst/>
+                <a:latin typeface="-apple-system"/>
+              </a:rPr>
+              <a:t>调用</a:t>
+            </a:r>
+          </a:p>
+        </p:txBody>
+      </p:sp>
+      <p:sp>
+        <p:nvSpPr>
+          <p:cNvPr id="13" name="文本框 12">
+            <a:extLst>
+              <a:ext uri="{FF2B5EF4-FFF2-40B4-BE49-F238E27FC236}">
+                <a16:creationId xmlns:a16="http://schemas.microsoft.com/office/drawing/2014/main" id="{9CA3C2F2-FB47-494F-B0CA-A4C601353B0D}"/>
+              </a:ext>
+            </a:extLst>
+          </p:cNvPr>
+          <p:cNvSpPr txBox="1"/>
+          <p:nvPr/>
+        </p:nvSpPr>
+        <p:spPr>
+          <a:xfrm>
+            <a:off x="253280" y="4193738"/>
+            <a:ext cx="3295752" cy="646331"/>
+          </a:xfrm>
+          <a:prstGeom prst="rect">
+            <a:avLst/>
+          </a:prstGeom>
+          <a:solidFill>
+            <a:schemeClr val="accent1">
+              <a:lumMod val="20000"/>
+              <a:lumOff val="80000"/>
+            </a:schemeClr>
+          </a:solidFill>
+        </p:spPr>
+        <p:txBody>
+          <a:bodyPr wrap="square">
+            <a:spAutoFit/>
+          </a:bodyPr>
+          <a:lstStyle/>
+          <a:p>
+            <a:r>
+              <a:rPr lang="en-US" altLang="zh-CN" sz="1200" dirty="0"/>
+              <a:t>ACTION_VIEW	</a:t>
+            </a:r>
+            <a:r>
+              <a:rPr lang="zh-CN" altLang="en-US" sz="1200" dirty="0"/>
+              <a:t>显示数据</a:t>
+            </a:r>
+            <a:endParaRPr lang="en-US" altLang="zh-CN" sz="1200" dirty="0"/>
+          </a:p>
+          <a:p>
+            <a:r>
+              <a:rPr lang="en-US" altLang="zh-CN" sz="1200" dirty="0"/>
+              <a:t>ACTION_SENDTO	</a:t>
+            </a:r>
+            <a:r>
+              <a:rPr lang="zh-CN" altLang="en-US" sz="1200" dirty="0"/>
+              <a:t>发送信息到指定人</a:t>
+            </a:r>
+          </a:p>
+          <a:p>
+            <a:r>
+              <a:rPr lang="en-US" altLang="zh-CN" sz="1200" dirty="0"/>
+              <a:t>ACTION_ANSWER	</a:t>
+            </a:r>
+            <a:r>
+              <a:rPr lang="zh-CN" altLang="en-US" sz="1200" dirty="0"/>
+              <a:t>处理打进电话呼叫</a:t>
+            </a:r>
+          </a:p>
+        </p:txBody>
+      </p:sp>
+      <p:sp>
+        <p:nvSpPr>
+          <p:cNvPr id="18" name="文本框 17">
+            <a:extLst>
+              <a:ext uri="{FF2B5EF4-FFF2-40B4-BE49-F238E27FC236}">
+                <a16:creationId xmlns:a16="http://schemas.microsoft.com/office/drawing/2014/main" id="{68EA6049-5C68-46D8-B29D-5C2F61F2A196}"/>
+              </a:ext>
+            </a:extLst>
+          </p:cNvPr>
+          <p:cNvSpPr txBox="1"/>
+          <p:nvPr/>
+        </p:nvSpPr>
+        <p:spPr>
+          <a:xfrm>
+            <a:off x="2694965" y="2929692"/>
+            <a:ext cx="4572000" cy="1107996"/>
+          </a:xfrm>
+          <a:prstGeom prst="rect">
+            <a:avLst/>
+          </a:prstGeom>
+          <a:solidFill>
+            <a:schemeClr val="accent6">
+              <a:lumMod val="40000"/>
+              <a:lumOff val="60000"/>
+            </a:schemeClr>
+          </a:solidFill>
+        </p:spPr>
+        <p:txBody>
+          <a:bodyPr wrap="square">
+            <a:spAutoFit/>
+          </a:bodyPr>
+          <a:lstStyle/>
+          <a:p>
+            <a:r>
+              <a:rPr lang="en-US" altLang="zh-CN" dirty="0"/>
+              <a:t> </a:t>
+            </a:r>
+            <a:r>
+              <a:rPr lang="en-US" altLang="zh-CN" sz="1200" dirty="0"/>
+              <a:t>public void </a:t>
+            </a:r>
+            <a:r>
+              <a:rPr lang="en-US" altLang="zh-CN" sz="1200" dirty="0" err="1"/>
+              <a:t>buttonTwo</a:t>
+            </a:r>
+            <a:r>
+              <a:rPr lang="en-US" altLang="zh-CN" sz="1200" dirty="0"/>
+              <a:t>(View view){</a:t>
+            </a:r>
+          </a:p>
+          <a:p>
+            <a:r>
+              <a:rPr lang="en-US" altLang="zh-CN" sz="1200" dirty="0"/>
+              <a:t>        Intent </a:t>
+            </a:r>
+            <a:r>
+              <a:rPr lang="en-US" altLang="zh-CN" sz="1200" dirty="0" err="1"/>
+              <a:t>intent</a:t>
+            </a:r>
+            <a:r>
+              <a:rPr lang="en-US" altLang="zh-CN" sz="1200" dirty="0"/>
+              <a:t> = new Intent(</a:t>
+            </a:r>
+            <a:r>
+              <a:rPr lang="en-US" altLang="zh-CN" sz="1200" dirty="0" err="1"/>
+              <a:t>Intent.</a:t>
+            </a:r>
+            <a:r>
+              <a:rPr lang="en-US" altLang="zh-CN" sz="1200" dirty="0" err="1">
+                <a:highlight>
+                  <a:srgbClr val="FFFF00"/>
+                </a:highlight>
+              </a:rPr>
+              <a:t>ACTION_VIEW</a:t>
+            </a:r>
+            <a:r>
+              <a:rPr lang="en-US" altLang="zh-CN" sz="1200" dirty="0"/>
+              <a:t>);</a:t>
+            </a:r>
+          </a:p>
+          <a:p>
+            <a:r>
+              <a:rPr lang="en-US" altLang="zh-CN" sz="1200" dirty="0"/>
+              <a:t>        </a:t>
+            </a:r>
+            <a:r>
+              <a:rPr lang="en-US" altLang="zh-CN" sz="1200" dirty="0" err="1"/>
+              <a:t>intent.addCategory</a:t>
+            </a:r>
+            <a:r>
+              <a:rPr lang="en-US" altLang="zh-CN" sz="1200" dirty="0"/>
+              <a:t>("</a:t>
+            </a:r>
+            <a:r>
+              <a:rPr lang="en-US" altLang="zh-CN" sz="1200" dirty="0" err="1"/>
+              <a:t>android.intent.category.DEFAULT</a:t>
+            </a:r>
+            <a:r>
+              <a:rPr lang="en-US" altLang="zh-CN" sz="1200" dirty="0"/>
+              <a:t>");</a:t>
+            </a:r>
+          </a:p>
+          <a:p>
+            <a:r>
+              <a:rPr lang="en-US" altLang="zh-CN" sz="1200" dirty="0"/>
+              <a:t>        </a:t>
+            </a:r>
+            <a:r>
+              <a:rPr lang="en-US" altLang="zh-CN" sz="1200" dirty="0" err="1"/>
+              <a:t>startActivity</a:t>
+            </a:r>
+            <a:r>
+              <a:rPr lang="en-US" altLang="zh-CN" sz="1200" dirty="0"/>
+              <a:t>(intent);</a:t>
+            </a:r>
+          </a:p>
+          <a:p>
+            <a:r>
+              <a:rPr lang="en-US" altLang="zh-CN" sz="1200" dirty="0"/>
+              <a:t>    }</a:t>
+            </a:r>
+            <a:endParaRPr lang="zh-CN" altLang="en-US" sz="1200" dirty="0"/>
+          </a:p>
+        </p:txBody>
+      </p:sp>
+      <p:sp>
+        <p:nvSpPr>
+          <p:cNvPr id="15" name="文本框 14">
+            <a:extLst>
+              <a:ext uri="{FF2B5EF4-FFF2-40B4-BE49-F238E27FC236}">
+                <a16:creationId xmlns:a16="http://schemas.microsoft.com/office/drawing/2014/main" id="{345AF419-993B-4783-987B-6D7DE84066EC}"/>
+              </a:ext>
+            </a:extLst>
+          </p:cNvPr>
+          <p:cNvSpPr txBox="1"/>
+          <p:nvPr/>
+        </p:nvSpPr>
+        <p:spPr>
+          <a:xfrm>
+            <a:off x="3646784" y="3916738"/>
+            <a:ext cx="5331930" cy="1200329"/>
+          </a:xfrm>
+          <a:prstGeom prst="rect">
+            <a:avLst/>
+          </a:prstGeom>
+          <a:solidFill>
+            <a:schemeClr val="accent1">
+              <a:lumMod val="20000"/>
+              <a:lumOff val="80000"/>
+            </a:schemeClr>
+          </a:solidFill>
+        </p:spPr>
+        <p:txBody>
+          <a:bodyPr wrap="square">
+            <a:spAutoFit/>
+          </a:bodyPr>
+          <a:lstStyle/>
+          <a:p>
+            <a:r>
+              <a:rPr lang="en-US" altLang="zh-CN" sz="1200" dirty="0"/>
+              <a:t>&lt;activity </a:t>
+            </a:r>
+            <a:r>
+              <a:rPr lang="en-US" altLang="zh-CN" sz="1200" dirty="0" err="1"/>
+              <a:t>android:name</a:t>
+            </a:r>
+            <a:r>
+              <a:rPr lang="en-US" altLang="zh-CN" sz="1200" dirty="0"/>
+              <a:t>=".</a:t>
+            </a:r>
+            <a:r>
+              <a:rPr lang="en-US" altLang="zh-CN" sz="1200" dirty="0" err="1"/>
+              <a:t>ThirdActivity</a:t>
+            </a:r>
+            <a:r>
+              <a:rPr lang="en-US" altLang="zh-CN" sz="1200" dirty="0"/>
+              <a:t>"&gt;</a:t>
+            </a:r>
+          </a:p>
+          <a:p>
+            <a:r>
+              <a:rPr lang="en-US" altLang="zh-CN" sz="1200" dirty="0"/>
+              <a:t>            &lt;intent-filter&gt;</a:t>
+            </a:r>
+          </a:p>
+          <a:p>
+            <a:r>
+              <a:rPr lang="en-US" altLang="zh-CN" sz="1200" dirty="0"/>
+              <a:t>                &lt;</a:t>
+            </a:r>
+            <a:r>
+              <a:rPr lang="en-US" altLang="zh-CN" sz="1200" dirty="0">
+                <a:highlight>
+                  <a:srgbClr val="FFFF00"/>
+                </a:highlight>
+              </a:rPr>
+              <a:t>action</a:t>
+            </a:r>
+            <a:r>
+              <a:rPr lang="en-US" altLang="zh-CN" sz="1200" dirty="0"/>
+              <a:t> </a:t>
+            </a:r>
+            <a:r>
+              <a:rPr lang="en-US" altLang="zh-CN" sz="1200" dirty="0" err="1"/>
+              <a:t>android:name</a:t>
+            </a:r>
+            <a:r>
+              <a:rPr lang="en-US" altLang="zh-CN" sz="1200" dirty="0"/>
+              <a:t>="</a:t>
+            </a:r>
+            <a:r>
+              <a:rPr lang="en-US" altLang="zh-CN" sz="1200" dirty="0" err="1"/>
+              <a:t>android.intent.</a:t>
+            </a:r>
+            <a:r>
+              <a:rPr lang="en-US" altLang="zh-CN" sz="1200" dirty="0" err="1">
+                <a:highlight>
+                  <a:srgbClr val="FFFF00"/>
+                </a:highlight>
+              </a:rPr>
+              <a:t>action</a:t>
+            </a:r>
+            <a:r>
+              <a:rPr lang="en-US" altLang="zh-CN" sz="1200" dirty="0" err="1"/>
+              <a:t>.VIEW</a:t>
+            </a:r>
+            <a:r>
+              <a:rPr lang="en-US" altLang="zh-CN" sz="1200" dirty="0"/>
+              <a:t>"/&gt;</a:t>
+            </a:r>
+          </a:p>
+          <a:p>
+            <a:r>
+              <a:rPr lang="en-US" altLang="zh-CN" sz="1200" dirty="0"/>
+              <a:t>                &lt;category </a:t>
+            </a:r>
+            <a:r>
+              <a:rPr lang="en-US" altLang="zh-CN" sz="1200" dirty="0" err="1"/>
+              <a:t>android:name</a:t>
+            </a:r>
+            <a:r>
+              <a:rPr lang="en-US" altLang="zh-CN" sz="1200" dirty="0"/>
+              <a:t>="</a:t>
+            </a:r>
+            <a:r>
+              <a:rPr lang="en-US" altLang="zh-CN" sz="1200" dirty="0" err="1"/>
+              <a:t>android.intent.category.DEFAULT</a:t>
+            </a:r>
+            <a:r>
+              <a:rPr lang="en-US" altLang="zh-CN" sz="1200" dirty="0"/>
+              <a:t>"/&gt;</a:t>
+            </a:r>
+          </a:p>
+          <a:p>
+            <a:r>
+              <a:rPr lang="en-US" altLang="zh-CN" sz="1200" dirty="0"/>
+              <a:t>            &lt;/intent-filter&gt;</a:t>
+            </a:r>
+          </a:p>
+          <a:p>
+            <a:r>
+              <a:rPr lang="en-US" altLang="zh-CN" sz="1200" dirty="0"/>
+              <a:t>&lt;/activity&gt;</a:t>
+            </a:r>
+          </a:p>
+        </p:txBody>
+      </p:sp>
+    </p:spTree>
+    <p:custDataLst>
+      <p:tags r:id="rId1"/>
+    </p:custDataLst>
+  </p:cSld>
+  <p:clrMapOvr>
+    <a:masterClrMapping/>
+  </p:clrMapOvr>
+  <p:transition spd="slow" advTm="0">
+    <p:wipe/>
+  </p:transition>
+</p:sld>
+</file>
+
+<file path=ppt/slides/slide18.xml><?xml version="1.0" encoding="utf-8"?>
+<p:sld xmlns:a="http://schemas.openxmlformats.org/drawingml/2006/main" xmlns:r="http://schemas.openxmlformats.org/officeDocument/2006/relationships" xmlns:p="http://schemas.openxmlformats.org/presentationml/2006/main">
+  <p:cSld>
+    <p:spTree>
+      <p:nvGrpSpPr>
+        <p:cNvPr id="1" name=""/>
+        <p:cNvGrpSpPr/>
+        <p:nvPr/>
+      </p:nvGrpSpPr>
+      <p:grpSpPr>
+        <a:xfrm>
+          <a:off x="0" y="0"/>
+          <a:ext cx="0" cy="0"/>
+          <a:chOff x="0" y="0"/>
+          <a:chExt cx="0" cy="0"/>
+        </a:xfrm>
+      </p:grpSpPr>
+      <p:sp>
+        <p:nvSpPr>
+          <p:cNvPr id="24577" name="Text Placeholder 7">
+            <a:extLst>
+              <a:ext uri="{FF2B5EF4-FFF2-40B4-BE49-F238E27FC236}">
+                <a16:creationId xmlns:a16="http://schemas.microsoft.com/office/drawing/2014/main" id="{1D7B09D7-AC42-4360-9ACB-2CBFF923C74A}"/>
+              </a:ext>
+            </a:extLst>
+          </p:cNvPr>
+          <p:cNvSpPr>
+            <a:spLocks noChangeArrowheads="1"/>
+          </p:cNvSpPr>
+          <p:nvPr/>
+        </p:nvSpPr>
+        <p:spPr bwMode="auto">
+          <a:xfrm>
+            <a:off x="523875" y="1133475"/>
+            <a:ext cx="4038600" cy="304800"/>
+          </a:xfrm>
+          <a:prstGeom prst="rect">
+            <a:avLst/>
+          </a:prstGeom>
+          <a:noFill/>
+          <a:ln>
+            <a:noFill/>
+          </a:ln>
+          <a:extLst>
+            <a:ext uri="{909E8E84-426E-40DD-AFC4-6F175D3DCCD1}">
+              <a14:hiddenFill xmlns:a14="http://schemas.microsoft.com/office/drawing/2010/main">
+                <a:solidFill>
+                  <a:srgbClr val="FFFFFF"/>
+                </a:solidFill>
+              </a14:hiddenFill>
+            </a:ext>
+            <a:ext uri="{91240B29-F687-4F45-9708-019B960494DF}">
+              <a14:hiddenLine xmlns:a14="http://schemas.microsoft.com/office/drawing/2010/main" w="9525">
+                <a:solidFill>
+                  <a:srgbClr val="000000"/>
+                </a:solidFill>
+                <a:miter lim="800000"/>
+                <a:headEnd/>
+                <a:tailEnd/>
+              </a14:hiddenLine>
+            </a:ext>
+          </a:extLst>
+        </p:spPr>
+        <p:txBody>
+          <a:bodyPr/>
+          <a:lstStyle>
+            <a:lvl1pPr marL="300038" indent="-300038">
+              <a:defRPr>
+                <a:solidFill>
+                  <a:schemeClr val="tx1"/>
+                </a:solidFill>
+                <a:latin typeface="Arial" panose="020B0604020202020204" pitchFamily="34" charset="0"/>
+                <a:ea typeface="宋体" panose="02010600030101010101" pitchFamily="2" charset="-122"/>
+              </a:defRPr>
+            </a:lvl1pPr>
+            <a:lvl2pPr>
+              <a:defRPr>
+                <a:solidFill>
+                  <a:schemeClr val="tx1"/>
+                </a:solidFill>
+                <a:latin typeface="Arial" panose="020B0604020202020204" pitchFamily="34" charset="0"/>
+                <a:ea typeface="宋体" panose="02010600030101010101" pitchFamily="2" charset="-122"/>
+              </a:defRPr>
+            </a:lvl2pPr>
+            <a:lvl3pPr>
+              <a:defRPr>
+                <a:solidFill>
+                  <a:schemeClr val="tx1"/>
+                </a:solidFill>
+                <a:latin typeface="Arial" panose="020B0604020202020204" pitchFamily="34" charset="0"/>
+                <a:ea typeface="宋体" panose="02010600030101010101" pitchFamily="2" charset="-122"/>
+              </a:defRPr>
+            </a:lvl3pPr>
+            <a:lvl4pPr>
+              <a:defRPr>
+                <a:solidFill>
+                  <a:schemeClr val="tx1"/>
+                </a:solidFill>
+                <a:latin typeface="Arial" panose="020B0604020202020204" pitchFamily="34" charset="0"/>
+                <a:ea typeface="宋体" panose="02010600030101010101" pitchFamily="2" charset="-122"/>
+              </a:defRPr>
+            </a:lvl4pPr>
+            <a:lvl5pPr>
+              <a:defRPr>
+                <a:solidFill>
+                  <a:schemeClr val="tx1"/>
+                </a:solidFill>
+                <a:latin typeface="Arial" panose="020B0604020202020204" pitchFamily="34" charset="0"/>
+                <a:ea typeface="宋体" panose="02010600030101010101" pitchFamily="2" charset="-122"/>
+              </a:defRPr>
+            </a:lvl5pPr>
+            <a:lvl6pPr fontAlgn="base">
+              <a:spcBef>
+                <a:spcPct val="0"/>
+              </a:spcBef>
+              <a:spcAft>
+                <a:spcPct val="0"/>
+              </a:spcAft>
+              <a:buFont typeface="Arial" panose="020B0604020202020204" pitchFamily="34" charset="0"/>
+              <a:defRPr>
+                <a:solidFill>
+                  <a:schemeClr val="tx1"/>
+                </a:solidFill>
+                <a:latin typeface="Arial" panose="020B0604020202020204" pitchFamily="34" charset="0"/>
+                <a:ea typeface="宋体" panose="02010600030101010101" pitchFamily="2" charset="-122"/>
+              </a:defRPr>
+            </a:lvl6pPr>
+            <a:lvl7pPr fontAlgn="base">
+              <a:spcBef>
+                <a:spcPct val="0"/>
+              </a:spcBef>
+              <a:spcAft>
+                <a:spcPct val="0"/>
+              </a:spcAft>
+              <a:buFont typeface="Arial" panose="020B0604020202020204" pitchFamily="34" charset="0"/>
+              <a:defRPr>
+                <a:solidFill>
+                  <a:schemeClr val="tx1"/>
+                </a:solidFill>
+                <a:latin typeface="Arial" panose="020B0604020202020204" pitchFamily="34" charset="0"/>
+                <a:ea typeface="宋体" panose="02010600030101010101" pitchFamily="2" charset="-122"/>
+              </a:defRPr>
+            </a:lvl7pPr>
+            <a:lvl8pPr fontAlgn="base">
+              <a:spcBef>
+                <a:spcPct val="0"/>
+              </a:spcBef>
+              <a:spcAft>
+                <a:spcPct val="0"/>
+              </a:spcAft>
+              <a:buFont typeface="Arial" panose="020B0604020202020204" pitchFamily="34" charset="0"/>
+              <a:defRPr>
+                <a:solidFill>
+                  <a:schemeClr val="tx1"/>
+                </a:solidFill>
+                <a:latin typeface="Arial" panose="020B0604020202020204" pitchFamily="34" charset="0"/>
+                <a:ea typeface="宋体" panose="02010600030101010101" pitchFamily="2" charset="-122"/>
+              </a:defRPr>
+            </a:lvl8pPr>
+            <a:lvl9pPr fontAlgn="base">
+              <a:spcBef>
+                <a:spcPct val="0"/>
+              </a:spcBef>
+              <a:spcAft>
+                <a:spcPct val="0"/>
+              </a:spcAft>
+              <a:buFont typeface="Arial" panose="020B0604020202020204" pitchFamily="34" charset="0"/>
+              <a:defRPr>
+                <a:solidFill>
+                  <a:schemeClr val="tx1"/>
+                </a:solidFill>
+                <a:latin typeface="Arial" panose="020B0604020202020204" pitchFamily="34" charset="0"/>
+                <a:ea typeface="宋体" panose="02010600030101010101" pitchFamily="2" charset="-122"/>
+              </a:defRPr>
+            </a:lvl9pPr>
+          </a:lstStyle>
+          <a:p>
+            <a:pPr eaLnBrk="0" hangingPunct="0">
+              <a:spcBef>
+                <a:spcPct val="20000"/>
+              </a:spcBef>
+              <a:buFont typeface="Arial" panose="020B0604020202020204" pitchFamily="34" charset="0"/>
+              <a:buChar char="•"/>
+            </a:pPr>
+            <a:r>
+              <a:rPr lang="zh-CN" altLang="en-US" sz="2000" b="1">
+                <a:solidFill>
+                  <a:schemeClr val="bg1"/>
+                </a:solidFill>
+                <a:latin typeface="微软雅黑" panose="020B0503020204020204" pitchFamily="34" charset="-122"/>
+                <a:ea typeface="微软雅黑" panose="020B0503020204020204" pitchFamily="34" charset="-122"/>
+                <a:sym typeface="宋体" panose="02010600030101010101" pitchFamily="2" charset="-122"/>
+              </a:rPr>
+              <a:t>工作完成情况一</a:t>
+            </a:r>
+            <a:endParaRPr lang="en-US" altLang="zh-CN" sz="2000" b="1">
+              <a:solidFill>
+                <a:schemeClr val="bg1"/>
+              </a:solidFill>
+              <a:latin typeface="微软雅黑" panose="020B0503020204020204" pitchFamily="34" charset="-122"/>
+              <a:ea typeface="微软雅黑" panose="020B0503020204020204" pitchFamily="34" charset="-122"/>
+              <a:sym typeface="Calibri" panose="020F0502020204030204" pitchFamily="34" charset="0"/>
+            </a:endParaRPr>
+          </a:p>
+        </p:txBody>
+      </p:sp>
+      <p:sp>
+        <p:nvSpPr>
+          <p:cNvPr id="24578" name="Text Placeholder 8">
+            <a:extLst>
+              <a:ext uri="{FF2B5EF4-FFF2-40B4-BE49-F238E27FC236}">
+                <a16:creationId xmlns:a16="http://schemas.microsoft.com/office/drawing/2014/main" id="{94B8E0AF-5860-47A5-B380-B8354A11807B}"/>
+              </a:ext>
+            </a:extLst>
+          </p:cNvPr>
+          <p:cNvSpPr>
+            <a:spLocks noChangeArrowheads="1"/>
+          </p:cNvSpPr>
+          <p:nvPr/>
+        </p:nvSpPr>
+        <p:spPr bwMode="auto">
+          <a:xfrm>
+            <a:off x="4624388" y="1133475"/>
+            <a:ext cx="4038600" cy="304800"/>
+          </a:xfrm>
+          <a:prstGeom prst="rect">
+            <a:avLst/>
+          </a:prstGeom>
+          <a:noFill/>
+          <a:ln>
+            <a:noFill/>
+          </a:ln>
+          <a:extLst>
+            <a:ext uri="{909E8E84-426E-40DD-AFC4-6F175D3DCCD1}">
+              <a14:hiddenFill xmlns:a14="http://schemas.microsoft.com/office/drawing/2010/main">
+                <a:solidFill>
+                  <a:srgbClr val="FFFFFF"/>
+                </a:solidFill>
+              </a14:hiddenFill>
+            </a:ext>
+            <a:ext uri="{91240B29-F687-4F45-9708-019B960494DF}">
+              <a14:hiddenLine xmlns:a14="http://schemas.microsoft.com/office/drawing/2010/main" w="9525">
+                <a:solidFill>
+                  <a:srgbClr val="000000"/>
+                </a:solidFill>
+                <a:miter lim="800000"/>
+                <a:headEnd/>
+                <a:tailEnd/>
+              </a14:hiddenLine>
+            </a:ext>
+          </a:extLst>
+        </p:spPr>
+        <p:txBody>
+          <a:bodyPr/>
+          <a:lstStyle>
+            <a:lvl1pPr marL="300038" indent="-300038">
+              <a:defRPr>
+                <a:solidFill>
+                  <a:schemeClr val="tx1"/>
+                </a:solidFill>
+                <a:latin typeface="Arial" panose="020B0604020202020204" pitchFamily="34" charset="0"/>
+                <a:ea typeface="宋体" panose="02010600030101010101" pitchFamily="2" charset="-122"/>
+              </a:defRPr>
+            </a:lvl1pPr>
+            <a:lvl2pPr>
+              <a:defRPr>
+                <a:solidFill>
+                  <a:schemeClr val="tx1"/>
+                </a:solidFill>
+                <a:latin typeface="Arial" panose="020B0604020202020204" pitchFamily="34" charset="0"/>
+                <a:ea typeface="宋体" panose="02010600030101010101" pitchFamily="2" charset="-122"/>
+              </a:defRPr>
+            </a:lvl2pPr>
+            <a:lvl3pPr>
+              <a:defRPr>
+                <a:solidFill>
+                  <a:schemeClr val="tx1"/>
+                </a:solidFill>
+                <a:latin typeface="Arial" panose="020B0604020202020204" pitchFamily="34" charset="0"/>
+                <a:ea typeface="宋体" panose="02010600030101010101" pitchFamily="2" charset="-122"/>
+              </a:defRPr>
+            </a:lvl3pPr>
+            <a:lvl4pPr>
+              <a:defRPr>
+                <a:solidFill>
+                  <a:schemeClr val="tx1"/>
+                </a:solidFill>
+                <a:latin typeface="Arial" panose="020B0604020202020204" pitchFamily="34" charset="0"/>
+                <a:ea typeface="宋体" panose="02010600030101010101" pitchFamily="2" charset="-122"/>
+              </a:defRPr>
+            </a:lvl4pPr>
+            <a:lvl5pPr>
+              <a:defRPr>
+                <a:solidFill>
+                  <a:schemeClr val="tx1"/>
+                </a:solidFill>
+                <a:latin typeface="Arial" panose="020B0604020202020204" pitchFamily="34" charset="0"/>
+                <a:ea typeface="宋体" panose="02010600030101010101" pitchFamily="2" charset="-122"/>
+              </a:defRPr>
+            </a:lvl5pPr>
+            <a:lvl6pPr fontAlgn="base">
+              <a:spcBef>
+                <a:spcPct val="0"/>
+              </a:spcBef>
+              <a:spcAft>
+                <a:spcPct val="0"/>
+              </a:spcAft>
+              <a:buFont typeface="Arial" panose="020B0604020202020204" pitchFamily="34" charset="0"/>
+              <a:defRPr>
+                <a:solidFill>
+                  <a:schemeClr val="tx1"/>
+                </a:solidFill>
+                <a:latin typeface="Arial" panose="020B0604020202020204" pitchFamily="34" charset="0"/>
+                <a:ea typeface="宋体" panose="02010600030101010101" pitchFamily="2" charset="-122"/>
+              </a:defRPr>
+            </a:lvl6pPr>
+            <a:lvl7pPr fontAlgn="base">
+              <a:spcBef>
+                <a:spcPct val="0"/>
+              </a:spcBef>
+              <a:spcAft>
+                <a:spcPct val="0"/>
+              </a:spcAft>
+              <a:buFont typeface="Arial" panose="020B0604020202020204" pitchFamily="34" charset="0"/>
+              <a:defRPr>
+                <a:solidFill>
+                  <a:schemeClr val="tx1"/>
+                </a:solidFill>
+                <a:latin typeface="Arial" panose="020B0604020202020204" pitchFamily="34" charset="0"/>
+                <a:ea typeface="宋体" panose="02010600030101010101" pitchFamily="2" charset="-122"/>
+              </a:defRPr>
+            </a:lvl7pPr>
+            <a:lvl8pPr fontAlgn="base">
+              <a:spcBef>
+                <a:spcPct val="0"/>
+              </a:spcBef>
+              <a:spcAft>
+                <a:spcPct val="0"/>
+              </a:spcAft>
+              <a:buFont typeface="Arial" panose="020B0604020202020204" pitchFamily="34" charset="0"/>
+              <a:defRPr>
+                <a:solidFill>
+                  <a:schemeClr val="tx1"/>
+                </a:solidFill>
+                <a:latin typeface="Arial" panose="020B0604020202020204" pitchFamily="34" charset="0"/>
+                <a:ea typeface="宋体" panose="02010600030101010101" pitchFamily="2" charset="-122"/>
+              </a:defRPr>
+            </a:lvl8pPr>
+            <a:lvl9pPr fontAlgn="base">
+              <a:spcBef>
+                <a:spcPct val="0"/>
+              </a:spcBef>
+              <a:spcAft>
+                <a:spcPct val="0"/>
+              </a:spcAft>
+              <a:buFont typeface="Arial" panose="020B0604020202020204" pitchFamily="34" charset="0"/>
+              <a:defRPr>
+                <a:solidFill>
+                  <a:schemeClr val="tx1"/>
+                </a:solidFill>
+                <a:latin typeface="Arial" panose="020B0604020202020204" pitchFamily="34" charset="0"/>
+                <a:ea typeface="宋体" panose="02010600030101010101" pitchFamily="2" charset="-122"/>
+              </a:defRPr>
+            </a:lvl9pPr>
+          </a:lstStyle>
+          <a:p>
+            <a:pPr eaLnBrk="0" hangingPunct="0">
+              <a:spcBef>
+                <a:spcPct val="20000"/>
+              </a:spcBef>
+              <a:buFont typeface="Arial" panose="020B0604020202020204" pitchFamily="34" charset="0"/>
+              <a:buChar char="•"/>
+            </a:pPr>
+            <a:r>
+              <a:rPr lang="zh-CN" altLang="en-US" sz="2000" b="1">
+                <a:solidFill>
+                  <a:schemeClr val="bg1"/>
+                </a:solidFill>
+                <a:latin typeface="微软雅黑" panose="020B0503020204020204" pitchFamily="34" charset="-122"/>
+                <a:ea typeface="微软雅黑" panose="020B0503020204020204" pitchFamily="34" charset="-122"/>
+                <a:sym typeface="宋体" panose="02010600030101010101" pitchFamily="2" charset="-122"/>
+              </a:rPr>
+              <a:t>工作完成情况二</a:t>
+            </a:r>
+            <a:endParaRPr lang="en-US" altLang="zh-CN" sz="2000" b="1">
+              <a:solidFill>
+                <a:schemeClr val="bg1"/>
+              </a:solidFill>
+              <a:latin typeface="微软雅黑" panose="020B0503020204020204" pitchFamily="34" charset="-122"/>
+              <a:ea typeface="微软雅黑" panose="020B0503020204020204" pitchFamily="34" charset="-122"/>
+              <a:sym typeface="Calibri" panose="020F0502020204030204" pitchFamily="34" charset="0"/>
+            </a:endParaRPr>
+          </a:p>
+        </p:txBody>
+      </p:sp>
+      <p:sp>
+        <p:nvSpPr>
+          <p:cNvPr id="24579" name="TextBox 108">
+            <a:extLst>
+              <a:ext uri="{FF2B5EF4-FFF2-40B4-BE49-F238E27FC236}">
+                <a16:creationId xmlns:a16="http://schemas.microsoft.com/office/drawing/2014/main" id="{273E283F-F7EB-4D08-A6EF-1456BEDBFAB3}"/>
+              </a:ext>
+            </a:extLst>
+          </p:cNvPr>
+          <p:cNvSpPr>
+            <a:spLocks noChangeArrowheads="1"/>
+          </p:cNvSpPr>
+          <p:nvPr/>
+        </p:nvSpPr>
+        <p:spPr bwMode="auto">
+          <a:xfrm>
+            <a:off x="539750" y="266700"/>
+            <a:ext cx="1955800" cy="369888"/>
+          </a:xfrm>
+          <a:prstGeom prst="rect">
+            <a:avLst/>
+          </a:prstGeom>
+          <a:noFill/>
+          <a:ln>
+            <a:noFill/>
+          </a:ln>
+          <a:extLst>
+            <a:ext uri="{909E8E84-426E-40DD-AFC4-6F175D3DCCD1}">
+              <a14:hiddenFill xmlns:a14="http://schemas.microsoft.com/office/drawing/2010/main">
+                <a:solidFill>
+                  <a:srgbClr val="FFFFFF"/>
+                </a:solidFill>
+              </a14:hiddenFill>
+            </a:ext>
+            <a:ext uri="{91240B29-F687-4F45-9708-019B960494DF}">
+              <a14:hiddenLine xmlns:a14="http://schemas.microsoft.com/office/drawing/2010/main" w="9525">
+                <a:solidFill>
+                  <a:srgbClr val="000000"/>
+                </a:solidFill>
+                <a:miter lim="800000"/>
+                <a:headEnd/>
+                <a:tailEnd/>
+              </a14:hiddenLine>
+            </a:ext>
+          </a:extLst>
+        </p:spPr>
+        <p:txBody>
+          <a:bodyPr wrap="none">
+            <a:spAutoFit/>
+          </a:bodyPr>
+          <a:lstStyle/>
+          <a:p>
+            <a:r>
+              <a:rPr lang="en-US" altLang="zh-CN" dirty="0">
+                <a:solidFill>
+                  <a:schemeClr val="bg1"/>
+                </a:solidFill>
+                <a:latin typeface="微软雅黑" panose="020B0503020204020204" pitchFamily="34" charset="-122"/>
+                <a:ea typeface="微软雅黑" panose="020B0503020204020204" pitchFamily="34" charset="-122"/>
+                <a:sym typeface="微软雅黑" panose="020B0503020204020204" pitchFamily="34" charset="-122"/>
+              </a:rPr>
+              <a:t>4.3.1 Intent </a:t>
+            </a:r>
+            <a:r>
+              <a:rPr lang="zh-CN" altLang="en-US" dirty="0">
+                <a:solidFill>
+                  <a:schemeClr val="bg1"/>
+                </a:solidFill>
+                <a:latin typeface="微软雅黑" panose="020B0503020204020204" pitchFamily="34" charset="-122"/>
+                <a:ea typeface="微软雅黑" panose="020B0503020204020204" pitchFamily="34" charset="-122"/>
+                <a:sym typeface="微软雅黑" panose="020B0503020204020204" pitchFamily="34" charset="-122"/>
+              </a:rPr>
+              <a:t>属性</a:t>
+            </a:r>
+            <a:endParaRPr lang="en-US" altLang="zh-CN" dirty="0">
+              <a:solidFill>
+                <a:schemeClr val="bg1"/>
+              </a:solidFill>
+              <a:latin typeface="微软雅黑" panose="020B0503020204020204" pitchFamily="34" charset="-122"/>
+              <a:ea typeface="微软雅黑" panose="020B0503020204020204" pitchFamily="34" charset="-122"/>
+              <a:sym typeface="微软雅黑" panose="020B0503020204020204" pitchFamily="34" charset="-122"/>
+            </a:endParaRPr>
+          </a:p>
+        </p:txBody>
+      </p:sp>
+      <p:grpSp>
+        <p:nvGrpSpPr>
+          <p:cNvPr id="24580" name="组合 14">
+            <a:extLst>
+              <a:ext uri="{FF2B5EF4-FFF2-40B4-BE49-F238E27FC236}">
+                <a16:creationId xmlns:a16="http://schemas.microsoft.com/office/drawing/2014/main" id="{E0B0113D-A083-4FA1-9936-050124D94C2B}"/>
+              </a:ext>
+            </a:extLst>
+          </p:cNvPr>
+          <p:cNvGrpSpPr>
+            <a:grpSpLocks/>
+          </p:cNvGrpSpPr>
+          <p:nvPr/>
+        </p:nvGrpSpPr>
+        <p:grpSpPr bwMode="auto">
+          <a:xfrm>
+            <a:off x="107950" y="244475"/>
+            <a:ext cx="358775" cy="360363"/>
+            <a:chOff x="0" y="0"/>
+            <a:chExt cx="302558" cy="314067"/>
+          </a:xfrm>
+        </p:grpSpPr>
+        <p:sp>
+          <p:nvSpPr>
+            <p:cNvPr id="24581" name="矩形 15">
+              <a:extLst>
+                <a:ext uri="{FF2B5EF4-FFF2-40B4-BE49-F238E27FC236}">
+                  <a16:creationId xmlns:a16="http://schemas.microsoft.com/office/drawing/2014/main" id="{42845ACB-32FC-4ADE-8253-B82AF023818C}"/>
+                </a:ext>
+              </a:extLst>
+            </p:cNvPr>
+            <p:cNvSpPr>
+              <a:spLocks noChangeArrowheads="1"/>
+            </p:cNvSpPr>
+            <p:nvPr/>
+          </p:nvSpPr>
+          <p:spPr bwMode="auto">
+            <a:xfrm>
+              <a:off x="0" y="0"/>
+              <a:ext cx="252000" cy="252000"/>
+            </a:xfrm>
+            <a:prstGeom prst="rect">
+              <a:avLst/>
+            </a:prstGeom>
+            <a:solidFill>
+              <a:srgbClr val="414455"/>
+            </a:solidFill>
+            <a:ln>
+              <a:noFill/>
+            </a:ln>
+            <a:extLst>
+              <a:ext uri="{91240B29-F687-4F45-9708-019B960494DF}">
+                <a14:hiddenLine xmlns:a14="http://schemas.microsoft.com/office/drawing/2010/main" w="25400">
+                  <a:solidFill>
+                    <a:srgbClr val="000000"/>
+                  </a:solidFill>
+                  <a:miter lim="800000"/>
+                  <a:headEnd/>
+                  <a:tailEnd/>
+                </a14:hiddenLine>
+              </a:ext>
+            </a:extLst>
+          </p:spPr>
+          <p:txBody>
+            <a:bodyPr anchor="ctr"/>
+            <a:lstStyle/>
+            <a:p>
+              <a:pPr algn="ctr"/>
+              <a:endParaRPr lang="zh-CN" altLang="zh-CN">
+                <a:solidFill>
+                  <a:srgbClr val="FFFFFF"/>
+                </a:solidFill>
+                <a:latin typeface="宋体" panose="02010600030101010101" pitchFamily="2" charset="-122"/>
+                <a:sym typeface="宋体" panose="02010600030101010101" pitchFamily="2" charset="-122"/>
+              </a:endParaRPr>
+            </a:p>
+          </p:txBody>
+        </p:sp>
+        <p:sp>
+          <p:nvSpPr>
+            <p:cNvPr id="24582" name="矩形 16">
+              <a:extLst>
+                <a:ext uri="{FF2B5EF4-FFF2-40B4-BE49-F238E27FC236}">
+                  <a16:creationId xmlns:a16="http://schemas.microsoft.com/office/drawing/2014/main" id="{A97208AE-CF25-4226-A7D9-2751907B1956}"/>
+                </a:ext>
+              </a:extLst>
+            </p:cNvPr>
+            <p:cNvSpPr>
+              <a:spLocks noChangeArrowheads="1"/>
+            </p:cNvSpPr>
+            <p:nvPr/>
+          </p:nvSpPr>
+          <p:spPr bwMode="auto">
+            <a:xfrm>
+              <a:off x="122558" y="134067"/>
+              <a:ext cx="180000" cy="180000"/>
+            </a:xfrm>
+            <a:prstGeom prst="rect">
+              <a:avLst/>
+            </a:prstGeom>
+            <a:solidFill>
+              <a:srgbClr val="0E90BE"/>
+            </a:solidFill>
+            <a:ln>
+              <a:noFill/>
+            </a:ln>
+            <a:extLst>
+              <a:ext uri="{91240B29-F687-4F45-9708-019B960494DF}">
+                <a14:hiddenLine xmlns:a14="http://schemas.microsoft.com/office/drawing/2010/main" w="25400">
+                  <a:solidFill>
+                    <a:srgbClr val="000000"/>
+                  </a:solidFill>
+                  <a:miter lim="800000"/>
+                  <a:headEnd/>
+                  <a:tailEnd/>
+                </a14:hiddenLine>
+              </a:ext>
+            </a:extLst>
+          </p:spPr>
+          <p:txBody>
+            <a:bodyPr anchor="ctr"/>
+            <a:lstStyle/>
+            <a:p>
+              <a:pPr algn="ctr"/>
+              <a:endParaRPr lang="zh-CN" altLang="zh-CN">
+                <a:solidFill>
+                  <a:srgbClr val="FFFFFF"/>
+                </a:solidFill>
+                <a:latin typeface="宋体" panose="02010600030101010101" pitchFamily="2" charset="-122"/>
+                <a:sym typeface="宋体" panose="02010600030101010101" pitchFamily="2" charset="-122"/>
+              </a:endParaRPr>
+            </a:p>
+          </p:txBody>
+        </p:sp>
+      </p:grpSp>
+      <p:sp>
+        <p:nvSpPr>
+          <p:cNvPr id="24583" name="矩形 3">
+            <a:extLst>
+              <a:ext uri="{FF2B5EF4-FFF2-40B4-BE49-F238E27FC236}">
+                <a16:creationId xmlns:a16="http://schemas.microsoft.com/office/drawing/2014/main" id="{9F058799-6D57-4D8C-85A2-9C31B195B9A2}"/>
+              </a:ext>
+            </a:extLst>
+          </p:cNvPr>
+          <p:cNvSpPr>
+            <a:spLocks noChangeArrowheads="1"/>
+          </p:cNvSpPr>
+          <p:nvPr/>
+        </p:nvSpPr>
+        <p:spPr bwMode="auto">
+          <a:xfrm>
+            <a:off x="406773" y="755932"/>
+            <a:ext cx="8125502" cy="378630"/>
+          </a:xfrm>
+          <a:prstGeom prst="rect">
+            <a:avLst/>
+          </a:prstGeom>
+          <a:solidFill>
+            <a:schemeClr val="dk1">
+              <a:alpha val="50000"/>
+            </a:schemeClr>
+          </a:solidFill>
+          <a:ln>
+            <a:noFill/>
+          </a:ln>
+        </p:spPr>
+        <p:style>
+          <a:lnRef idx="0">
+            <a:scrgbClr r="0" g="0" b="0"/>
+          </a:lnRef>
+          <a:fillRef idx="0">
+            <a:scrgbClr r="0" g="0" b="0"/>
+          </a:fillRef>
+          <a:effectRef idx="0">
+            <a:scrgbClr r="0" g="0" b="0"/>
+          </a:effectRef>
+          <a:fontRef idx="minor">
+            <a:schemeClr val="lt1"/>
+          </a:fontRef>
+        </p:style>
+        <p:txBody>
+          <a:bodyPr wrap="square">
+            <a:spAutoFit/>
+          </a:bodyPr>
+          <a:lstStyle/>
+          <a:p>
+            <a:pPr>
+              <a:lnSpc>
+                <a:spcPct val="150000"/>
+              </a:lnSpc>
+            </a:pPr>
+            <a:r>
+              <a:rPr lang="en-US" altLang="zh-CN" sz="1400" dirty="0">
+                <a:solidFill>
+                  <a:srgbClr val="000000"/>
+                </a:solidFill>
+                <a:latin typeface="Calibri" panose="020F0502020204030204" pitchFamily="34" charset="0"/>
+                <a:sym typeface="Calibri" panose="020F0502020204030204" pitchFamily="34" charset="0"/>
+              </a:rPr>
+              <a:t>         Intent</a:t>
+            </a:r>
+            <a:r>
+              <a:rPr lang="zh-CN" altLang="en-US" sz="1400" dirty="0">
+                <a:solidFill>
+                  <a:srgbClr val="000000"/>
+                </a:solidFill>
+                <a:latin typeface="Calibri" panose="020F0502020204030204" pitchFamily="34" charset="0"/>
+                <a:sym typeface="宋体" panose="02010600030101010101" pitchFamily="2" charset="-122"/>
+              </a:rPr>
+              <a:t>由</a:t>
+            </a:r>
+            <a:r>
+              <a:rPr lang="zh-CN" altLang="en-US" sz="1400" u="sng" dirty="0">
+                <a:solidFill>
+                  <a:schemeClr val="accent5">
+                    <a:lumMod val="75000"/>
+                  </a:schemeClr>
+                </a:solidFill>
+                <a:latin typeface="Calibri" panose="020F0502020204030204" pitchFamily="34" charset="0"/>
+                <a:sym typeface="宋体" panose="02010600030101010101" pitchFamily="2" charset="-122"/>
+              </a:rPr>
+              <a:t>动作、数据、分类、类型、组件和扩展信息</a:t>
+            </a:r>
+            <a:r>
+              <a:rPr lang="zh-CN" altLang="en-US" sz="1400" dirty="0">
+                <a:solidFill>
+                  <a:srgbClr val="000000"/>
+                </a:solidFill>
+                <a:latin typeface="Calibri" panose="020F0502020204030204" pitchFamily="34" charset="0"/>
+                <a:sym typeface="宋体" panose="02010600030101010101" pitchFamily="2" charset="-122"/>
+              </a:rPr>
+              <a:t>等内容组成</a:t>
+            </a:r>
+            <a:endParaRPr lang="zh-CN" altLang="en-US" sz="1600" dirty="0"/>
+          </a:p>
+        </p:txBody>
+      </p:sp>
+      <p:graphicFrame>
+        <p:nvGraphicFramePr>
+          <p:cNvPr id="2" name="表格 2">
+            <a:extLst>
+              <a:ext uri="{FF2B5EF4-FFF2-40B4-BE49-F238E27FC236}">
+                <a16:creationId xmlns:a16="http://schemas.microsoft.com/office/drawing/2014/main" id="{1F1830EB-7989-46CE-A9D9-9D04437BA783}"/>
+              </a:ext>
+            </a:extLst>
+          </p:cNvPr>
+          <p:cNvGraphicFramePr>
+            <a:graphicFrameLocks noGrp="1"/>
+          </p:cNvGraphicFramePr>
+          <p:nvPr/>
+        </p:nvGraphicFramePr>
+        <p:xfrm>
+          <a:off x="410335" y="1261274"/>
+          <a:ext cx="2221092" cy="2727960"/>
+        </p:xfrm>
+        <a:graphic>
+          <a:graphicData uri="http://schemas.openxmlformats.org/drawingml/2006/table">
+            <a:tbl>
+              <a:tblPr firstRow="1" bandRow="1">
+                <a:tableStyleId>{5C22544A-7EE6-4342-B048-85BDC9FD1C3A}</a:tableStyleId>
+              </a:tblPr>
+              <a:tblGrid>
+                <a:gridCol w="661377">
+                  <a:extLst>
+                    <a:ext uri="{9D8B030D-6E8A-4147-A177-3AD203B41FA5}">
+                      <a16:colId xmlns:a16="http://schemas.microsoft.com/office/drawing/2014/main" val="2381358321"/>
+                    </a:ext>
+                  </a:extLst>
+                </a:gridCol>
+                <a:gridCol w="1559715">
+                  <a:extLst>
+                    <a:ext uri="{9D8B030D-6E8A-4147-A177-3AD203B41FA5}">
+                      <a16:colId xmlns:a16="http://schemas.microsoft.com/office/drawing/2014/main" val="492297040"/>
+                    </a:ext>
+                  </a:extLst>
+                </a:gridCol>
+              </a:tblGrid>
+              <a:tr h="370840">
+                <a:tc>
+                  <a:txBody>
+                    <a:bodyPr/>
+                    <a:lstStyle/>
+                    <a:p>
+                      <a:r>
+                        <a:rPr lang="zh-CN" altLang="en-US" dirty="0"/>
+                        <a:t>组成</a:t>
+                      </a:r>
+                    </a:p>
+                  </a:txBody>
+                  <a:tcPr/>
+                </a:tc>
+                <a:tc>
+                  <a:txBody>
+                    <a:bodyPr/>
+                    <a:lstStyle/>
+                    <a:p>
+                      <a:r>
+                        <a:rPr lang="zh-CN" altLang="en-US" dirty="0"/>
+                        <a:t>属性</a:t>
+                      </a:r>
+                    </a:p>
+                  </a:txBody>
+                  <a:tcPr/>
+                </a:tc>
+                <a:extLst>
+                  <a:ext uri="{0D108BD9-81ED-4DB2-BD59-A6C34878D82A}">
+                    <a16:rowId xmlns:a16="http://schemas.microsoft.com/office/drawing/2014/main" val="738424397"/>
+                  </a:ext>
+                </a:extLst>
+              </a:tr>
+              <a:tr h="370840">
+                <a:tc>
+                  <a:txBody>
+                    <a:bodyPr/>
+                    <a:lstStyle/>
+                    <a:p>
+                      <a:r>
+                        <a:rPr lang="zh-CN" altLang="en-US" dirty="0"/>
+                        <a:t>动作</a:t>
+                      </a:r>
+                    </a:p>
+                  </a:txBody>
+                  <a:tcPr/>
+                </a:tc>
+                <a:tc>
+                  <a:txBody>
+                    <a:bodyPr/>
+                    <a:lstStyle/>
+                    <a:p>
+                      <a:r>
+                        <a:rPr lang="en-US" altLang="zh-CN" dirty="0"/>
+                        <a:t>Action</a:t>
+                      </a:r>
+                      <a:endParaRPr lang="zh-CN" altLang="en-US" dirty="0"/>
+                    </a:p>
+                  </a:txBody>
+                  <a:tcPr/>
+                </a:tc>
+                <a:extLst>
+                  <a:ext uri="{0D108BD9-81ED-4DB2-BD59-A6C34878D82A}">
+                    <a16:rowId xmlns:a16="http://schemas.microsoft.com/office/drawing/2014/main" val="2651152174"/>
+                  </a:ext>
+                </a:extLst>
+              </a:tr>
+              <a:tr h="370840">
+                <a:tc>
+                  <a:txBody>
+                    <a:bodyPr/>
+                    <a:lstStyle/>
+                    <a:p>
+                      <a:r>
+                        <a:rPr lang="zh-CN" altLang="en-US" dirty="0"/>
+                        <a:t>数据</a:t>
+                      </a:r>
+                    </a:p>
+                  </a:txBody>
+                  <a:tcPr/>
+                </a:tc>
+                <a:tc>
+                  <a:txBody>
+                    <a:bodyPr/>
+                    <a:lstStyle/>
+                    <a:p>
+                      <a:r>
+                        <a:rPr lang="en-US" altLang="zh-CN" dirty="0"/>
+                        <a:t>Data</a:t>
+                      </a:r>
+                      <a:endParaRPr lang="zh-CN" altLang="en-US" dirty="0"/>
+                    </a:p>
+                  </a:txBody>
+                  <a:tcPr/>
+                </a:tc>
+                <a:extLst>
+                  <a:ext uri="{0D108BD9-81ED-4DB2-BD59-A6C34878D82A}">
+                    <a16:rowId xmlns:a16="http://schemas.microsoft.com/office/drawing/2014/main" val="2362893337"/>
+                  </a:ext>
+                </a:extLst>
+              </a:tr>
+              <a:tr h="370840">
+                <a:tc>
+                  <a:txBody>
+                    <a:bodyPr/>
+                    <a:lstStyle/>
+                    <a:p>
+                      <a:r>
+                        <a:rPr lang="zh-CN" altLang="en-US" dirty="0"/>
+                        <a:t>分类</a:t>
+                      </a:r>
+                    </a:p>
+                  </a:txBody>
+                  <a:tcPr/>
+                </a:tc>
+                <a:tc>
+                  <a:txBody>
+                    <a:bodyPr/>
+                    <a:lstStyle/>
+                    <a:p>
+                      <a:r>
+                        <a:rPr lang="en-US" altLang="zh-CN" dirty="0"/>
+                        <a:t>Category</a:t>
+                      </a:r>
+                      <a:endParaRPr lang="zh-CN" altLang="en-US" dirty="0"/>
+                    </a:p>
+                  </a:txBody>
+                  <a:tcPr/>
+                </a:tc>
+                <a:extLst>
+                  <a:ext uri="{0D108BD9-81ED-4DB2-BD59-A6C34878D82A}">
+                    <a16:rowId xmlns:a16="http://schemas.microsoft.com/office/drawing/2014/main" val="3044467836"/>
+                  </a:ext>
+                </a:extLst>
+              </a:tr>
+              <a:tr h="370840">
+                <a:tc>
+                  <a:txBody>
+                    <a:bodyPr/>
+                    <a:lstStyle/>
+                    <a:p>
+                      <a:r>
+                        <a:rPr lang="zh-CN" altLang="en-US" dirty="0"/>
+                        <a:t>类型</a:t>
+                      </a:r>
+                    </a:p>
+                  </a:txBody>
+                  <a:tcPr/>
+                </a:tc>
+                <a:tc>
+                  <a:txBody>
+                    <a:bodyPr/>
+                    <a:lstStyle/>
+                    <a:p>
+                      <a:r>
+                        <a:rPr lang="en-US" altLang="zh-CN" dirty="0"/>
+                        <a:t>Type</a:t>
+                      </a:r>
+                      <a:endParaRPr lang="zh-CN" altLang="en-US" dirty="0"/>
                     </a:p>
                   </a:txBody>
                   <a:tcPr/>
@@ -11507,18 +12897,21 @@
                   </a:txBody>
                   <a:tcPr/>
                 </a:tc>
+                <a:extLst>
+                  <a:ext uri="{0D108BD9-81ED-4DB2-BD59-A6C34878D82A}">
+                    <a16:rowId xmlns:a16="http://schemas.microsoft.com/office/drawing/2014/main" val="2455900744"/>
+                  </a:ext>
+                </a:extLst>
+              </a:tr>
+              <a:tr h="370840">
                 <a:tc>
                   <a:txBody>
                     <a:bodyPr/>
                     <a:lstStyle/>
                     <a:p>
                       <a:r>
-                        <a:rPr lang="en-US" altLang="zh-CN" dirty="0" err="1"/>
-                        <a:t>setComponent</a:t>
-                      </a:r>
-                      <a:r>
                         <a:rPr lang="zh-CN" altLang="en-US" dirty="0"/>
-                        <a:t>（）</a:t>
+                        <a:t>扩展信息</a:t>
                       </a:r>
                     </a:p>
                   </a:txBody>
@@ -11530,13 +12923,1531 @@
                     <a:lstStyle/>
                     <a:p>
                       <a:r>
-                        <a:rPr lang="en-US" altLang="zh-CN" dirty="0" err="1"/>
-                        <a:t>getComponent</a:t>
+                        <a:rPr lang="en-US" altLang="zh-CN" dirty="0"/>
+                        <a:t>Extra</a:t>
                       </a:r>
+                      <a:endParaRPr lang="zh-CN" altLang="en-US" dirty="0"/>
+                    </a:p>
+                  </a:txBody>
+                  <a:tcPr/>
+                </a:tc>
+                <a:extLst>
+                  <a:ext uri="{0D108BD9-81ED-4DB2-BD59-A6C34878D82A}">
+                    <a16:rowId xmlns:a16="http://schemas.microsoft.com/office/drawing/2014/main" val="4156856627"/>
+                  </a:ext>
+                </a:extLst>
+              </a:tr>
+            </a:tbl>
+          </a:graphicData>
+        </a:graphic>
+      </p:graphicFrame>
+      <p:sp>
+        <p:nvSpPr>
+          <p:cNvPr id="11" name="文本框 10">
+            <a:extLst>
+              <a:ext uri="{FF2B5EF4-FFF2-40B4-BE49-F238E27FC236}">
+                <a16:creationId xmlns:a16="http://schemas.microsoft.com/office/drawing/2014/main" id="{C1D12B1A-3C46-44F4-8C47-2AB11961ADFA}"/>
+              </a:ext>
+            </a:extLst>
+          </p:cNvPr>
+          <p:cNvSpPr txBox="1"/>
+          <p:nvPr/>
+        </p:nvSpPr>
+        <p:spPr>
+          <a:xfrm>
+            <a:off x="2693340" y="1261274"/>
+            <a:ext cx="5760400" cy="1138773"/>
+          </a:xfrm>
+          <a:prstGeom prst="rect">
+            <a:avLst/>
+          </a:prstGeom>
+          <a:gradFill flip="none" rotWithShape="1">
+            <a:gsLst>
+              <a:gs pos="0">
+                <a:schemeClr val="accent1">
+                  <a:tint val="66000"/>
+                  <a:satMod val="160000"/>
+                </a:schemeClr>
+              </a:gs>
+              <a:gs pos="50000">
+                <a:schemeClr val="accent1">
+                  <a:tint val="44500"/>
+                  <a:satMod val="160000"/>
+                </a:schemeClr>
+              </a:gs>
+              <a:gs pos="100000">
+                <a:schemeClr val="accent1">
+                  <a:tint val="23500"/>
+                  <a:satMod val="160000"/>
+                </a:schemeClr>
+              </a:gs>
+            </a:gsLst>
+            <a:lin ang="5400000" scaled="1"/>
+            <a:tileRect/>
+          </a:gradFill>
+        </p:spPr>
+        <p:txBody>
+          <a:bodyPr wrap="square">
+            <a:spAutoFit/>
+          </a:bodyPr>
+          <a:lstStyle/>
+          <a:p>
+            <a:pPr algn="l"/>
+            <a:r>
+              <a:rPr lang="en-US" altLang="zh-CN" sz="3200" b="1" i="0" dirty="0">
+                <a:solidFill>
+                  <a:srgbClr val="4F4F4F"/>
+                </a:solidFill>
+                <a:effectLst/>
+                <a:latin typeface="PingFang SC"/>
+              </a:rPr>
+              <a:t>Category</a:t>
+            </a:r>
+            <a:r>
+              <a:rPr lang="zh-CN" altLang="en-US" sz="3200" b="1" i="0" dirty="0">
+                <a:solidFill>
+                  <a:srgbClr val="4F4F4F"/>
+                </a:solidFill>
+                <a:effectLst/>
+                <a:latin typeface="PingFang SC"/>
+              </a:rPr>
+              <a:t>（类别）</a:t>
+            </a:r>
+          </a:p>
+          <a:p>
+            <a:r>
+              <a:rPr lang="en-US" altLang="zh-CN" b="0" i="0" dirty="0">
+                <a:solidFill>
+                  <a:srgbClr val="4D4D4D"/>
+                </a:solidFill>
+                <a:effectLst/>
+                <a:latin typeface="-apple-system"/>
+              </a:rPr>
+              <a:t>Category</a:t>
+            </a:r>
+            <a:r>
+              <a:rPr lang="zh-CN" altLang="en-US" b="0" i="0" dirty="0">
+                <a:solidFill>
+                  <a:srgbClr val="4D4D4D"/>
+                </a:solidFill>
+                <a:effectLst/>
+                <a:latin typeface="-apple-system"/>
+              </a:rPr>
+              <a:t>用于为</a:t>
+            </a:r>
+            <a:r>
+              <a:rPr lang="en-US" altLang="zh-CN" b="0" i="0" dirty="0">
+                <a:solidFill>
+                  <a:srgbClr val="4D4D4D"/>
+                </a:solidFill>
+                <a:effectLst/>
+                <a:latin typeface="-apple-system"/>
+              </a:rPr>
+              <a:t>Action</a:t>
+            </a:r>
+            <a:r>
+              <a:rPr lang="zh-CN" altLang="en-US" b="0" i="0" dirty="0">
+                <a:solidFill>
+                  <a:srgbClr val="4D4D4D"/>
+                </a:solidFill>
+                <a:effectLst/>
+                <a:latin typeface="-apple-system"/>
+              </a:rPr>
+              <a:t>提供额外的附加类别信息</a:t>
+            </a:r>
+            <a:endParaRPr lang="en-US" altLang="zh-CN" b="0" i="0" dirty="0">
+              <a:solidFill>
+                <a:srgbClr val="4D4D4D"/>
+              </a:solidFill>
+              <a:effectLst/>
+              <a:latin typeface="-apple-system"/>
+            </a:endParaRPr>
+          </a:p>
+          <a:p>
+            <a:r>
+              <a:rPr lang="zh-CN" altLang="en-US" b="0" i="0" dirty="0">
+                <a:solidFill>
+                  <a:srgbClr val="4D4D4D"/>
+                </a:solidFill>
+                <a:effectLst/>
+                <a:latin typeface="-apple-system"/>
+              </a:rPr>
+              <a:t>两者通常结合使用。</a:t>
+            </a:r>
+          </a:p>
+        </p:txBody>
+      </p:sp>
+      <p:sp>
+        <p:nvSpPr>
+          <p:cNvPr id="13" name="文本框 12">
+            <a:extLst>
+              <a:ext uri="{FF2B5EF4-FFF2-40B4-BE49-F238E27FC236}">
+                <a16:creationId xmlns:a16="http://schemas.microsoft.com/office/drawing/2014/main" id="{9CA3C2F2-FB47-494F-B0CA-A4C601353B0D}"/>
+              </a:ext>
+            </a:extLst>
+          </p:cNvPr>
+          <p:cNvSpPr txBox="1"/>
+          <p:nvPr/>
+        </p:nvSpPr>
+        <p:spPr>
+          <a:xfrm>
+            <a:off x="2695078" y="2436984"/>
+            <a:ext cx="5758661" cy="646331"/>
+          </a:xfrm>
+          <a:prstGeom prst="rect">
+            <a:avLst/>
+          </a:prstGeom>
+          <a:solidFill>
+            <a:schemeClr val="accent1">
+              <a:lumMod val="20000"/>
+              <a:lumOff val="80000"/>
+            </a:schemeClr>
+          </a:solidFill>
+        </p:spPr>
+        <p:txBody>
+          <a:bodyPr wrap="square">
+            <a:spAutoFit/>
+          </a:bodyPr>
+          <a:lstStyle/>
+          <a:p>
+            <a:r>
+              <a:rPr lang="en-US" altLang="zh-CN" sz="1200" dirty="0"/>
+              <a:t>CATEGORY_DEFAULT	</a:t>
+            </a:r>
+            <a:r>
+              <a:rPr lang="zh-CN" altLang="en-US" sz="1200" dirty="0"/>
+              <a:t>默认的执行方式，按照普通</a:t>
+            </a:r>
+            <a:r>
+              <a:rPr lang="en-US" altLang="zh-CN" sz="1200" dirty="0"/>
+              <a:t>Activity</a:t>
+            </a:r>
+            <a:r>
+              <a:rPr lang="zh-CN" altLang="en-US" sz="1200" dirty="0"/>
+              <a:t>的执行方式执行</a:t>
+            </a:r>
+            <a:endParaRPr lang="en-US" altLang="zh-CN" sz="1200" dirty="0"/>
+          </a:p>
+          <a:p>
+            <a:r>
+              <a:rPr lang="en-US" altLang="zh-CN" sz="1200" dirty="0"/>
+              <a:t>CATEGORY_HOME	</a:t>
+            </a:r>
+            <a:r>
+              <a:rPr lang="zh-CN" altLang="en-US" sz="1200" dirty="0"/>
+              <a:t>设置该组件为</a:t>
+            </a:r>
+            <a:r>
+              <a:rPr lang="zh-CN" altLang="en-US" sz="1200" b="0" i="0" dirty="0">
+                <a:solidFill>
+                  <a:srgbClr val="4F4F4F"/>
+                </a:solidFill>
+                <a:effectLst/>
+                <a:latin typeface="-apple-system"/>
+              </a:rPr>
+              <a:t>为</a:t>
+            </a:r>
+            <a:r>
+              <a:rPr lang="en-US" altLang="zh-CN" sz="1200" b="0" i="0" dirty="0">
+                <a:solidFill>
+                  <a:srgbClr val="4F4F4F"/>
+                </a:solidFill>
+                <a:effectLst/>
+                <a:latin typeface="-apple-system"/>
+              </a:rPr>
+              <a:t>Home Activity</a:t>
+            </a:r>
+            <a:endParaRPr lang="en-US" altLang="zh-CN" sz="1200" dirty="0"/>
+          </a:p>
+          <a:p>
+            <a:r>
+              <a:rPr lang="en-US" altLang="zh-CN" sz="1200" dirty="0"/>
+              <a:t>CATEGORY_LAUNCHER	</a:t>
+            </a:r>
+            <a:r>
+              <a:rPr lang="zh-CN" altLang="en-US" sz="1200" dirty="0"/>
+              <a:t>设置为当前应用程序优先级最高的</a:t>
+            </a:r>
+            <a:r>
+              <a:rPr lang="en-US" altLang="zh-CN" sz="1200" dirty="0"/>
+              <a:t>Activity</a:t>
+            </a:r>
+            <a:endParaRPr lang="zh-CN" altLang="en-US" sz="1200" dirty="0"/>
+          </a:p>
+        </p:txBody>
+      </p:sp>
+      <p:sp>
+        <p:nvSpPr>
+          <p:cNvPr id="18" name="文本框 17">
+            <a:extLst>
+              <a:ext uri="{FF2B5EF4-FFF2-40B4-BE49-F238E27FC236}">
+                <a16:creationId xmlns:a16="http://schemas.microsoft.com/office/drawing/2014/main" id="{68EA6049-5C68-46D8-B29D-5C2F61F2A196}"/>
+              </a:ext>
+            </a:extLst>
+          </p:cNvPr>
+          <p:cNvSpPr txBox="1"/>
+          <p:nvPr/>
+        </p:nvSpPr>
+        <p:spPr>
+          <a:xfrm>
+            <a:off x="345427" y="3151228"/>
+            <a:ext cx="4572000" cy="1107996"/>
+          </a:xfrm>
+          <a:prstGeom prst="rect">
+            <a:avLst/>
+          </a:prstGeom>
+          <a:solidFill>
+            <a:schemeClr val="accent6">
+              <a:lumMod val="40000"/>
+              <a:lumOff val="60000"/>
+            </a:schemeClr>
+          </a:solidFill>
+        </p:spPr>
+        <p:txBody>
+          <a:bodyPr wrap="square">
+            <a:spAutoFit/>
+          </a:bodyPr>
+          <a:lstStyle/>
+          <a:p>
+            <a:r>
+              <a:rPr lang="en-US" altLang="zh-CN" dirty="0"/>
+              <a:t> </a:t>
+            </a:r>
+            <a:r>
+              <a:rPr lang="en-US" altLang="zh-CN" sz="1200" dirty="0"/>
+              <a:t>public void </a:t>
+            </a:r>
+            <a:r>
+              <a:rPr lang="en-US" altLang="zh-CN" sz="1200" dirty="0" err="1"/>
+              <a:t>buttonTwo</a:t>
+            </a:r>
+            <a:r>
+              <a:rPr lang="en-US" altLang="zh-CN" sz="1200" dirty="0"/>
+              <a:t>(View view){</a:t>
+            </a:r>
+          </a:p>
+          <a:p>
+            <a:r>
+              <a:rPr lang="en-US" altLang="zh-CN" sz="1200" dirty="0"/>
+              <a:t>        Intent </a:t>
+            </a:r>
+            <a:r>
+              <a:rPr lang="en-US" altLang="zh-CN" sz="1200" dirty="0" err="1"/>
+              <a:t>intent</a:t>
+            </a:r>
+            <a:r>
+              <a:rPr lang="en-US" altLang="zh-CN" sz="1200" dirty="0"/>
+              <a:t> = new Intent(</a:t>
+            </a:r>
+            <a:r>
+              <a:rPr lang="en-US" altLang="zh-CN" sz="1200" dirty="0" err="1"/>
+              <a:t>Intent.</a:t>
+            </a:r>
+            <a:r>
+              <a:rPr lang="en-US" altLang="zh-CN" sz="1200" dirty="0" err="1">
+                <a:highlight>
+                  <a:srgbClr val="FFFF00"/>
+                </a:highlight>
+              </a:rPr>
+              <a:t>ACTION_VIEW</a:t>
+            </a:r>
+            <a:r>
+              <a:rPr lang="en-US" altLang="zh-CN" sz="1200" dirty="0"/>
+              <a:t>);</a:t>
+            </a:r>
+          </a:p>
+          <a:p>
+            <a:r>
+              <a:rPr lang="en-US" altLang="zh-CN" sz="1200" dirty="0"/>
+              <a:t>        </a:t>
+            </a:r>
+            <a:r>
+              <a:rPr lang="en-US" altLang="zh-CN" sz="1200" dirty="0" err="1"/>
+              <a:t>intent.addCategory</a:t>
+            </a:r>
+            <a:r>
+              <a:rPr lang="en-US" altLang="zh-CN" sz="1200" dirty="0"/>
+              <a:t>("</a:t>
+            </a:r>
+            <a:r>
+              <a:rPr lang="en-US" altLang="zh-CN" sz="1200" dirty="0" err="1"/>
+              <a:t>android.intent.</a:t>
+            </a:r>
+            <a:r>
+              <a:rPr lang="en-US" altLang="zh-CN" sz="1200" dirty="0" err="1">
+                <a:highlight>
+                  <a:srgbClr val="00FF00"/>
+                </a:highlight>
+              </a:rPr>
+              <a:t>category</a:t>
+            </a:r>
+            <a:r>
+              <a:rPr lang="en-US" altLang="zh-CN" sz="1200" dirty="0" err="1"/>
+              <a:t>.DEFAULT</a:t>
+            </a:r>
+            <a:r>
+              <a:rPr lang="en-US" altLang="zh-CN" sz="1200" dirty="0"/>
+              <a:t>");</a:t>
+            </a:r>
+          </a:p>
+          <a:p>
+            <a:r>
+              <a:rPr lang="en-US" altLang="zh-CN" sz="1200" dirty="0"/>
+              <a:t>        </a:t>
+            </a:r>
+            <a:r>
+              <a:rPr lang="en-US" altLang="zh-CN" sz="1200" dirty="0" err="1"/>
+              <a:t>startActivity</a:t>
+            </a:r>
+            <a:r>
+              <a:rPr lang="en-US" altLang="zh-CN" sz="1200" dirty="0"/>
+              <a:t>(intent);</a:t>
+            </a:r>
+          </a:p>
+          <a:p>
+            <a:r>
+              <a:rPr lang="en-US" altLang="zh-CN" sz="1200" dirty="0"/>
+              <a:t>    }</a:t>
+            </a:r>
+            <a:endParaRPr lang="zh-CN" altLang="en-US" sz="1200" dirty="0"/>
+          </a:p>
+        </p:txBody>
+      </p:sp>
+      <p:sp>
+        <p:nvSpPr>
+          <p:cNvPr id="15" name="文本框 14">
+            <a:extLst>
+              <a:ext uri="{FF2B5EF4-FFF2-40B4-BE49-F238E27FC236}">
+                <a16:creationId xmlns:a16="http://schemas.microsoft.com/office/drawing/2014/main" id="{345AF419-993B-4783-987B-6D7DE84066EC}"/>
+              </a:ext>
+            </a:extLst>
+          </p:cNvPr>
+          <p:cNvSpPr txBox="1"/>
+          <p:nvPr/>
+        </p:nvSpPr>
+        <p:spPr>
+          <a:xfrm>
+            <a:off x="3059895" y="3905593"/>
+            <a:ext cx="5331930" cy="1200329"/>
+          </a:xfrm>
+          <a:prstGeom prst="rect">
+            <a:avLst/>
+          </a:prstGeom>
+          <a:solidFill>
+            <a:schemeClr val="accent1">
+              <a:lumMod val="20000"/>
+              <a:lumOff val="80000"/>
+            </a:schemeClr>
+          </a:solidFill>
+        </p:spPr>
+        <p:txBody>
+          <a:bodyPr wrap="square">
+            <a:spAutoFit/>
+          </a:bodyPr>
+          <a:lstStyle/>
+          <a:p>
+            <a:r>
+              <a:rPr lang="en-US" altLang="zh-CN" sz="1200" dirty="0"/>
+              <a:t>&lt;activity </a:t>
+            </a:r>
+            <a:r>
+              <a:rPr lang="en-US" altLang="zh-CN" sz="1200" dirty="0" err="1"/>
+              <a:t>android:name</a:t>
+            </a:r>
+            <a:r>
+              <a:rPr lang="en-US" altLang="zh-CN" sz="1200" dirty="0"/>
+              <a:t>=".</a:t>
+            </a:r>
+            <a:r>
+              <a:rPr lang="en-US" altLang="zh-CN" sz="1200" dirty="0" err="1"/>
+              <a:t>ThirdActivity</a:t>
+            </a:r>
+            <a:r>
+              <a:rPr lang="en-US" altLang="zh-CN" sz="1200" dirty="0"/>
+              <a:t>"&gt;</a:t>
+            </a:r>
+          </a:p>
+          <a:p>
+            <a:r>
+              <a:rPr lang="en-US" altLang="zh-CN" sz="1200" dirty="0"/>
+              <a:t>            &lt;intent-filter&gt;</a:t>
+            </a:r>
+          </a:p>
+          <a:p>
+            <a:r>
+              <a:rPr lang="en-US" altLang="zh-CN" sz="1200" dirty="0"/>
+              <a:t>                &lt;</a:t>
+            </a:r>
+            <a:r>
+              <a:rPr lang="en-US" altLang="zh-CN" sz="1200" dirty="0">
+                <a:highlight>
+                  <a:srgbClr val="FFFF00"/>
+                </a:highlight>
+              </a:rPr>
+              <a:t>action</a:t>
+            </a:r>
+            <a:r>
+              <a:rPr lang="en-US" altLang="zh-CN" sz="1200" dirty="0"/>
+              <a:t> </a:t>
+            </a:r>
+            <a:r>
+              <a:rPr lang="en-US" altLang="zh-CN" sz="1200" dirty="0" err="1"/>
+              <a:t>android:name</a:t>
+            </a:r>
+            <a:r>
+              <a:rPr lang="en-US" altLang="zh-CN" sz="1200" dirty="0"/>
+              <a:t>="</a:t>
+            </a:r>
+            <a:r>
+              <a:rPr lang="en-US" altLang="zh-CN" sz="1200" dirty="0" err="1"/>
+              <a:t>android.intent.</a:t>
+            </a:r>
+            <a:r>
+              <a:rPr lang="en-US" altLang="zh-CN" sz="1200" dirty="0" err="1">
+                <a:highlight>
+                  <a:srgbClr val="FFFF00"/>
+                </a:highlight>
+              </a:rPr>
+              <a:t>action</a:t>
+            </a:r>
+            <a:r>
+              <a:rPr lang="en-US" altLang="zh-CN" sz="1200" dirty="0" err="1"/>
+              <a:t>.VIEW</a:t>
+            </a:r>
+            <a:r>
+              <a:rPr lang="en-US" altLang="zh-CN" sz="1200" dirty="0"/>
+              <a:t>"/&gt;</a:t>
+            </a:r>
+          </a:p>
+          <a:p>
+            <a:r>
+              <a:rPr lang="en-US" altLang="zh-CN" sz="1200" dirty="0"/>
+              <a:t>                &lt;</a:t>
+            </a:r>
+            <a:r>
+              <a:rPr lang="en-US" altLang="zh-CN" sz="1200" dirty="0">
+                <a:highlight>
+                  <a:srgbClr val="00FF00"/>
+                </a:highlight>
+              </a:rPr>
+              <a:t>category</a:t>
+            </a:r>
+            <a:r>
+              <a:rPr lang="en-US" altLang="zh-CN" sz="1200" dirty="0"/>
+              <a:t> </a:t>
+            </a:r>
+            <a:r>
+              <a:rPr lang="en-US" altLang="zh-CN" sz="1200" dirty="0" err="1"/>
+              <a:t>android:name</a:t>
+            </a:r>
+            <a:r>
+              <a:rPr lang="en-US" altLang="zh-CN" sz="1200" dirty="0"/>
+              <a:t>="</a:t>
+            </a:r>
+            <a:r>
+              <a:rPr lang="en-US" altLang="zh-CN" sz="1200" dirty="0" err="1"/>
+              <a:t>android.intent.</a:t>
+            </a:r>
+            <a:r>
+              <a:rPr lang="en-US" altLang="zh-CN" sz="1200" dirty="0" err="1">
+                <a:highlight>
+                  <a:srgbClr val="00FF00"/>
+                </a:highlight>
+              </a:rPr>
+              <a:t>category</a:t>
+            </a:r>
+            <a:r>
+              <a:rPr lang="en-US" altLang="zh-CN" sz="1200" dirty="0" err="1"/>
+              <a:t>.DEFAULT</a:t>
+            </a:r>
+            <a:r>
+              <a:rPr lang="en-US" altLang="zh-CN" sz="1200" dirty="0"/>
+              <a:t>"/&gt;</a:t>
+            </a:r>
+          </a:p>
+          <a:p>
+            <a:r>
+              <a:rPr lang="en-US" altLang="zh-CN" sz="1200" dirty="0"/>
+              <a:t>            &lt;/intent-filter&gt;</a:t>
+            </a:r>
+          </a:p>
+          <a:p>
+            <a:r>
+              <a:rPr lang="en-US" altLang="zh-CN" sz="1200" dirty="0"/>
+              <a:t>&lt;/activity&gt;</a:t>
+            </a:r>
+          </a:p>
+        </p:txBody>
+      </p:sp>
+    </p:spTree>
+    <p:custDataLst>
+      <p:tags r:id="rId1"/>
+    </p:custDataLst>
+    <p:extLst>
+      <p:ext uri="{BB962C8B-B14F-4D97-AF65-F5344CB8AC3E}">
+        <p14:creationId xmlns:p14="http://schemas.microsoft.com/office/powerpoint/2010/main" val="3821331606"/>
+      </p:ext>
+    </p:extLst>
+  </p:cSld>
+  <p:clrMapOvr>
+    <a:masterClrMapping/>
+  </p:clrMapOvr>
+  <p:transition spd="slow" advTm="0">
+    <p:wipe/>
+  </p:transition>
+</p:sld>
+</file>
+
+<file path=ppt/slides/slide19.xml><?xml version="1.0" encoding="utf-8"?>
+<p:sld xmlns:a="http://schemas.openxmlformats.org/drawingml/2006/main" xmlns:r="http://schemas.openxmlformats.org/officeDocument/2006/relationships" xmlns:p="http://schemas.openxmlformats.org/presentationml/2006/main">
+  <p:cSld>
+    <p:spTree>
+      <p:nvGrpSpPr>
+        <p:cNvPr id="1" name=""/>
+        <p:cNvGrpSpPr/>
+        <p:nvPr/>
+      </p:nvGrpSpPr>
+      <p:grpSpPr>
+        <a:xfrm>
+          <a:off x="0" y="0"/>
+          <a:ext cx="0" cy="0"/>
+          <a:chOff x="0" y="0"/>
+          <a:chExt cx="0" cy="0"/>
+        </a:xfrm>
+      </p:grpSpPr>
+      <p:sp>
+        <p:nvSpPr>
+          <p:cNvPr id="24577" name="Text Placeholder 7">
+            <a:extLst>
+              <a:ext uri="{FF2B5EF4-FFF2-40B4-BE49-F238E27FC236}">
+                <a16:creationId xmlns:a16="http://schemas.microsoft.com/office/drawing/2014/main" id="{1D7B09D7-AC42-4360-9ACB-2CBFF923C74A}"/>
+              </a:ext>
+            </a:extLst>
+          </p:cNvPr>
+          <p:cNvSpPr>
+            <a:spLocks noChangeArrowheads="1"/>
+          </p:cNvSpPr>
+          <p:nvPr/>
+        </p:nvSpPr>
+        <p:spPr bwMode="auto">
+          <a:xfrm>
+            <a:off x="523875" y="1133475"/>
+            <a:ext cx="4038600" cy="304800"/>
+          </a:xfrm>
+          <a:prstGeom prst="rect">
+            <a:avLst/>
+          </a:prstGeom>
+          <a:noFill/>
+          <a:ln>
+            <a:noFill/>
+          </a:ln>
+          <a:extLst>
+            <a:ext uri="{909E8E84-426E-40DD-AFC4-6F175D3DCCD1}">
+              <a14:hiddenFill xmlns:a14="http://schemas.microsoft.com/office/drawing/2010/main">
+                <a:solidFill>
+                  <a:srgbClr val="FFFFFF"/>
+                </a:solidFill>
+              </a14:hiddenFill>
+            </a:ext>
+            <a:ext uri="{91240B29-F687-4F45-9708-019B960494DF}">
+              <a14:hiddenLine xmlns:a14="http://schemas.microsoft.com/office/drawing/2010/main" w="9525">
+                <a:solidFill>
+                  <a:srgbClr val="000000"/>
+                </a:solidFill>
+                <a:miter lim="800000"/>
+                <a:headEnd/>
+                <a:tailEnd/>
+              </a14:hiddenLine>
+            </a:ext>
+          </a:extLst>
+        </p:spPr>
+        <p:txBody>
+          <a:bodyPr/>
+          <a:lstStyle>
+            <a:lvl1pPr marL="300038" indent="-300038">
+              <a:defRPr>
+                <a:solidFill>
+                  <a:schemeClr val="tx1"/>
+                </a:solidFill>
+                <a:latin typeface="Arial" panose="020B0604020202020204" pitchFamily="34" charset="0"/>
+                <a:ea typeface="宋体" panose="02010600030101010101" pitchFamily="2" charset="-122"/>
+              </a:defRPr>
+            </a:lvl1pPr>
+            <a:lvl2pPr>
+              <a:defRPr>
+                <a:solidFill>
+                  <a:schemeClr val="tx1"/>
+                </a:solidFill>
+                <a:latin typeface="Arial" panose="020B0604020202020204" pitchFamily="34" charset="0"/>
+                <a:ea typeface="宋体" panose="02010600030101010101" pitchFamily="2" charset="-122"/>
+              </a:defRPr>
+            </a:lvl2pPr>
+            <a:lvl3pPr>
+              <a:defRPr>
+                <a:solidFill>
+                  <a:schemeClr val="tx1"/>
+                </a:solidFill>
+                <a:latin typeface="Arial" panose="020B0604020202020204" pitchFamily="34" charset="0"/>
+                <a:ea typeface="宋体" panose="02010600030101010101" pitchFamily="2" charset="-122"/>
+              </a:defRPr>
+            </a:lvl3pPr>
+            <a:lvl4pPr>
+              <a:defRPr>
+                <a:solidFill>
+                  <a:schemeClr val="tx1"/>
+                </a:solidFill>
+                <a:latin typeface="Arial" panose="020B0604020202020204" pitchFamily="34" charset="0"/>
+                <a:ea typeface="宋体" panose="02010600030101010101" pitchFamily="2" charset="-122"/>
+              </a:defRPr>
+            </a:lvl4pPr>
+            <a:lvl5pPr>
+              <a:defRPr>
+                <a:solidFill>
+                  <a:schemeClr val="tx1"/>
+                </a:solidFill>
+                <a:latin typeface="Arial" panose="020B0604020202020204" pitchFamily="34" charset="0"/>
+                <a:ea typeface="宋体" panose="02010600030101010101" pitchFamily="2" charset="-122"/>
+              </a:defRPr>
+            </a:lvl5pPr>
+            <a:lvl6pPr fontAlgn="base">
+              <a:spcBef>
+                <a:spcPct val="0"/>
+              </a:spcBef>
+              <a:spcAft>
+                <a:spcPct val="0"/>
+              </a:spcAft>
+              <a:buFont typeface="Arial" panose="020B0604020202020204" pitchFamily="34" charset="0"/>
+              <a:defRPr>
+                <a:solidFill>
+                  <a:schemeClr val="tx1"/>
+                </a:solidFill>
+                <a:latin typeface="Arial" panose="020B0604020202020204" pitchFamily="34" charset="0"/>
+                <a:ea typeface="宋体" panose="02010600030101010101" pitchFamily="2" charset="-122"/>
+              </a:defRPr>
+            </a:lvl6pPr>
+            <a:lvl7pPr fontAlgn="base">
+              <a:spcBef>
+                <a:spcPct val="0"/>
+              </a:spcBef>
+              <a:spcAft>
+                <a:spcPct val="0"/>
+              </a:spcAft>
+              <a:buFont typeface="Arial" panose="020B0604020202020204" pitchFamily="34" charset="0"/>
+              <a:defRPr>
+                <a:solidFill>
+                  <a:schemeClr val="tx1"/>
+                </a:solidFill>
+                <a:latin typeface="Arial" panose="020B0604020202020204" pitchFamily="34" charset="0"/>
+                <a:ea typeface="宋体" panose="02010600030101010101" pitchFamily="2" charset="-122"/>
+              </a:defRPr>
+            </a:lvl7pPr>
+            <a:lvl8pPr fontAlgn="base">
+              <a:spcBef>
+                <a:spcPct val="0"/>
+              </a:spcBef>
+              <a:spcAft>
+                <a:spcPct val="0"/>
+              </a:spcAft>
+              <a:buFont typeface="Arial" panose="020B0604020202020204" pitchFamily="34" charset="0"/>
+              <a:defRPr>
+                <a:solidFill>
+                  <a:schemeClr val="tx1"/>
+                </a:solidFill>
+                <a:latin typeface="Arial" panose="020B0604020202020204" pitchFamily="34" charset="0"/>
+                <a:ea typeface="宋体" panose="02010600030101010101" pitchFamily="2" charset="-122"/>
+              </a:defRPr>
+            </a:lvl8pPr>
+            <a:lvl9pPr fontAlgn="base">
+              <a:spcBef>
+                <a:spcPct val="0"/>
+              </a:spcBef>
+              <a:spcAft>
+                <a:spcPct val="0"/>
+              </a:spcAft>
+              <a:buFont typeface="Arial" panose="020B0604020202020204" pitchFamily="34" charset="0"/>
+              <a:defRPr>
+                <a:solidFill>
+                  <a:schemeClr val="tx1"/>
+                </a:solidFill>
+                <a:latin typeface="Arial" panose="020B0604020202020204" pitchFamily="34" charset="0"/>
+                <a:ea typeface="宋体" panose="02010600030101010101" pitchFamily="2" charset="-122"/>
+              </a:defRPr>
+            </a:lvl9pPr>
+          </a:lstStyle>
+          <a:p>
+            <a:pPr eaLnBrk="0" hangingPunct="0">
+              <a:spcBef>
+                <a:spcPct val="20000"/>
+              </a:spcBef>
+              <a:buFont typeface="Arial" panose="020B0604020202020204" pitchFamily="34" charset="0"/>
+              <a:buChar char="•"/>
+            </a:pPr>
+            <a:r>
+              <a:rPr lang="zh-CN" altLang="en-US" sz="2000" b="1">
+                <a:solidFill>
+                  <a:schemeClr val="bg1"/>
+                </a:solidFill>
+                <a:latin typeface="微软雅黑" panose="020B0503020204020204" pitchFamily="34" charset="-122"/>
+                <a:ea typeface="微软雅黑" panose="020B0503020204020204" pitchFamily="34" charset="-122"/>
+                <a:sym typeface="宋体" panose="02010600030101010101" pitchFamily="2" charset="-122"/>
+              </a:rPr>
+              <a:t>工作完成情况一</a:t>
+            </a:r>
+            <a:endParaRPr lang="en-US" altLang="zh-CN" sz="2000" b="1">
+              <a:solidFill>
+                <a:schemeClr val="bg1"/>
+              </a:solidFill>
+              <a:latin typeface="微软雅黑" panose="020B0503020204020204" pitchFamily="34" charset="-122"/>
+              <a:ea typeface="微软雅黑" panose="020B0503020204020204" pitchFamily="34" charset="-122"/>
+              <a:sym typeface="Calibri" panose="020F0502020204030204" pitchFamily="34" charset="0"/>
+            </a:endParaRPr>
+          </a:p>
+        </p:txBody>
+      </p:sp>
+      <p:sp>
+        <p:nvSpPr>
+          <p:cNvPr id="24578" name="Text Placeholder 8">
+            <a:extLst>
+              <a:ext uri="{FF2B5EF4-FFF2-40B4-BE49-F238E27FC236}">
+                <a16:creationId xmlns:a16="http://schemas.microsoft.com/office/drawing/2014/main" id="{94B8E0AF-5860-47A5-B380-B8354A11807B}"/>
+              </a:ext>
+            </a:extLst>
+          </p:cNvPr>
+          <p:cNvSpPr>
+            <a:spLocks noChangeArrowheads="1"/>
+          </p:cNvSpPr>
+          <p:nvPr/>
+        </p:nvSpPr>
+        <p:spPr bwMode="auto">
+          <a:xfrm>
+            <a:off x="4624388" y="1133475"/>
+            <a:ext cx="4038600" cy="304800"/>
+          </a:xfrm>
+          <a:prstGeom prst="rect">
+            <a:avLst/>
+          </a:prstGeom>
+          <a:noFill/>
+          <a:ln>
+            <a:noFill/>
+          </a:ln>
+          <a:extLst>
+            <a:ext uri="{909E8E84-426E-40DD-AFC4-6F175D3DCCD1}">
+              <a14:hiddenFill xmlns:a14="http://schemas.microsoft.com/office/drawing/2010/main">
+                <a:solidFill>
+                  <a:srgbClr val="FFFFFF"/>
+                </a:solidFill>
+              </a14:hiddenFill>
+            </a:ext>
+            <a:ext uri="{91240B29-F687-4F45-9708-019B960494DF}">
+              <a14:hiddenLine xmlns:a14="http://schemas.microsoft.com/office/drawing/2010/main" w="9525">
+                <a:solidFill>
+                  <a:srgbClr val="000000"/>
+                </a:solidFill>
+                <a:miter lim="800000"/>
+                <a:headEnd/>
+                <a:tailEnd/>
+              </a14:hiddenLine>
+            </a:ext>
+          </a:extLst>
+        </p:spPr>
+        <p:txBody>
+          <a:bodyPr/>
+          <a:lstStyle>
+            <a:lvl1pPr marL="300038" indent="-300038">
+              <a:defRPr>
+                <a:solidFill>
+                  <a:schemeClr val="tx1"/>
+                </a:solidFill>
+                <a:latin typeface="Arial" panose="020B0604020202020204" pitchFamily="34" charset="0"/>
+                <a:ea typeface="宋体" panose="02010600030101010101" pitchFamily="2" charset="-122"/>
+              </a:defRPr>
+            </a:lvl1pPr>
+            <a:lvl2pPr>
+              <a:defRPr>
+                <a:solidFill>
+                  <a:schemeClr val="tx1"/>
+                </a:solidFill>
+                <a:latin typeface="Arial" panose="020B0604020202020204" pitchFamily="34" charset="0"/>
+                <a:ea typeface="宋体" panose="02010600030101010101" pitchFamily="2" charset="-122"/>
+              </a:defRPr>
+            </a:lvl2pPr>
+            <a:lvl3pPr>
+              <a:defRPr>
+                <a:solidFill>
+                  <a:schemeClr val="tx1"/>
+                </a:solidFill>
+                <a:latin typeface="Arial" panose="020B0604020202020204" pitchFamily="34" charset="0"/>
+                <a:ea typeface="宋体" panose="02010600030101010101" pitchFamily="2" charset="-122"/>
+              </a:defRPr>
+            </a:lvl3pPr>
+            <a:lvl4pPr>
+              <a:defRPr>
+                <a:solidFill>
+                  <a:schemeClr val="tx1"/>
+                </a:solidFill>
+                <a:latin typeface="Arial" panose="020B0604020202020204" pitchFamily="34" charset="0"/>
+                <a:ea typeface="宋体" panose="02010600030101010101" pitchFamily="2" charset="-122"/>
+              </a:defRPr>
+            </a:lvl4pPr>
+            <a:lvl5pPr>
+              <a:defRPr>
+                <a:solidFill>
+                  <a:schemeClr val="tx1"/>
+                </a:solidFill>
+                <a:latin typeface="Arial" panose="020B0604020202020204" pitchFamily="34" charset="0"/>
+                <a:ea typeface="宋体" panose="02010600030101010101" pitchFamily="2" charset="-122"/>
+              </a:defRPr>
+            </a:lvl5pPr>
+            <a:lvl6pPr fontAlgn="base">
+              <a:spcBef>
+                <a:spcPct val="0"/>
+              </a:spcBef>
+              <a:spcAft>
+                <a:spcPct val="0"/>
+              </a:spcAft>
+              <a:buFont typeface="Arial" panose="020B0604020202020204" pitchFamily="34" charset="0"/>
+              <a:defRPr>
+                <a:solidFill>
+                  <a:schemeClr val="tx1"/>
+                </a:solidFill>
+                <a:latin typeface="Arial" panose="020B0604020202020204" pitchFamily="34" charset="0"/>
+                <a:ea typeface="宋体" panose="02010600030101010101" pitchFamily="2" charset="-122"/>
+              </a:defRPr>
+            </a:lvl6pPr>
+            <a:lvl7pPr fontAlgn="base">
+              <a:spcBef>
+                <a:spcPct val="0"/>
+              </a:spcBef>
+              <a:spcAft>
+                <a:spcPct val="0"/>
+              </a:spcAft>
+              <a:buFont typeface="Arial" panose="020B0604020202020204" pitchFamily="34" charset="0"/>
+              <a:defRPr>
+                <a:solidFill>
+                  <a:schemeClr val="tx1"/>
+                </a:solidFill>
+                <a:latin typeface="Arial" panose="020B0604020202020204" pitchFamily="34" charset="0"/>
+                <a:ea typeface="宋体" panose="02010600030101010101" pitchFamily="2" charset="-122"/>
+              </a:defRPr>
+            </a:lvl7pPr>
+            <a:lvl8pPr fontAlgn="base">
+              <a:spcBef>
+                <a:spcPct val="0"/>
+              </a:spcBef>
+              <a:spcAft>
+                <a:spcPct val="0"/>
+              </a:spcAft>
+              <a:buFont typeface="Arial" panose="020B0604020202020204" pitchFamily="34" charset="0"/>
+              <a:defRPr>
+                <a:solidFill>
+                  <a:schemeClr val="tx1"/>
+                </a:solidFill>
+                <a:latin typeface="Arial" panose="020B0604020202020204" pitchFamily="34" charset="0"/>
+                <a:ea typeface="宋体" panose="02010600030101010101" pitchFamily="2" charset="-122"/>
+              </a:defRPr>
+            </a:lvl8pPr>
+            <a:lvl9pPr fontAlgn="base">
+              <a:spcBef>
+                <a:spcPct val="0"/>
+              </a:spcBef>
+              <a:spcAft>
+                <a:spcPct val="0"/>
+              </a:spcAft>
+              <a:buFont typeface="Arial" panose="020B0604020202020204" pitchFamily="34" charset="0"/>
+              <a:defRPr>
+                <a:solidFill>
+                  <a:schemeClr val="tx1"/>
+                </a:solidFill>
+                <a:latin typeface="Arial" panose="020B0604020202020204" pitchFamily="34" charset="0"/>
+                <a:ea typeface="宋体" panose="02010600030101010101" pitchFamily="2" charset="-122"/>
+              </a:defRPr>
+            </a:lvl9pPr>
+          </a:lstStyle>
+          <a:p>
+            <a:pPr eaLnBrk="0" hangingPunct="0">
+              <a:spcBef>
+                <a:spcPct val="20000"/>
+              </a:spcBef>
+              <a:buFont typeface="Arial" panose="020B0604020202020204" pitchFamily="34" charset="0"/>
+              <a:buChar char="•"/>
+            </a:pPr>
+            <a:r>
+              <a:rPr lang="zh-CN" altLang="en-US" sz="2000" b="1">
+                <a:solidFill>
+                  <a:schemeClr val="bg1"/>
+                </a:solidFill>
+                <a:latin typeface="微软雅黑" panose="020B0503020204020204" pitchFamily="34" charset="-122"/>
+                <a:ea typeface="微软雅黑" panose="020B0503020204020204" pitchFamily="34" charset="-122"/>
+                <a:sym typeface="宋体" panose="02010600030101010101" pitchFamily="2" charset="-122"/>
+              </a:rPr>
+              <a:t>工作完成情况二</a:t>
+            </a:r>
+            <a:endParaRPr lang="en-US" altLang="zh-CN" sz="2000" b="1">
+              <a:solidFill>
+                <a:schemeClr val="bg1"/>
+              </a:solidFill>
+              <a:latin typeface="微软雅黑" panose="020B0503020204020204" pitchFamily="34" charset="-122"/>
+              <a:ea typeface="微软雅黑" panose="020B0503020204020204" pitchFamily="34" charset="-122"/>
+              <a:sym typeface="Calibri" panose="020F0502020204030204" pitchFamily="34" charset="0"/>
+            </a:endParaRPr>
+          </a:p>
+        </p:txBody>
+      </p:sp>
+      <p:sp>
+        <p:nvSpPr>
+          <p:cNvPr id="24579" name="TextBox 108">
+            <a:extLst>
+              <a:ext uri="{FF2B5EF4-FFF2-40B4-BE49-F238E27FC236}">
+                <a16:creationId xmlns:a16="http://schemas.microsoft.com/office/drawing/2014/main" id="{273E283F-F7EB-4D08-A6EF-1456BEDBFAB3}"/>
+              </a:ext>
+            </a:extLst>
+          </p:cNvPr>
+          <p:cNvSpPr>
+            <a:spLocks noChangeArrowheads="1"/>
+          </p:cNvSpPr>
+          <p:nvPr/>
+        </p:nvSpPr>
+        <p:spPr bwMode="auto">
+          <a:xfrm>
+            <a:off x="539750" y="266700"/>
+            <a:ext cx="1955800" cy="369888"/>
+          </a:xfrm>
+          <a:prstGeom prst="rect">
+            <a:avLst/>
+          </a:prstGeom>
+          <a:noFill/>
+          <a:ln>
+            <a:noFill/>
+          </a:ln>
+          <a:extLst>
+            <a:ext uri="{909E8E84-426E-40DD-AFC4-6F175D3DCCD1}">
+              <a14:hiddenFill xmlns:a14="http://schemas.microsoft.com/office/drawing/2010/main">
+                <a:solidFill>
+                  <a:srgbClr val="FFFFFF"/>
+                </a:solidFill>
+              </a14:hiddenFill>
+            </a:ext>
+            <a:ext uri="{91240B29-F687-4F45-9708-019B960494DF}">
+              <a14:hiddenLine xmlns:a14="http://schemas.microsoft.com/office/drawing/2010/main" w="9525">
+                <a:solidFill>
+                  <a:srgbClr val="000000"/>
+                </a:solidFill>
+                <a:miter lim="800000"/>
+                <a:headEnd/>
+                <a:tailEnd/>
+              </a14:hiddenLine>
+            </a:ext>
+          </a:extLst>
+        </p:spPr>
+        <p:txBody>
+          <a:bodyPr wrap="none">
+            <a:spAutoFit/>
+          </a:bodyPr>
+          <a:lstStyle/>
+          <a:p>
+            <a:r>
+              <a:rPr lang="en-US" altLang="zh-CN" dirty="0">
+                <a:solidFill>
+                  <a:schemeClr val="bg1"/>
+                </a:solidFill>
+                <a:latin typeface="微软雅黑" panose="020B0503020204020204" pitchFamily="34" charset="-122"/>
+                <a:ea typeface="微软雅黑" panose="020B0503020204020204" pitchFamily="34" charset="-122"/>
+                <a:sym typeface="微软雅黑" panose="020B0503020204020204" pitchFamily="34" charset="-122"/>
+              </a:rPr>
+              <a:t>4.3.1 Intent </a:t>
+            </a:r>
+            <a:r>
+              <a:rPr lang="zh-CN" altLang="en-US" dirty="0">
+                <a:solidFill>
+                  <a:schemeClr val="bg1"/>
+                </a:solidFill>
+                <a:latin typeface="微软雅黑" panose="020B0503020204020204" pitchFamily="34" charset="-122"/>
+                <a:ea typeface="微软雅黑" panose="020B0503020204020204" pitchFamily="34" charset="-122"/>
+                <a:sym typeface="微软雅黑" panose="020B0503020204020204" pitchFamily="34" charset="-122"/>
+              </a:rPr>
+              <a:t>属性</a:t>
+            </a:r>
+            <a:endParaRPr lang="en-US" altLang="zh-CN" dirty="0">
+              <a:solidFill>
+                <a:schemeClr val="bg1"/>
+              </a:solidFill>
+              <a:latin typeface="微软雅黑" panose="020B0503020204020204" pitchFamily="34" charset="-122"/>
+              <a:ea typeface="微软雅黑" panose="020B0503020204020204" pitchFamily="34" charset="-122"/>
+              <a:sym typeface="微软雅黑" panose="020B0503020204020204" pitchFamily="34" charset="-122"/>
+            </a:endParaRPr>
+          </a:p>
+        </p:txBody>
+      </p:sp>
+      <p:grpSp>
+        <p:nvGrpSpPr>
+          <p:cNvPr id="24580" name="组合 14">
+            <a:extLst>
+              <a:ext uri="{FF2B5EF4-FFF2-40B4-BE49-F238E27FC236}">
+                <a16:creationId xmlns:a16="http://schemas.microsoft.com/office/drawing/2014/main" id="{E0B0113D-A083-4FA1-9936-050124D94C2B}"/>
+              </a:ext>
+            </a:extLst>
+          </p:cNvPr>
+          <p:cNvGrpSpPr>
+            <a:grpSpLocks/>
+          </p:cNvGrpSpPr>
+          <p:nvPr/>
+        </p:nvGrpSpPr>
+        <p:grpSpPr bwMode="auto">
+          <a:xfrm>
+            <a:off x="107950" y="244475"/>
+            <a:ext cx="358775" cy="360363"/>
+            <a:chOff x="0" y="0"/>
+            <a:chExt cx="302558" cy="314067"/>
+          </a:xfrm>
+        </p:grpSpPr>
+        <p:sp>
+          <p:nvSpPr>
+            <p:cNvPr id="24581" name="矩形 15">
+              <a:extLst>
+                <a:ext uri="{FF2B5EF4-FFF2-40B4-BE49-F238E27FC236}">
+                  <a16:creationId xmlns:a16="http://schemas.microsoft.com/office/drawing/2014/main" id="{42845ACB-32FC-4ADE-8253-B82AF023818C}"/>
+                </a:ext>
+              </a:extLst>
+            </p:cNvPr>
+            <p:cNvSpPr>
+              <a:spLocks noChangeArrowheads="1"/>
+            </p:cNvSpPr>
+            <p:nvPr/>
+          </p:nvSpPr>
+          <p:spPr bwMode="auto">
+            <a:xfrm>
+              <a:off x="0" y="0"/>
+              <a:ext cx="252000" cy="252000"/>
+            </a:xfrm>
+            <a:prstGeom prst="rect">
+              <a:avLst/>
+            </a:prstGeom>
+            <a:solidFill>
+              <a:srgbClr val="414455"/>
+            </a:solidFill>
+            <a:ln>
+              <a:noFill/>
+            </a:ln>
+            <a:extLst>
+              <a:ext uri="{91240B29-F687-4F45-9708-019B960494DF}">
+                <a14:hiddenLine xmlns:a14="http://schemas.microsoft.com/office/drawing/2010/main" w="25400">
+                  <a:solidFill>
+                    <a:srgbClr val="000000"/>
+                  </a:solidFill>
+                  <a:miter lim="800000"/>
+                  <a:headEnd/>
+                  <a:tailEnd/>
+                </a14:hiddenLine>
+              </a:ext>
+            </a:extLst>
+          </p:spPr>
+          <p:txBody>
+            <a:bodyPr anchor="ctr"/>
+            <a:lstStyle/>
+            <a:p>
+              <a:pPr algn="ctr"/>
+              <a:endParaRPr lang="zh-CN" altLang="zh-CN">
+                <a:solidFill>
+                  <a:srgbClr val="FFFFFF"/>
+                </a:solidFill>
+                <a:latin typeface="宋体" panose="02010600030101010101" pitchFamily="2" charset="-122"/>
+                <a:sym typeface="宋体" panose="02010600030101010101" pitchFamily="2" charset="-122"/>
+              </a:endParaRPr>
+            </a:p>
+          </p:txBody>
+        </p:sp>
+        <p:sp>
+          <p:nvSpPr>
+            <p:cNvPr id="24582" name="矩形 16">
+              <a:extLst>
+                <a:ext uri="{FF2B5EF4-FFF2-40B4-BE49-F238E27FC236}">
+                  <a16:creationId xmlns:a16="http://schemas.microsoft.com/office/drawing/2014/main" id="{A97208AE-CF25-4226-A7D9-2751907B1956}"/>
+                </a:ext>
+              </a:extLst>
+            </p:cNvPr>
+            <p:cNvSpPr>
+              <a:spLocks noChangeArrowheads="1"/>
+            </p:cNvSpPr>
+            <p:nvPr/>
+          </p:nvSpPr>
+          <p:spPr bwMode="auto">
+            <a:xfrm>
+              <a:off x="122558" y="134067"/>
+              <a:ext cx="180000" cy="180000"/>
+            </a:xfrm>
+            <a:prstGeom prst="rect">
+              <a:avLst/>
+            </a:prstGeom>
+            <a:solidFill>
+              <a:srgbClr val="0E90BE"/>
+            </a:solidFill>
+            <a:ln>
+              <a:noFill/>
+            </a:ln>
+            <a:extLst>
+              <a:ext uri="{91240B29-F687-4F45-9708-019B960494DF}">
+                <a14:hiddenLine xmlns:a14="http://schemas.microsoft.com/office/drawing/2010/main" w="25400">
+                  <a:solidFill>
+                    <a:srgbClr val="000000"/>
+                  </a:solidFill>
+                  <a:miter lim="800000"/>
+                  <a:headEnd/>
+                  <a:tailEnd/>
+                </a14:hiddenLine>
+              </a:ext>
+            </a:extLst>
+          </p:spPr>
+          <p:txBody>
+            <a:bodyPr anchor="ctr"/>
+            <a:lstStyle/>
+            <a:p>
+              <a:pPr algn="ctr"/>
+              <a:endParaRPr lang="zh-CN" altLang="zh-CN">
+                <a:solidFill>
+                  <a:srgbClr val="FFFFFF"/>
+                </a:solidFill>
+                <a:latin typeface="宋体" panose="02010600030101010101" pitchFamily="2" charset="-122"/>
+                <a:sym typeface="宋体" panose="02010600030101010101" pitchFamily="2" charset="-122"/>
+              </a:endParaRPr>
+            </a:p>
+          </p:txBody>
+        </p:sp>
+      </p:grpSp>
+      <p:sp>
+        <p:nvSpPr>
+          <p:cNvPr id="24583" name="矩形 3">
+            <a:extLst>
+              <a:ext uri="{FF2B5EF4-FFF2-40B4-BE49-F238E27FC236}">
+                <a16:creationId xmlns:a16="http://schemas.microsoft.com/office/drawing/2014/main" id="{9F058799-6D57-4D8C-85A2-9C31B195B9A2}"/>
+              </a:ext>
+            </a:extLst>
+          </p:cNvPr>
+          <p:cNvSpPr>
+            <a:spLocks noChangeArrowheads="1"/>
+          </p:cNvSpPr>
+          <p:nvPr/>
+        </p:nvSpPr>
+        <p:spPr bwMode="auto">
+          <a:xfrm>
+            <a:off x="406773" y="755932"/>
+            <a:ext cx="8125502" cy="378630"/>
+          </a:xfrm>
+          <a:prstGeom prst="rect">
+            <a:avLst/>
+          </a:prstGeom>
+          <a:solidFill>
+            <a:schemeClr val="dk1">
+              <a:alpha val="50000"/>
+            </a:schemeClr>
+          </a:solidFill>
+          <a:ln>
+            <a:noFill/>
+          </a:ln>
+        </p:spPr>
+        <p:style>
+          <a:lnRef idx="0">
+            <a:scrgbClr r="0" g="0" b="0"/>
+          </a:lnRef>
+          <a:fillRef idx="0">
+            <a:scrgbClr r="0" g="0" b="0"/>
+          </a:fillRef>
+          <a:effectRef idx="0">
+            <a:scrgbClr r="0" g="0" b="0"/>
+          </a:effectRef>
+          <a:fontRef idx="minor">
+            <a:schemeClr val="lt1"/>
+          </a:fontRef>
+        </p:style>
+        <p:txBody>
+          <a:bodyPr wrap="square">
+            <a:spAutoFit/>
+          </a:bodyPr>
+          <a:lstStyle/>
+          <a:p>
+            <a:pPr>
+              <a:lnSpc>
+                <a:spcPct val="150000"/>
+              </a:lnSpc>
+            </a:pPr>
+            <a:r>
+              <a:rPr lang="en-US" altLang="zh-CN" sz="1400" dirty="0">
+                <a:solidFill>
+                  <a:srgbClr val="000000"/>
+                </a:solidFill>
+                <a:latin typeface="Calibri" panose="020F0502020204030204" pitchFamily="34" charset="0"/>
+                <a:sym typeface="Calibri" panose="020F0502020204030204" pitchFamily="34" charset="0"/>
+              </a:rPr>
+              <a:t>         Intent</a:t>
+            </a:r>
+            <a:r>
+              <a:rPr lang="zh-CN" altLang="en-US" sz="1400" dirty="0">
+                <a:solidFill>
+                  <a:srgbClr val="000000"/>
+                </a:solidFill>
+                <a:latin typeface="Calibri" panose="020F0502020204030204" pitchFamily="34" charset="0"/>
+                <a:sym typeface="宋体" panose="02010600030101010101" pitchFamily="2" charset="-122"/>
+              </a:rPr>
+              <a:t>由</a:t>
+            </a:r>
+            <a:r>
+              <a:rPr lang="zh-CN" altLang="en-US" sz="1400" u="sng" dirty="0">
+                <a:solidFill>
+                  <a:schemeClr val="accent5">
+                    <a:lumMod val="75000"/>
+                  </a:schemeClr>
+                </a:solidFill>
+                <a:latin typeface="Calibri" panose="020F0502020204030204" pitchFamily="34" charset="0"/>
+                <a:sym typeface="宋体" panose="02010600030101010101" pitchFamily="2" charset="-122"/>
+              </a:rPr>
+              <a:t>动作、数据、分类、类型、组件和扩展信息</a:t>
+            </a:r>
+            <a:r>
+              <a:rPr lang="zh-CN" altLang="en-US" sz="1400" dirty="0">
+                <a:solidFill>
+                  <a:srgbClr val="000000"/>
+                </a:solidFill>
+                <a:latin typeface="Calibri" panose="020F0502020204030204" pitchFamily="34" charset="0"/>
+                <a:sym typeface="宋体" panose="02010600030101010101" pitchFamily="2" charset="-122"/>
+              </a:rPr>
+              <a:t>等内容组成</a:t>
+            </a:r>
+            <a:endParaRPr lang="zh-CN" altLang="en-US" sz="1600" dirty="0"/>
+          </a:p>
+        </p:txBody>
+      </p:sp>
+      <p:graphicFrame>
+        <p:nvGraphicFramePr>
+          <p:cNvPr id="2" name="表格 2">
+            <a:extLst>
+              <a:ext uri="{FF2B5EF4-FFF2-40B4-BE49-F238E27FC236}">
+                <a16:creationId xmlns:a16="http://schemas.microsoft.com/office/drawing/2014/main" id="{1F1830EB-7989-46CE-A9D9-9D04437BA783}"/>
+              </a:ext>
+            </a:extLst>
+          </p:cNvPr>
+          <p:cNvGraphicFramePr>
+            <a:graphicFrameLocks noGrp="1"/>
+          </p:cNvGraphicFramePr>
+          <p:nvPr/>
+        </p:nvGraphicFramePr>
+        <p:xfrm>
+          <a:off x="410335" y="1261274"/>
+          <a:ext cx="2221092" cy="2727960"/>
+        </p:xfrm>
+        <a:graphic>
+          <a:graphicData uri="http://schemas.openxmlformats.org/drawingml/2006/table">
+            <a:tbl>
+              <a:tblPr firstRow="1" bandRow="1">
+                <a:tableStyleId>{5C22544A-7EE6-4342-B048-85BDC9FD1C3A}</a:tableStyleId>
+              </a:tblPr>
+              <a:tblGrid>
+                <a:gridCol w="661377">
+                  <a:extLst>
+                    <a:ext uri="{9D8B030D-6E8A-4147-A177-3AD203B41FA5}">
+                      <a16:colId xmlns:a16="http://schemas.microsoft.com/office/drawing/2014/main" val="2381358321"/>
+                    </a:ext>
+                  </a:extLst>
+                </a:gridCol>
+                <a:gridCol w="1559715">
+                  <a:extLst>
+                    <a:ext uri="{9D8B030D-6E8A-4147-A177-3AD203B41FA5}">
+                      <a16:colId xmlns:a16="http://schemas.microsoft.com/office/drawing/2014/main" val="492297040"/>
+                    </a:ext>
+                  </a:extLst>
+                </a:gridCol>
+              </a:tblGrid>
+              <a:tr h="370840">
+                <a:tc>
+                  <a:txBody>
+                    <a:bodyPr/>
+                    <a:lstStyle/>
+                    <a:p>
                       <a:r>
                         <a:rPr lang="zh-CN" altLang="en-US" dirty="0"/>
-                        <a:t>（）</a:t>
+                        <a:t>组成</a:t>
                       </a:r>
+                    </a:p>
+                  </a:txBody>
+                  <a:tcPr/>
+                </a:tc>
+                <a:tc>
+                  <a:txBody>
+                    <a:bodyPr/>
+                    <a:lstStyle/>
+                    <a:p>
+                      <a:r>
+                        <a:rPr lang="zh-CN" altLang="en-US" dirty="0"/>
+                        <a:t>属性</a:t>
+                      </a:r>
+                    </a:p>
+                  </a:txBody>
+                  <a:tcPr/>
+                </a:tc>
+                <a:extLst>
+                  <a:ext uri="{0D108BD9-81ED-4DB2-BD59-A6C34878D82A}">
+                    <a16:rowId xmlns:a16="http://schemas.microsoft.com/office/drawing/2014/main" val="738424397"/>
+                  </a:ext>
+                </a:extLst>
+              </a:tr>
+              <a:tr h="370840">
+                <a:tc>
+                  <a:txBody>
+                    <a:bodyPr/>
+                    <a:lstStyle/>
+                    <a:p>
+                      <a:r>
+                        <a:rPr lang="zh-CN" altLang="en-US" dirty="0"/>
+                        <a:t>动作</a:t>
+                      </a:r>
+                    </a:p>
+                  </a:txBody>
+                  <a:tcPr/>
+                </a:tc>
+                <a:tc>
+                  <a:txBody>
+                    <a:bodyPr/>
+                    <a:lstStyle/>
+                    <a:p>
+                      <a:r>
+                        <a:rPr lang="en-US" altLang="zh-CN" dirty="0"/>
+                        <a:t>Action</a:t>
+                      </a:r>
+                      <a:endParaRPr lang="zh-CN" altLang="en-US" dirty="0"/>
+                    </a:p>
+                  </a:txBody>
+                  <a:tcPr/>
+                </a:tc>
+                <a:extLst>
+                  <a:ext uri="{0D108BD9-81ED-4DB2-BD59-A6C34878D82A}">
+                    <a16:rowId xmlns:a16="http://schemas.microsoft.com/office/drawing/2014/main" val="2651152174"/>
+                  </a:ext>
+                </a:extLst>
+              </a:tr>
+              <a:tr h="370840">
+                <a:tc>
+                  <a:txBody>
+                    <a:bodyPr/>
+                    <a:lstStyle/>
+                    <a:p>
+                      <a:r>
+                        <a:rPr lang="zh-CN" altLang="en-US" dirty="0"/>
+                        <a:t>数据</a:t>
+                      </a:r>
+                    </a:p>
+                  </a:txBody>
+                  <a:tcPr/>
+                </a:tc>
+                <a:tc>
+                  <a:txBody>
+                    <a:bodyPr/>
+                    <a:lstStyle/>
+                    <a:p>
+                      <a:r>
+                        <a:rPr lang="en-US" altLang="zh-CN" dirty="0"/>
+                        <a:t>Data</a:t>
+                      </a:r>
+                      <a:endParaRPr lang="zh-CN" altLang="en-US" dirty="0"/>
+                    </a:p>
+                  </a:txBody>
+                  <a:tcPr/>
+                </a:tc>
+                <a:extLst>
+                  <a:ext uri="{0D108BD9-81ED-4DB2-BD59-A6C34878D82A}">
+                    <a16:rowId xmlns:a16="http://schemas.microsoft.com/office/drawing/2014/main" val="2362893337"/>
+                  </a:ext>
+                </a:extLst>
+              </a:tr>
+              <a:tr h="370840">
+                <a:tc>
+                  <a:txBody>
+                    <a:bodyPr/>
+                    <a:lstStyle/>
+                    <a:p>
+                      <a:r>
+                        <a:rPr lang="zh-CN" altLang="en-US" dirty="0"/>
+                        <a:t>分类</a:t>
+                      </a:r>
+                    </a:p>
+                  </a:txBody>
+                  <a:tcPr/>
+                </a:tc>
+                <a:tc>
+                  <a:txBody>
+                    <a:bodyPr/>
+                    <a:lstStyle/>
+                    <a:p>
+                      <a:r>
+                        <a:rPr lang="en-US" altLang="zh-CN" dirty="0"/>
+                        <a:t>Category</a:t>
+                      </a:r>
+                      <a:endParaRPr lang="zh-CN" altLang="en-US" dirty="0"/>
+                    </a:p>
+                  </a:txBody>
+                  <a:tcPr/>
+                </a:tc>
+                <a:extLst>
+                  <a:ext uri="{0D108BD9-81ED-4DB2-BD59-A6C34878D82A}">
+                    <a16:rowId xmlns:a16="http://schemas.microsoft.com/office/drawing/2014/main" val="3044467836"/>
+                  </a:ext>
+                </a:extLst>
+              </a:tr>
+              <a:tr h="370840">
+                <a:tc>
+                  <a:txBody>
+                    <a:bodyPr/>
+                    <a:lstStyle/>
+                    <a:p>
+                      <a:r>
+                        <a:rPr lang="zh-CN" altLang="en-US" dirty="0"/>
+                        <a:t>类型</a:t>
+                      </a:r>
+                    </a:p>
+                  </a:txBody>
+                  <a:tcPr/>
+                </a:tc>
+                <a:tc>
+                  <a:txBody>
+                    <a:bodyPr/>
+                    <a:lstStyle/>
+                    <a:p>
+                      <a:r>
+                        <a:rPr lang="en-US" altLang="zh-CN" dirty="0"/>
+                        <a:t>Type</a:t>
+                      </a:r>
+                      <a:endParaRPr lang="zh-CN" altLang="en-US" dirty="0"/>
+                    </a:p>
+                  </a:txBody>
+                  <a:tcPr/>
+                </a:tc>
+                <a:extLst>
+                  <a:ext uri="{0D108BD9-81ED-4DB2-BD59-A6C34878D82A}">
+                    <a16:rowId xmlns:a16="http://schemas.microsoft.com/office/drawing/2014/main" val="4129549276"/>
+                  </a:ext>
+                </a:extLst>
+              </a:tr>
+              <a:tr h="370840">
+                <a:tc>
+                  <a:txBody>
+                    <a:bodyPr/>
+                    <a:lstStyle/>
+                    <a:p>
+                      <a:r>
+                        <a:rPr lang="zh-CN" altLang="en-US" dirty="0"/>
+                        <a:t>组件</a:t>
+                      </a:r>
+                    </a:p>
+                  </a:txBody>
+                  <a:tcPr/>
+                </a:tc>
+                <a:tc>
+                  <a:txBody>
+                    <a:bodyPr/>
+                    <a:lstStyle/>
+                    <a:p>
+                      <a:r>
+                        <a:rPr lang="en-US" altLang="zh-CN" dirty="0"/>
+                        <a:t>Component</a:t>
+                      </a:r>
+                      <a:endParaRPr lang="zh-CN" altLang="en-US" dirty="0"/>
                     </a:p>
                   </a:txBody>
                   <a:tcPr/>
@@ -11575,52 +14486,6 @@
                   </a:txBody>
                   <a:tcPr/>
                 </a:tc>
-                <a:tc>
-                  <a:txBody>
-                    <a:bodyPr/>
-                    <a:lstStyle/>
-                    <a:p>
-                      <a:r>
-                        <a:rPr lang="en-US" altLang="zh-CN" dirty="0" err="1"/>
-                        <a:t>putExtra</a:t>
-                      </a:r>
-                      <a:r>
-                        <a:rPr lang="zh-CN" altLang="en-US" dirty="0"/>
-                        <a:t>（）</a:t>
-                      </a:r>
-                    </a:p>
-                  </a:txBody>
-                  <a:tcPr/>
-                </a:tc>
-                <a:tc>
-                  <a:txBody>
-                    <a:bodyPr/>
-                    <a:lstStyle/>
-                    <a:p>
-                      <a:r>
-                        <a:rPr lang="en-US" altLang="zh-CN" dirty="0" err="1"/>
-                        <a:t>get</a:t>
-                      </a:r>
-                      <a:r>
-                        <a:rPr lang="en-US" altLang="zh-CN" dirty="0" err="1">
-                          <a:highlight>
-                            <a:srgbClr val="FFFF00"/>
-                          </a:highlight>
-                        </a:rPr>
-                        <a:t>XXX</a:t>
-                      </a:r>
-                      <a:r>
-                        <a:rPr lang="en-US" altLang="zh-CN" dirty="0" err="1"/>
-                        <a:t>Extra</a:t>
-                      </a:r>
-                      <a:r>
-                        <a:rPr lang="zh-CN" altLang="en-US" dirty="0"/>
-                        <a:t>（）</a:t>
-                      </a:r>
-                    </a:p>
-                  </a:txBody>
-                  <a:tcPr/>
-                </a:tc>
                 <a:extLst>
                   <a:ext uri="{0D108BD9-81ED-4DB2-BD59-A6C34878D82A}">
                     <a16:rowId xmlns:a16="http://schemas.microsoft.com/office/drawing/2014/main" val="4156856627"/>
@@ -11631,6 +14496,1010 @@
           </a:graphicData>
         </a:graphic>
       </p:graphicFrame>
+      <p:sp>
+        <p:nvSpPr>
+          <p:cNvPr id="11" name="文本框 10">
+            <a:extLst>
+              <a:ext uri="{FF2B5EF4-FFF2-40B4-BE49-F238E27FC236}">
+                <a16:creationId xmlns:a16="http://schemas.microsoft.com/office/drawing/2014/main" id="{C1D12B1A-3C46-44F4-8C47-2AB11961ADFA}"/>
+              </a:ext>
+            </a:extLst>
+          </p:cNvPr>
+          <p:cNvSpPr txBox="1"/>
+          <p:nvPr/>
+        </p:nvSpPr>
+        <p:spPr>
+          <a:xfrm>
+            <a:off x="2693340" y="1261274"/>
+            <a:ext cx="5760400" cy="1415772"/>
+          </a:xfrm>
+          <a:prstGeom prst="rect">
+            <a:avLst/>
+          </a:prstGeom>
+          <a:gradFill flip="none" rotWithShape="1">
+            <a:gsLst>
+              <a:gs pos="0">
+                <a:schemeClr val="accent1">
+                  <a:tint val="66000"/>
+                  <a:satMod val="160000"/>
+                </a:schemeClr>
+              </a:gs>
+              <a:gs pos="50000">
+                <a:schemeClr val="accent1">
+                  <a:tint val="44500"/>
+                  <a:satMod val="160000"/>
+                </a:schemeClr>
+              </a:gs>
+              <a:gs pos="100000">
+                <a:schemeClr val="accent1">
+                  <a:tint val="23500"/>
+                  <a:satMod val="160000"/>
+                </a:schemeClr>
+              </a:gs>
+            </a:gsLst>
+            <a:lin ang="5400000" scaled="1"/>
+            <a:tileRect/>
+          </a:gradFill>
+        </p:spPr>
+        <p:txBody>
+          <a:bodyPr wrap="square">
+            <a:spAutoFit/>
+          </a:bodyPr>
+          <a:lstStyle/>
+          <a:p>
+            <a:pPr algn="l"/>
+            <a:r>
+              <a:rPr lang="en-US" altLang="zh-CN" sz="3200" b="1" i="0" dirty="0">
+                <a:solidFill>
+                  <a:srgbClr val="4F4F4F"/>
+                </a:solidFill>
+                <a:effectLst/>
+                <a:latin typeface="PingFang SC"/>
+              </a:rPr>
+              <a:t>Data</a:t>
+            </a:r>
+            <a:r>
+              <a:rPr lang="zh-CN" altLang="en-US" sz="3200" b="1" i="0" dirty="0">
+                <a:solidFill>
+                  <a:srgbClr val="4F4F4F"/>
+                </a:solidFill>
+                <a:effectLst/>
+                <a:latin typeface="PingFang SC"/>
+              </a:rPr>
+              <a:t>（数据）</a:t>
+            </a:r>
+          </a:p>
+          <a:p>
+            <a:pPr marL="285750" indent="-285750">
+              <a:buFont typeface="Arial" panose="020B0604020202020204" pitchFamily="34" charset="0"/>
+              <a:buChar char="•"/>
+            </a:pPr>
+            <a:r>
+              <a:rPr lang="zh-CN" altLang="en-US" b="0" i="0" dirty="0">
+                <a:solidFill>
+                  <a:srgbClr val="4D4D4D"/>
+                </a:solidFill>
+                <a:effectLst/>
+                <a:latin typeface="-apple-system"/>
+              </a:rPr>
+              <a:t>通常用于向</a:t>
+            </a:r>
+            <a:r>
+              <a:rPr lang="en-US" altLang="zh-CN" b="0" i="0" dirty="0">
+                <a:solidFill>
+                  <a:srgbClr val="4D4D4D"/>
+                </a:solidFill>
+                <a:effectLst/>
+                <a:latin typeface="-apple-system"/>
+              </a:rPr>
+              <a:t>Action</a:t>
+            </a:r>
+            <a:r>
+              <a:rPr lang="zh-CN" altLang="en-US" b="0" i="0" dirty="0">
+                <a:solidFill>
+                  <a:srgbClr val="4D4D4D"/>
+                </a:solidFill>
+                <a:effectLst/>
+                <a:latin typeface="-apple-system"/>
+              </a:rPr>
+              <a:t>属性提供操作的数据，接受一个</a:t>
+            </a:r>
+            <a:r>
+              <a:rPr lang="en-US" altLang="zh-CN" b="0" i="0" dirty="0">
+                <a:solidFill>
+                  <a:srgbClr val="4D4D4D"/>
+                </a:solidFill>
+                <a:effectLst/>
+                <a:latin typeface="-apple-system"/>
+              </a:rPr>
+              <a:t>URI</a:t>
+            </a:r>
+            <a:r>
+              <a:rPr lang="zh-CN" altLang="en-US" b="0" i="0" dirty="0">
+                <a:solidFill>
+                  <a:srgbClr val="4D4D4D"/>
+                </a:solidFill>
+                <a:effectLst/>
+                <a:latin typeface="-apple-system"/>
+              </a:rPr>
+              <a:t>对象。</a:t>
+            </a:r>
+            <a:endParaRPr lang="en-US" altLang="zh-CN" b="0" i="0" dirty="0">
+              <a:solidFill>
+                <a:srgbClr val="4D4D4D"/>
+              </a:solidFill>
+              <a:effectLst/>
+              <a:latin typeface="-apple-system"/>
+            </a:endParaRPr>
+          </a:p>
+          <a:p>
+            <a:pPr marL="285750" indent="-285750">
+              <a:buFont typeface="Arial" panose="020B0604020202020204" pitchFamily="34" charset="0"/>
+              <a:buChar char="•"/>
+            </a:pPr>
+            <a:r>
+              <a:rPr lang="zh-CN" altLang="en-US" b="0" i="0" dirty="0">
+                <a:solidFill>
+                  <a:srgbClr val="4D4D4D"/>
+                </a:solidFill>
+                <a:effectLst/>
+                <a:latin typeface="-apple-system"/>
+              </a:rPr>
+              <a:t>匹配规则与</a:t>
+            </a:r>
+            <a:r>
+              <a:rPr lang="en-US" altLang="zh-CN" b="0" i="0" dirty="0">
+                <a:solidFill>
+                  <a:srgbClr val="4D4D4D"/>
+                </a:solidFill>
+                <a:effectLst/>
+                <a:latin typeface="-apple-system"/>
+              </a:rPr>
+              <a:t>Action</a:t>
+            </a:r>
+            <a:r>
+              <a:rPr lang="zh-CN" altLang="en-US" b="0" i="0" dirty="0">
+                <a:solidFill>
+                  <a:srgbClr val="4D4D4D"/>
+                </a:solidFill>
+                <a:effectLst/>
+                <a:latin typeface="-apple-system"/>
+              </a:rPr>
+              <a:t>类似。</a:t>
+            </a:r>
+          </a:p>
+        </p:txBody>
+      </p:sp>
+      <p:sp>
+        <p:nvSpPr>
+          <p:cNvPr id="18" name="文本框 17">
+            <a:extLst>
+              <a:ext uri="{FF2B5EF4-FFF2-40B4-BE49-F238E27FC236}">
+                <a16:creationId xmlns:a16="http://schemas.microsoft.com/office/drawing/2014/main" id="{68EA6049-5C68-46D8-B29D-5C2F61F2A196}"/>
+              </a:ext>
+            </a:extLst>
+          </p:cNvPr>
+          <p:cNvSpPr txBox="1"/>
+          <p:nvPr/>
+        </p:nvSpPr>
+        <p:spPr>
+          <a:xfrm>
+            <a:off x="2694964" y="2929692"/>
+            <a:ext cx="5758775" cy="1477328"/>
+          </a:xfrm>
+          <a:prstGeom prst="rect">
+            <a:avLst/>
+          </a:prstGeom>
+          <a:solidFill>
+            <a:schemeClr val="accent6">
+              <a:lumMod val="40000"/>
+              <a:lumOff val="60000"/>
+            </a:schemeClr>
+          </a:solidFill>
+        </p:spPr>
+        <p:txBody>
+          <a:bodyPr wrap="square">
+            <a:spAutoFit/>
+          </a:bodyPr>
+          <a:lstStyle/>
+          <a:p>
+            <a:r>
+              <a:rPr lang="en-US" altLang="zh-CN" dirty="0"/>
+              <a:t> public void </a:t>
+            </a:r>
+            <a:r>
+              <a:rPr lang="en-US" altLang="zh-CN" dirty="0" err="1"/>
+              <a:t>buttonThree</a:t>
+            </a:r>
+            <a:r>
+              <a:rPr lang="en-US" altLang="zh-CN" dirty="0"/>
+              <a:t>(View view){</a:t>
+            </a:r>
+          </a:p>
+          <a:p>
+            <a:r>
+              <a:rPr lang="en-US" altLang="zh-CN" dirty="0"/>
+              <a:t>        Intent </a:t>
+            </a:r>
+            <a:r>
+              <a:rPr lang="en-US" altLang="zh-CN" dirty="0" err="1"/>
+              <a:t>intent</a:t>
+            </a:r>
+            <a:r>
+              <a:rPr lang="en-US" altLang="zh-CN" dirty="0"/>
+              <a:t> = new Intent(</a:t>
+            </a:r>
+            <a:r>
+              <a:rPr lang="en-US" altLang="zh-CN" dirty="0" err="1"/>
+              <a:t>Intent.ACTION_VIEW</a:t>
+            </a:r>
+            <a:r>
+              <a:rPr lang="en-US" altLang="zh-CN" dirty="0"/>
+              <a:t>);</a:t>
+            </a:r>
+          </a:p>
+          <a:p>
+            <a:r>
+              <a:rPr lang="en-US" altLang="zh-CN" dirty="0"/>
+              <a:t>        </a:t>
+            </a:r>
+            <a:r>
+              <a:rPr lang="en-US" altLang="zh-CN" dirty="0" err="1"/>
+              <a:t>intent.</a:t>
+            </a:r>
+            <a:r>
+              <a:rPr lang="en-US" altLang="zh-CN" dirty="0" err="1">
+                <a:highlight>
+                  <a:srgbClr val="00FF00"/>
+                </a:highlight>
+              </a:rPr>
+              <a:t>setData</a:t>
+            </a:r>
+            <a:r>
+              <a:rPr lang="en-US" altLang="zh-CN" dirty="0"/>
+              <a:t>(</a:t>
+            </a:r>
+            <a:r>
+              <a:rPr lang="en-US" altLang="zh-CN" dirty="0" err="1"/>
+              <a:t>Uri.parse</a:t>
+            </a:r>
+            <a:r>
+              <a:rPr lang="en-US" altLang="zh-CN" dirty="0"/>
+              <a:t>("http://www.baidu.com"));</a:t>
+            </a:r>
+          </a:p>
+          <a:p>
+            <a:r>
+              <a:rPr lang="en-US" altLang="zh-CN" dirty="0"/>
+              <a:t>        </a:t>
+            </a:r>
+            <a:r>
+              <a:rPr lang="en-US" altLang="zh-CN" dirty="0" err="1"/>
+              <a:t>startActivity</a:t>
+            </a:r>
+            <a:r>
+              <a:rPr lang="en-US" altLang="zh-CN" dirty="0"/>
+              <a:t>(intent);</a:t>
+            </a:r>
+          </a:p>
+          <a:p>
+            <a:r>
+              <a:rPr lang="en-US" altLang="zh-CN" dirty="0"/>
+              <a:t>    }</a:t>
+            </a:r>
+            <a:endParaRPr lang="zh-CN" altLang="en-US" sz="1200" dirty="0"/>
+          </a:p>
+        </p:txBody>
+      </p:sp>
+      <p:sp>
+        <p:nvSpPr>
+          <p:cNvPr id="16" name="文本框 15">
+            <a:extLst>
+              <a:ext uri="{FF2B5EF4-FFF2-40B4-BE49-F238E27FC236}">
+                <a16:creationId xmlns:a16="http://schemas.microsoft.com/office/drawing/2014/main" id="{A0B736EC-A1DB-44E2-AFB0-BD0255EBB009}"/>
+              </a:ext>
+            </a:extLst>
+          </p:cNvPr>
+          <p:cNvSpPr txBox="1"/>
+          <p:nvPr/>
+        </p:nvSpPr>
+        <p:spPr>
+          <a:xfrm>
+            <a:off x="335711" y="4803905"/>
+            <a:ext cx="8196564" cy="246221"/>
+          </a:xfrm>
+          <a:prstGeom prst="rect">
+            <a:avLst/>
+          </a:prstGeom>
+          <a:noFill/>
+        </p:spPr>
+        <p:txBody>
+          <a:bodyPr wrap="square">
+            <a:spAutoFit/>
+          </a:bodyPr>
+          <a:lstStyle/>
+          <a:p>
+            <a:r>
+              <a:rPr lang="en-US" altLang="zh-CN" sz="1000" u="sng" dirty="0"/>
+              <a:t>REF</a:t>
+            </a:r>
+            <a:r>
+              <a:rPr lang="zh-CN" altLang="en-US" sz="1000" u="sng" dirty="0"/>
+              <a:t>：https://blog.csdn.net/weixin_45715286/article/details/109690803</a:t>
+            </a:r>
+          </a:p>
+        </p:txBody>
+      </p:sp>
+    </p:spTree>
+    <p:custDataLst>
+      <p:tags r:id="rId1"/>
+    </p:custDataLst>
+    <p:extLst>
+      <p:ext uri="{BB962C8B-B14F-4D97-AF65-F5344CB8AC3E}">
+        <p14:creationId xmlns:p14="http://schemas.microsoft.com/office/powerpoint/2010/main" val="2568691699"/>
+      </p:ext>
+    </p:extLst>
+  </p:cSld>
+  <p:clrMapOvr>
+    <a:masterClrMapping/>
+  </p:clrMapOvr>
+  <p:transition spd="slow" advTm="0">
+    <p:wipe/>
+  </p:transition>
+</p:sld>
+</file>
+
+<file path=ppt/slides/slide2.xml><?xml version="1.0" encoding="utf-8"?>
+<p:sld xmlns:a="http://schemas.openxmlformats.org/drawingml/2006/main" xmlns:r="http://schemas.openxmlformats.org/officeDocument/2006/relationships" xmlns:p="http://schemas.openxmlformats.org/presentationml/2006/main">
+  <p:cSld>
+    <p:spTree>
+      <p:nvGrpSpPr>
+        <p:cNvPr id="1" name=""/>
+        <p:cNvGrpSpPr/>
+        <p:nvPr/>
+      </p:nvGrpSpPr>
+      <p:grpSpPr>
+        <a:xfrm>
+          <a:off x="0" y="0"/>
+          <a:ext cx="0" cy="0"/>
+          <a:chOff x="0" y="0"/>
+          <a:chExt cx="0" cy="0"/>
+        </a:xfrm>
+      </p:grpSpPr>
+      <p:sp>
+        <p:nvSpPr>
+          <p:cNvPr id="10241" name="TextBox 7">
+            <a:extLst>
+              <a:ext uri="{FF2B5EF4-FFF2-40B4-BE49-F238E27FC236}">
+                <a16:creationId xmlns:a16="http://schemas.microsoft.com/office/drawing/2014/main" id="{BC481D4B-0309-4C1A-9D50-789F05F3E730}"/>
+              </a:ext>
+            </a:extLst>
+          </p:cNvPr>
+          <p:cNvSpPr>
+            <a:spLocks noChangeArrowheads="1"/>
+          </p:cNvSpPr>
+          <p:nvPr/>
+        </p:nvSpPr>
+        <p:spPr bwMode="auto">
+          <a:xfrm>
+            <a:off x="434571" y="987640"/>
+            <a:ext cx="7993063" cy="3370153"/>
+          </a:xfrm>
+          <a:prstGeom prst="rect">
+            <a:avLst/>
+          </a:prstGeom>
+          <a:ln/>
+        </p:spPr>
+        <p:style>
+          <a:lnRef idx="2">
+            <a:schemeClr val="dk1">
+              <a:shade val="50000"/>
+            </a:schemeClr>
+          </a:lnRef>
+          <a:fillRef idx="1">
+            <a:schemeClr val="dk1"/>
+          </a:fillRef>
+          <a:effectRef idx="0">
+            <a:schemeClr val="dk1"/>
+          </a:effectRef>
+          <a:fontRef idx="minor">
+            <a:schemeClr val="lt1"/>
+          </a:fontRef>
+        </p:style>
+        <p:txBody>
+          <a:bodyPr>
+            <a:spAutoFit/>
+          </a:bodyPr>
+          <a:lstStyle/>
+          <a:p>
+            <a:pPr>
+              <a:lnSpc>
+                <a:spcPct val="150000"/>
+              </a:lnSpc>
+            </a:pPr>
+            <a:r>
+              <a:rPr lang="en-US" altLang="zh-CN" sz="2400" dirty="0">
+                <a:solidFill>
+                  <a:schemeClr val="accent5">
+                    <a:lumMod val="75000"/>
+                  </a:schemeClr>
+                </a:solidFill>
+                <a:latin typeface="微软雅黑" panose="020B0503020204020204" pitchFamily="34" charset="-122"/>
+                <a:ea typeface="微软雅黑" panose="020B0503020204020204" pitchFamily="34" charset="-122"/>
+                <a:sym typeface="Calibri" panose="020F0502020204030204" pitchFamily="34" charset="0"/>
+              </a:rPr>
+              <a:t>Android</a:t>
+            </a:r>
+            <a:r>
+              <a:rPr lang="zh-CN" altLang="en-US" sz="2400" dirty="0">
+                <a:solidFill>
+                  <a:schemeClr val="accent5">
+                    <a:lumMod val="75000"/>
+                  </a:schemeClr>
+                </a:solidFill>
+                <a:latin typeface="微软雅黑" panose="020B0503020204020204" pitchFamily="34" charset="-122"/>
+                <a:ea typeface="微软雅黑" panose="020B0503020204020204" pitchFamily="34" charset="-122"/>
+                <a:sym typeface="宋体" panose="02010600030101010101" pitchFamily="2" charset="-122"/>
+              </a:rPr>
+              <a:t>组件的</a:t>
+            </a:r>
+            <a:r>
+              <a:rPr lang="zh-CN" altLang="en-US" sz="2400" b="1" dirty="0">
+                <a:solidFill>
+                  <a:schemeClr val="accent5">
+                    <a:lumMod val="75000"/>
+                  </a:schemeClr>
+                </a:solidFill>
+                <a:latin typeface="微软雅黑" panose="020B0503020204020204" pitchFamily="34" charset="-122"/>
+                <a:ea typeface="微软雅黑" panose="020B0503020204020204" pitchFamily="34" charset="-122"/>
+                <a:sym typeface="宋体" panose="02010600030101010101" pitchFamily="2" charset="-122"/>
+              </a:rPr>
+              <a:t>生命周期</a:t>
+            </a:r>
+            <a:r>
+              <a:rPr lang="zh-CN" altLang="en-US" sz="2400" dirty="0">
+                <a:solidFill>
+                  <a:schemeClr val="bg1"/>
+                </a:solidFill>
+                <a:latin typeface="微软雅黑" panose="020B0503020204020204" pitchFamily="34" charset="-122"/>
+                <a:ea typeface="微软雅黑" panose="020B0503020204020204" pitchFamily="34" charset="-122"/>
+                <a:sym typeface="宋体" panose="02010600030101010101" pitchFamily="2" charset="-122"/>
+              </a:rPr>
+              <a:t>：</a:t>
+            </a:r>
+            <a:endParaRPr lang="en-US" altLang="zh-CN" sz="2400" dirty="0">
+              <a:solidFill>
+                <a:schemeClr val="bg1"/>
+              </a:solidFill>
+              <a:latin typeface="微软雅黑" panose="020B0503020204020204" pitchFamily="34" charset="-122"/>
+              <a:ea typeface="微软雅黑" panose="020B0503020204020204" pitchFamily="34" charset="-122"/>
+              <a:sym typeface="宋体" panose="02010600030101010101" pitchFamily="2" charset="-122"/>
+            </a:endParaRPr>
+          </a:p>
+          <a:p>
+            <a:pPr>
+              <a:lnSpc>
+                <a:spcPct val="150000"/>
+              </a:lnSpc>
+            </a:pPr>
+            <a:r>
+              <a:rPr lang="zh-CN" altLang="en-US" sz="2400" dirty="0">
+                <a:solidFill>
+                  <a:schemeClr val="bg1"/>
+                </a:solidFill>
+                <a:latin typeface="微软雅黑" panose="020B0503020204020204" pitchFamily="34" charset="-122"/>
+                <a:ea typeface="微软雅黑" panose="020B0503020204020204" pitchFamily="34" charset="-122"/>
+                <a:sym typeface="宋体" panose="02010600030101010101" pitchFamily="2" charset="-122"/>
+              </a:rPr>
+              <a:t>这一组件的</a:t>
+            </a:r>
+            <a:r>
+              <a:rPr lang="zh-CN" altLang="en-US" sz="2400" b="1" dirty="0">
+                <a:solidFill>
+                  <a:schemeClr val="bg1"/>
+                </a:solidFill>
+                <a:latin typeface="微软雅黑" panose="020B0503020204020204" pitchFamily="34" charset="-122"/>
+                <a:ea typeface="微软雅黑" panose="020B0503020204020204" pitchFamily="34" charset="-122"/>
+                <a:sym typeface="宋体" panose="02010600030101010101" pitchFamily="2" charset="-122"/>
+              </a:rPr>
+              <a:t>创建</a:t>
+            </a:r>
+            <a:r>
+              <a:rPr lang="zh-CN" altLang="en-US" sz="2400" dirty="0">
+                <a:solidFill>
+                  <a:schemeClr val="bg1"/>
+                </a:solidFill>
+                <a:latin typeface="微软雅黑" panose="020B0503020204020204" pitchFamily="34" charset="-122"/>
+                <a:ea typeface="微软雅黑" panose="020B0503020204020204" pitchFamily="34" charset="-122"/>
+                <a:sym typeface="宋体" panose="02010600030101010101" pitchFamily="2" charset="-122"/>
+              </a:rPr>
+              <a:t>到</a:t>
+            </a:r>
+            <a:r>
+              <a:rPr lang="zh-CN" altLang="en-US" sz="2400" b="1" dirty="0">
+                <a:solidFill>
+                  <a:schemeClr val="bg1"/>
+                </a:solidFill>
+                <a:latin typeface="微软雅黑" panose="020B0503020204020204" pitchFamily="34" charset="-122"/>
+                <a:ea typeface="微软雅黑" panose="020B0503020204020204" pitchFamily="34" charset="-122"/>
+                <a:sym typeface="宋体" panose="02010600030101010101" pitchFamily="2" charset="-122"/>
+              </a:rPr>
+              <a:t>销毁</a:t>
+            </a:r>
+            <a:r>
+              <a:rPr lang="zh-CN" altLang="en-US" sz="2400" dirty="0">
+                <a:solidFill>
+                  <a:schemeClr val="bg1"/>
+                </a:solidFill>
+                <a:latin typeface="微软雅黑" panose="020B0503020204020204" pitchFamily="34" charset="-122"/>
+                <a:ea typeface="微软雅黑" panose="020B0503020204020204" pitchFamily="34" charset="-122"/>
+                <a:sym typeface="宋体" panose="02010600030101010101" pitchFamily="2" charset="-122"/>
+              </a:rPr>
+              <a:t>的整个过程。</a:t>
+            </a:r>
+          </a:p>
+          <a:p>
+            <a:pPr>
+              <a:lnSpc>
+                <a:spcPct val="150000"/>
+              </a:lnSpc>
+            </a:pPr>
+            <a:r>
+              <a:rPr lang="zh-CN" altLang="en-US" sz="1600" dirty="0">
+                <a:solidFill>
+                  <a:schemeClr val="bg1"/>
+                </a:solidFill>
+                <a:latin typeface="微软雅黑" panose="020B0503020204020204" pitchFamily="34" charset="-122"/>
+                <a:ea typeface="微软雅黑" panose="020B0503020204020204" pitchFamily="34" charset="-122"/>
+                <a:sym typeface="宋体" panose="02010600030101010101" pitchFamily="2" charset="-122"/>
+              </a:rPr>
+              <a:t>组件在</a:t>
+            </a:r>
+            <a:r>
+              <a:rPr lang="zh-CN" altLang="en-US" sz="1600" u="sng" dirty="0">
+                <a:solidFill>
+                  <a:schemeClr val="bg1"/>
+                </a:solidFill>
+                <a:highlight>
+                  <a:srgbClr val="000080"/>
+                </a:highlight>
+                <a:latin typeface="微软雅黑" panose="020B0503020204020204" pitchFamily="34" charset="-122"/>
+                <a:ea typeface="微软雅黑" panose="020B0503020204020204" pitchFamily="34" charset="-122"/>
+                <a:sym typeface="宋体" panose="02010600030101010101" pitchFamily="2" charset="-122"/>
+              </a:rPr>
+              <a:t>活动、非活动、可见、不可见</a:t>
+            </a:r>
+            <a:r>
+              <a:rPr lang="zh-CN" altLang="en-US" sz="1600" dirty="0">
+                <a:solidFill>
+                  <a:schemeClr val="bg1"/>
+                </a:solidFill>
+                <a:latin typeface="微软雅黑" panose="020B0503020204020204" pitchFamily="34" charset="-122"/>
+                <a:ea typeface="微软雅黑" panose="020B0503020204020204" pitchFamily="34" charset="-122"/>
+                <a:sym typeface="宋体" panose="02010600030101010101" pitchFamily="2" charset="-122"/>
+              </a:rPr>
+              <a:t>等状态中不断切换。</a:t>
+            </a:r>
+          </a:p>
+          <a:p>
+            <a:pPr>
+              <a:lnSpc>
+                <a:spcPct val="150000"/>
+              </a:lnSpc>
+            </a:pPr>
+            <a:endParaRPr lang="zh-CN" altLang="en-US" dirty="0">
+              <a:solidFill>
+                <a:schemeClr val="bg1"/>
+              </a:solidFill>
+              <a:latin typeface="Calibri" panose="020F0502020204030204" pitchFamily="34" charset="0"/>
+              <a:sym typeface="宋体" panose="02010600030101010101" pitchFamily="2" charset="-122"/>
+            </a:endParaRPr>
+          </a:p>
+          <a:p>
+            <a:pPr>
+              <a:lnSpc>
+                <a:spcPct val="150000"/>
+              </a:lnSpc>
+            </a:pPr>
+            <a:r>
+              <a:rPr lang="zh-CN" altLang="en-US" sz="1600" dirty="0">
+                <a:solidFill>
+                  <a:schemeClr val="bg1"/>
+                </a:solidFill>
+                <a:latin typeface="微软雅黑" panose="020B0503020204020204" pitchFamily="34" charset="-122"/>
+                <a:ea typeface="微软雅黑" panose="020B0503020204020204" pitchFamily="34" charset="-122"/>
+                <a:sym typeface="Calibri" panose="020F0502020204030204" pitchFamily="34" charset="0"/>
+              </a:rPr>
+              <a:t>Activity</a:t>
+            </a:r>
+            <a:r>
+              <a:rPr lang="zh-CN" altLang="en-US" sz="1600" dirty="0">
+                <a:solidFill>
+                  <a:schemeClr val="bg1"/>
+                </a:solidFill>
+                <a:latin typeface="微软雅黑" panose="020B0503020204020204" pitchFamily="34" charset="-122"/>
+                <a:ea typeface="微软雅黑" panose="020B0503020204020204" pitchFamily="34" charset="-122"/>
+                <a:sym typeface="宋体" panose="02010600030101010101" pitchFamily="2" charset="-122"/>
+              </a:rPr>
+              <a:t>一般处于</a:t>
+            </a:r>
+            <a:r>
+              <a:rPr lang="zh-CN" altLang="en-US" sz="1600" dirty="0">
+                <a:solidFill>
+                  <a:schemeClr val="bg1"/>
+                </a:solidFill>
+                <a:latin typeface="微软雅黑" panose="020B0503020204020204" pitchFamily="34" charset="-122"/>
+                <a:ea typeface="微软雅黑" panose="020B0503020204020204" pitchFamily="34" charset="-122"/>
+                <a:sym typeface="Calibri" panose="020F0502020204030204" pitchFamily="34" charset="0"/>
+              </a:rPr>
+              <a:t>4</a:t>
+            </a:r>
+            <a:r>
+              <a:rPr lang="zh-CN" altLang="en-US" sz="1600" dirty="0">
+                <a:solidFill>
+                  <a:schemeClr val="bg1"/>
+                </a:solidFill>
+                <a:latin typeface="微软雅黑" panose="020B0503020204020204" pitchFamily="34" charset="-122"/>
+                <a:ea typeface="微软雅黑" panose="020B0503020204020204" pitchFamily="34" charset="-122"/>
+                <a:sym typeface="宋体" panose="02010600030101010101" pitchFamily="2" charset="-122"/>
+              </a:rPr>
+              <a:t>种状态：</a:t>
+            </a:r>
+          </a:p>
+          <a:p>
+            <a:pPr>
+              <a:lnSpc>
+                <a:spcPct val="150000"/>
+              </a:lnSpc>
+            </a:pPr>
+            <a:r>
+              <a:rPr lang="zh-CN" altLang="en-US" sz="1600" dirty="0">
+                <a:solidFill>
+                  <a:schemeClr val="bg1"/>
+                </a:solidFill>
+                <a:highlight>
+                  <a:srgbClr val="000080"/>
+                </a:highlight>
+                <a:latin typeface="微软雅黑" panose="020B0503020204020204" pitchFamily="34" charset="-122"/>
+                <a:ea typeface="微软雅黑" panose="020B0503020204020204" pitchFamily="34" charset="-122"/>
+                <a:sym typeface="Calibri" panose="020F0502020204030204" pitchFamily="34" charset="0"/>
+              </a:rPr>
+              <a:t>Running</a:t>
+            </a:r>
+            <a:r>
+              <a:rPr lang="zh-CN" altLang="en-US" sz="1600" dirty="0">
+                <a:solidFill>
+                  <a:schemeClr val="bg1"/>
+                </a:solidFill>
+                <a:highlight>
+                  <a:srgbClr val="000080"/>
+                </a:highlight>
+                <a:latin typeface="微软雅黑" panose="020B0503020204020204" pitchFamily="34" charset="-122"/>
+                <a:ea typeface="微软雅黑" panose="020B0503020204020204" pitchFamily="34" charset="-122"/>
+                <a:sym typeface="宋体" panose="02010600030101010101" pitchFamily="2" charset="-122"/>
+              </a:rPr>
+              <a:t>、</a:t>
+            </a:r>
+            <a:r>
+              <a:rPr lang="zh-CN" altLang="en-US" sz="1600" dirty="0">
+                <a:solidFill>
+                  <a:schemeClr val="bg1"/>
+                </a:solidFill>
+                <a:highlight>
+                  <a:srgbClr val="000080"/>
+                </a:highlight>
+                <a:latin typeface="微软雅黑" panose="020B0503020204020204" pitchFamily="34" charset="-122"/>
+                <a:ea typeface="微软雅黑" panose="020B0503020204020204" pitchFamily="34" charset="-122"/>
+                <a:sym typeface="Calibri" panose="020F0502020204030204" pitchFamily="34" charset="0"/>
+              </a:rPr>
+              <a:t>Paused</a:t>
+            </a:r>
+            <a:r>
+              <a:rPr lang="zh-CN" altLang="en-US" sz="1600" dirty="0">
+                <a:solidFill>
+                  <a:schemeClr val="bg1"/>
+                </a:solidFill>
+                <a:highlight>
+                  <a:srgbClr val="000080"/>
+                </a:highlight>
+                <a:latin typeface="微软雅黑" panose="020B0503020204020204" pitchFamily="34" charset="-122"/>
+                <a:ea typeface="微软雅黑" panose="020B0503020204020204" pitchFamily="34" charset="-122"/>
+                <a:sym typeface="宋体" panose="02010600030101010101" pitchFamily="2" charset="-122"/>
+              </a:rPr>
+              <a:t>、</a:t>
+            </a:r>
+            <a:r>
+              <a:rPr lang="zh-CN" altLang="en-US" sz="1600" dirty="0">
+                <a:solidFill>
+                  <a:schemeClr val="bg1"/>
+                </a:solidFill>
+                <a:highlight>
+                  <a:srgbClr val="000080"/>
+                </a:highlight>
+                <a:latin typeface="微软雅黑" panose="020B0503020204020204" pitchFamily="34" charset="-122"/>
+                <a:ea typeface="微软雅黑" panose="020B0503020204020204" pitchFamily="34" charset="-122"/>
+                <a:sym typeface="Calibri" panose="020F0502020204030204" pitchFamily="34" charset="0"/>
+              </a:rPr>
+              <a:t>Stop</a:t>
+            </a:r>
+            <a:r>
+              <a:rPr lang="zh-CN" altLang="en-US" sz="1600" dirty="0">
+                <a:solidFill>
+                  <a:schemeClr val="bg1"/>
+                </a:solidFill>
+                <a:highlight>
+                  <a:srgbClr val="000080"/>
+                </a:highlight>
+                <a:latin typeface="微软雅黑" panose="020B0503020204020204" pitchFamily="34" charset="-122"/>
+                <a:ea typeface="微软雅黑" panose="020B0503020204020204" pitchFamily="34" charset="-122"/>
+                <a:sym typeface="宋体" panose="02010600030101010101" pitchFamily="2" charset="-122"/>
+              </a:rPr>
+              <a:t>、</a:t>
+            </a:r>
+            <a:r>
+              <a:rPr lang="zh-CN" altLang="en-US" sz="1600" dirty="0">
+                <a:solidFill>
+                  <a:schemeClr val="bg1"/>
+                </a:solidFill>
+                <a:highlight>
+                  <a:srgbClr val="000080"/>
+                </a:highlight>
+                <a:latin typeface="微软雅黑" panose="020B0503020204020204" pitchFamily="34" charset="-122"/>
+                <a:ea typeface="微软雅黑" panose="020B0503020204020204" pitchFamily="34" charset="-122"/>
+                <a:sym typeface="Calibri" panose="020F0502020204030204" pitchFamily="34" charset="0"/>
+              </a:rPr>
+              <a:t>Killed</a:t>
+            </a:r>
+          </a:p>
+          <a:p>
+            <a:pPr>
+              <a:lnSpc>
+                <a:spcPct val="150000"/>
+              </a:lnSpc>
+            </a:pPr>
+            <a:r>
+              <a:rPr lang="zh-CN" altLang="en-US" sz="1600" dirty="0">
+                <a:solidFill>
+                  <a:schemeClr val="bg1"/>
+                </a:solidFill>
+                <a:latin typeface="微软雅黑" panose="020B0503020204020204" pitchFamily="34" charset="-122"/>
+                <a:ea typeface="微软雅黑" panose="020B0503020204020204" pitchFamily="34" charset="-122"/>
+                <a:sym typeface="Calibri" panose="020F0502020204030204" pitchFamily="34" charset="0"/>
+              </a:rPr>
+              <a:t>（运行、暂停、停止、销毁）</a:t>
+            </a:r>
+          </a:p>
+          <a:p>
+            <a:endParaRPr lang="zh-CN" altLang="en-US" dirty="0">
+              <a:solidFill>
+                <a:schemeClr val="bg1"/>
+              </a:solidFill>
+              <a:latin typeface="Calibri" panose="020F0502020204030204" pitchFamily="34" charset="0"/>
+              <a:sym typeface="宋体" panose="02010600030101010101" pitchFamily="2" charset="-122"/>
+            </a:endParaRPr>
+          </a:p>
+        </p:txBody>
+      </p:sp>
+      <p:sp>
+        <p:nvSpPr>
+          <p:cNvPr id="10242" name="TextBox 108">
+            <a:extLst>
+              <a:ext uri="{FF2B5EF4-FFF2-40B4-BE49-F238E27FC236}">
+                <a16:creationId xmlns:a16="http://schemas.microsoft.com/office/drawing/2014/main" id="{E6ECFFCF-C3A7-4854-947A-EE1F78895731}"/>
+              </a:ext>
+            </a:extLst>
+          </p:cNvPr>
+          <p:cNvSpPr>
+            <a:spLocks noChangeArrowheads="1"/>
+          </p:cNvSpPr>
+          <p:nvPr/>
+        </p:nvSpPr>
+        <p:spPr bwMode="auto">
+          <a:xfrm>
+            <a:off x="539750" y="266700"/>
+            <a:ext cx="2808288" cy="369888"/>
+          </a:xfrm>
+          <a:prstGeom prst="rect">
+            <a:avLst/>
+          </a:prstGeom>
+          <a:noFill/>
+          <a:ln>
+            <a:noFill/>
+          </a:ln>
+          <a:extLst>
+            <a:ext uri="{909E8E84-426E-40DD-AFC4-6F175D3DCCD1}">
+              <a14:hiddenFill xmlns:a14="http://schemas.microsoft.com/office/drawing/2010/main">
+                <a:solidFill>
+                  <a:srgbClr val="FFFFFF"/>
+                </a:solidFill>
+              </a14:hiddenFill>
+            </a:ext>
+            <a:ext uri="{91240B29-F687-4F45-9708-019B960494DF}">
+              <a14:hiddenLine xmlns:a14="http://schemas.microsoft.com/office/drawing/2010/main" w="9525">
+                <a:solidFill>
+                  <a:srgbClr val="000000"/>
+                </a:solidFill>
+                <a:miter lim="800000"/>
+                <a:headEnd/>
+                <a:tailEnd/>
+              </a14:hiddenLine>
+            </a:ext>
+          </a:extLst>
+        </p:spPr>
+        <p:txBody>
+          <a:bodyPr wrap="none">
+            <a:spAutoFit/>
+          </a:bodyPr>
+          <a:lstStyle/>
+          <a:p>
+            <a:r>
+              <a:rPr lang="en-US" altLang="zh-CN" dirty="0">
+                <a:solidFill>
+                  <a:schemeClr val="bg1"/>
+                </a:solidFill>
+                <a:latin typeface="微软雅黑" panose="020B0503020204020204" pitchFamily="34" charset="-122"/>
+                <a:ea typeface="微软雅黑" panose="020B0503020204020204" pitchFamily="34" charset="-122"/>
+                <a:sym typeface="微软雅黑" panose="020B0503020204020204" pitchFamily="34" charset="-122"/>
+              </a:rPr>
+              <a:t>4.1.1  Activity</a:t>
+            </a:r>
+            <a:r>
+              <a:rPr lang="zh-CN" altLang="en-US" dirty="0">
+                <a:solidFill>
+                  <a:schemeClr val="bg1"/>
+                </a:solidFill>
+                <a:latin typeface="微软雅黑" panose="020B0503020204020204" pitchFamily="34" charset="-122"/>
+                <a:ea typeface="微软雅黑" panose="020B0503020204020204" pitchFamily="34" charset="-122"/>
+                <a:sym typeface="微软雅黑" panose="020B0503020204020204" pitchFamily="34" charset="-122"/>
+              </a:rPr>
+              <a:t>的生命周期</a:t>
+            </a:r>
+            <a:endParaRPr lang="en-US" altLang="zh-CN" dirty="0">
+              <a:solidFill>
+                <a:schemeClr val="bg1"/>
+              </a:solidFill>
+              <a:latin typeface="微软雅黑" panose="020B0503020204020204" pitchFamily="34" charset="-122"/>
+              <a:ea typeface="微软雅黑" panose="020B0503020204020204" pitchFamily="34" charset="-122"/>
+              <a:sym typeface="微软雅黑" panose="020B0503020204020204" pitchFamily="34" charset="-122"/>
+            </a:endParaRPr>
+          </a:p>
+        </p:txBody>
+      </p:sp>
+      <p:grpSp>
+        <p:nvGrpSpPr>
+          <p:cNvPr id="10243" name="组合 29">
+            <a:extLst>
+              <a:ext uri="{FF2B5EF4-FFF2-40B4-BE49-F238E27FC236}">
+                <a16:creationId xmlns:a16="http://schemas.microsoft.com/office/drawing/2014/main" id="{C2B249A1-FF64-4B57-860F-884A9F269450}"/>
+              </a:ext>
+            </a:extLst>
+          </p:cNvPr>
+          <p:cNvGrpSpPr>
+            <a:grpSpLocks/>
+          </p:cNvGrpSpPr>
+          <p:nvPr/>
+        </p:nvGrpSpPr>
+        <p:grpSpPr bwMode="auto">
+          <a:xfrm>
+            <a:off x="107950" y="244475"/>
+            <a:ext cx="358775" cy="360363"/>
+            <a:chOff x="0" y="0"/>
+            <a:chExt cx="302558" cy="314067"/>
+          </a:xfrm>
+        </p:grpSpPr>
+        <p:sp>
+          <p:nvSpPr>
+            <p:cNvPr id="10244" name="矩形 30">
+              <a:extLst>
+                <a:ext uri="{FF2B5EF4-FFF2-40B4-BE49-F238E27FC236}">
+                  <a16:creationId xmlns:a16="http://schemas.microsoft.com/office/drawing/2014/main" id="{862006B8-5ED2-42CD-A754-D9A6D6DC5788}"/>
+                </a:ext>
+              </a:extLst>
+            </p:cNvPr>
+            <p:cNvSpPr>
+              <a:spLocks noChangeArrowheads="1"/>
+            </p:cNvSpPr>
+            <p:nvPr/>
+          </p:nvSpPr>
+          <p:spPr bwMode="auto">
+            <a:xfrm>
+              <a:off x="0" y="0"/>
+              <a:ext cx="252000" cy="252000"/>
+            </a:xfrm>
+            <a:prstGeom prst="rect">
+              <a:avLst/>
+            </a:prstGeom>
+            <a:solidFill>
+              <a:srgbClr val="414455"/>
+            </a:solidFill>
+            <a:ln>
+              <a:noFill/>
+            </a:ln>
+            <a:extLst>
+              <a:ext uri="{91240B29-F687-4F45-9708-019B960494DF}">
+                <a14:hiddenLine xmlns:a14="http://schemas.microsoft.com/office/drawing/2010/main" w="25400">
+                  <a:solidFill>
+                    <a:srgbClr val="000000"/>
+                  </a:solidFill>
+                  <a:miter lim="800000"/>
+                  <a:headEnd/>
+                  <a:tailEnd/>
+                </a14:hiddenLine>
+              </a:ext>
+            </a:extLst>
+          </p:spPr>
+          <p:txBody>
+            <a:bodyPr anchor="ctr"/>
+            <a:lstStyle/>
+            <a:p>
+              <a:pPr algn="ctr"/>
+              <a:endParaRPr lang="zh-CN" altLang="zh-CN">
+                <a:solidFill>
+                  <a:srgbClr val="FFFFFF"/>
+                </a:solidFill>
+                <a:latin typeface="宋体" panose="02010600030101010101" pitchFamily="2" charset="-122"/>
+                <a:sym typeface="宋体" panose="02010600030101010101" pitchFamily="2" charset="-122"/>
+              </a:endParaRPr>
+            </a:p>
+          </p:txBody>
+        </p:sp>
+        <p:sp>
+          <p:nvSpPr>
+            <p:cNvPr id="10245" name="矩形 31">
+              <a:extLst>
+                <a:ext uri="{FF2B5EF4-FFF2-40B4-BE49-F238E27FC236}">
+                  <a16:creationId xmlns:a16="http://schemas.microsoft.com/office/drawing/2014/main" id="{A358593D-EE91-47D7-B30C-36CC43F408B2}"/>
+                </a:ext>
+              </a:extLst>
+            </p:cNvPr>
+            <p:cNvSpPr>
+              <a:spLocks noChangeArrowheads="1"/>
+            </p:cNvSpPr>
+            <p:nvPr/>
+          </p:nvSpPr>
+          <p:spPr bwMode="auto">
+            <a:xfrm>
+              <a:off x="122558" y="134067"/>
+              <a:ext cx="180000" cy="180000"/>
+            </a:xfrm>
+            <a:prstGeom prst="rect">
+              <a:avLst/>
+            </a:prstGeom>
+            <a:solidFill>
+              <a:srgbClr val="0E90BE"/>
+            </a:solidFill>
+            <a:ln>
+              <a:noFill/>
+            </a:ln>
+            <a:extLst>
+              <a:ext uri="{91240B29-F687-4F45-9708-019B960494DF}">
+                <a14:hiddenLine xmlns:a14="http://schemas.microsoft.com/office/drawing/2010/main" w="25400">
+                  <a:solidFill>
+                    <a:srgbClr val="000000"/>
+                  </a:solidFill>
+                  <a:miter lim="800000"/>
+                  <a:headEnd/>
+                  <a:tailEnd/>
+                </a14:hiddenLine>
+              </a:ext>
+            </a:extLst>
+          </p:spPr>
+          <p:txBody>
+            <a:bodyPr anchor="ctr"/>
+            <a:lstStyle/>
+            <a:p>
+              <a:pPr algn="ctr"/>
+              <a:endParaRPr lang="zh-CN" altLang="zh-CN">
+                <a:solidFill>
+                  <a:srgbClr val="FFFFFF"/>
+                </a:solidFill>
+                <a:latin typeface="宋体" panose="02010600030101010101" pitchFamily="2" charset="-122"/>
+                <a:sym typeface="宋体" panose="02010600030101010101" pitchFamily="2" charset="-122"/>
+              </a:endParaRPr>
+            </a:p>
+          </p:txBody>
+        </p:sp>
+      </p:grpSp>
     </p:spTree>
     <p:custDataLst>
       <p:tags r:id="rId1"/>
@@ -11645,7 +15514,7 @@
 </p:sld>
 </file>
 
-<file path=ppt/slides/slide18.xml><?xml version="1.0" encoding="utf-8"?>
+<file path=ppt/slides/slide20.xml><?xml version="1.0" encoding="utf-8"?>
 <p:sld xmlns:a="http://schemas.openxmlformats.org/drawingml/2006/main" xmlns:r="http://schemas.openxmlformats.org/officeDocument/2006/relationships" xmlns:p="http://schemas.openxmlformats.org/presentationml/2006/main">
   <p:cSld>
     <p:spTree>
@@ -12239,7 +16108,7 @@
                 <a:latin typeface="Calibri" panose="020F0502020204030204" pitchFamily="34" charset="0"/>
                 <a:sym typeface="宋体" panose="02010600030101010101" pitchFamily="2" charset="-122"/>
               </a:rPr>
-              <a:t>和间接</a:t>
+              <a:t> 、间接</a:t>
             </a:r>
             <a:r>
               <a:rPr lang="en-US" altLang="zh-CN" sz="2800" b="1" dirty="0">
@@ -12259,7 +16128,7 @@
                 <a:latin typeface="Calibri" panose="020F0502020204030204" pitchFamily="34" charset="0"/>
                 <a:sym typeface="宋体" panose="02010600030101010101" pitchFamily="2" charset="-122"/>
               </a:rPr>
-              <a:t>。</a:t>
+              <a:t> </a:t>
             </a:r>
             <a:endParaRPr lang="zh-CN" altLang="en-US" dirty="0"/>
           </a:p>
@@ -12339,7 +16208,7 @@
 </p:sld>
 </file>
 
-<file path=ppt/slides/slide19.xml><?xml version="1.0" encoding="utf-8"?>
+<file path=ppt/slides/slide21.xml><?xml version="1.0" encoding="utf-8"?>
 <p:sld xmlns:a="http://schemas.openxmlformats.org/drawingml/2006/main" xmlns:r="http://schemas.openxmlformats.org/officeDocument/2006/relationships" xmlns:p="http://schemas.openxmlformats.org/presentationml/2006/main">
   <p:cSld>
     <p:spTree>
@@ -12907,672 +16776,7 @@
 </p:sld>
 </file>
 
-<file path=ppt/slides/slide2.xml><?xml version="1.0" encoding="utf-8"?>
-<p:sld xmlns:a="http://schemas.openxmlformats.org/drawingml/2006/main" xmlns:r="http://schemas.openxmlformats.org/officeDocument/2006/relationships" xmlns:p="http://schemas.openxmlformats.org/presentationml/2006/main">
-  <p:cSld>
-    <p:spTree>
-      <p:nvGrpSpPr>
-        <p:cNvPr id="1" name=""/>
-        <p:cNvGrpSpPr/>
-        <p:nvPr/>
-      </p:nvGrpSpPr>
-      <p:grpSpPr>
-        <a:xfrm>
-          <a:off x="0" y="0"/>
-          <a:ext cx="0" cy="0"/>
-          <a:chOff x="0" y="0"/>
-          <a:chExt cx="0" cy="0"/>
-        </a:xfrm>
-      </p:grpSpPr>
-      <p:sp>
-        <p:nvSpPr>
-          <p:cNvPr id="10241" name="TextBox 7">
-            <a:extLst>
-              <a:ext uri="{FF2B5EF4-FFF2-40B4-BE49-F238E27FC236}">
-                <a16:creationId xmlns:a16="http://schemas.microsoft.com/office/drawing/2014/main" id="{BC481D4B-0309-4C1A-9D50-789F05F3E730}"/>
-              </a:ext>
-            </a:extLst>
-          </p:cNvPr>
-          <p:cNvSpPr>
-            <a:spLocks noChangeArrowheads="1"/>
-          </p:cNvSpPr>
-          <p:nvPr/>
-        </p:nvSpPr>
-        <p:spPr bwMode="auto">
-          <a:xfrm>
-            <a:off x="434571" y="987640"/>
-            <a:ext cx="7993063" cy="3370153"/>
-          </a:xfrm>
-          <a:prstGeom prst="rect">
-            <a:avLst/>
-          </a:prstGeom>
-          <a:ln/>
-        </p:spPr>
-        <p:style>
-          <a:lnRef idx="2">
-            <a:schemeClr val="dk1">
-              <a:shade val="50000"/>
-            </a:schemeClr>
-          </a:lnRef>
-          <a:fillRef idx="1">
-            <a:schemeClr val="dk1"/>
-          </a:fillRef>
-          <a:effectRef idx="0">
-            <a:schemeClr val="dk1"/>
-          </a:effectRef>
-          <a:fontRef idx="minor">
-            <a:schemeClr val="lt1"/>
-          </a:fontRef>
-        </p:style>
-        <p:txBody>
-          <a:bodyPr>
-            <a:spAutoFit/>
-          </a:bodyPr>
-          <a:lstStyle/>
-          <a:p>
-            <a:pPr>
-              <a:lnSpc>
-                <a:spcPct val="150000"/>
-              </a:lnSpc>
-            </a:pPr>
-            <a:r>
-              <a:rPr lang="en-US" altLang="zh-CN" sz="2400" dirty="0">
-                <a:solidFill>
-                  <a:schemeClr val="accent5">
-                    <a:lumMod val="75000"/>
-                  </a:schemeClr>
-                </a:solidFill>
-                <a:latin typeface="微软雅黑" panose="020B0503020204020204" pitchFamily="34" charset="-122"/>
-                <a:ea typeface="微软雅黑" panose="020B0503020204020204" pitchFamily="34" charset="-122"/>
-                <a:sym typeface="Calibri" panose="020F0502020204030204" pitchFamily="34" charset="0"/>
-              </a:rPr>
-              <a:t>Android</a:t>
-            </a:r>
-            <a:r>
-              <a:rPr lang="zh-CN" altLang="en-US" sz="2400" dirty="0">
-                <a:solidFill>
-                  <a:schemeClr val="accent5">
-                    <a:lumMod val="75000"/>
-                  </a:schemeClr>
-                </a:solidFill>
-                <a:latin typeface="微软雅黑" panose="020B0503020204020204" pitchFamily="34" charset="-122"/>
-                <a:ea typeface="微软雅黑" panose="020B0503020204020204" pitchFamily="34" charset="-122"/>
-                <a:sym typeface="宋体" panose="02010600030101010101" pitchFamily="2" charset="-122"/>
-              </a:rPr>
-              <a:t>组件的</a:t>
-            </a:r>
-            <a:r>
-              <a:rPr lang="zh-CN" altLang="en-US" sz="2400" b="1" dirty="0">
-                <a:solidFill>
-                  <a:schemeClr val="accent5">
-                    <a:lumMod val="75000"/>
-                  </a:schemeClr>
-                </a:solidFill>
-                <a:latin typeface="微软雅黑" panose="020B0503020204020204" pitchFamily="34" charset="-122"/>
-                <a:ea typeface="微软雅黑" panose="020B0503020204020204" pitchFamily="34" charset="-122"/>
-                <a:sym typeface="宋体" panose="02010600030101010101" pitchFamily="2" charset="-122"/>
-              </a:rPr>
-              <a:t>生命周期</a:t>
-            </a:r>
-            <a:r>
-              <a:rPr lang="zh-CN" altLang="en-US" sz="2400" dirty="0">
-                <a:solidFill>
-                  <a:schemeClr val="bg1"/>
-                </a:solidFill>
-                <a:latin typeface="微软雅黑" panose="020B0503020204020204" pitchFamily="34" charset="-122"/>
-                <a:ea typeface="微软雅黑" panose="020B0503020204020204" pitchFamily="34" charset="-122"/>
-                <a:sym typeface="宋体" panose="02010600030101010101" pitchFamily="2" charset="-122"/>
-              </a:rPr>
-              <a:t>：</a:t>
-            </a:r>
-            <a:endParaRPr lang="en-US" altLang="zh-CN" sz="2400" dirty="0">
-              <a:solidFill>
-                <a:schemeClr val="bg1"/>
-              </a:solidFill>
-              <a:latin typeface="微软雅黑" panose="020B0503020204020204" pitchFamily="34" charset="-122"/>
-              <a:ea typeface="微软雅黑" panose="020B0503020204020204" pitchFamily="34" charset="-122"/>
-              <a:sym typeface="宋体" panose="02010600030101010101" pitchFamily="2" charset="-122"/>
-            </a:endParaRPr>
-          </a:p>
-          <a:p>
-            <a:pPr>
-              <a:lnSpc>
-                <a:spcPct val="150000"/>
-              </a:lnSpc>
-            </a:pPr>
-            <a:r>
-              <a:rPr lang="zh-CN" altLang="en-US" sz="2400" dirty="0">
-                <a:solidFill>
-                  <a:schemeClr val="bg1"/>
-                </a:solidFill>
-                <a:latin typeface="微软雅黑" panose="020B0503020204020204" pitchFamily="34" charset="-122"/>
-                <a:ea typeface="微软雅黑" panose="020B0503020204020204" pitchFamily="34" charset="-122"/>
-                <a:sym typeface="宋体" panose="02010600030101010101" pitchFamily="2" charset="-122"/>
-              </a:rPr>
-              <a:t>这一组件的</a:t>
-            </a:r>
-            <a:r>
-              <a:rPr lang="zh-CN" altLang="en-US" sz="2400" b="1" dirty="0">
-                <a:solidFill>
-                  <a:schemeClr val="bg1"/>
-                </a:solidFill>
-                <a:latin typeface="微软雅黑" panose="020B0503020204020204" pitchFamily="34" charset="-122"/>
-                <a:ea typeface="微软雅黑" panose="020B0503020204020204" pitchFamily="34" charset="-122"/>
-                <a:sym typeface="宋体" panose="02010600030101010101" pitchFamily="2" charset="-122"/>
-              </a:rPr>
-              <a:t>创建</a:t>
-            </a:r>
-            <a:r>
-              <a:rPr lang="zh-CN" altLang="en-US" sz="2400" dirty="0">
-                <a:solidFill>
-                  <a:schemeClr val="bg1"/>
-                </a:solidFill>
-                <a:latin typeface="微软雅黑" panose="020B0503020204020204" pitchFamily="34" charset="-122"/>
-                <a:ea typeface="微软雅黑" panose="020B0503020204020204" pitchFamily="34" charset="-122"/>
-                <a:sym typeface="宋体" panose="02010600030101010101" pitchFamily="2" charset="-122"/>
-              </a:rPr>
-              <a:t>到</a:t>
-            </a:r>
-            <a:r>
-              <a:rPr lang="zh-CN" altLang="en-US" sz="2400" b="1" dirty="0">
-                <a:solidFill>
-                  <a:schemeClr val="bg1"/>
-                </a:solidFill>
-                <a:latin typeface="微软雅黑" panose="020B0503020204020204" pitchFamily="34" charset="-122"/>
-                <a:ea typeface="微软雅黑" panose="020B0503020204020204" pitchFamily="34" charset="-122"/>
-                <a:sym typeface="宋体" panose="02010600030101010101" pitchFamily="2" charset="-122"/>
-              </a:rPr>
-              <a:t>销毁</a:t>
-            </a:r>
-            <a:r>
-              <a:rPr lang="zh-CN" altLang="en-US" sz="2400" dirty="0">
-                <a:solidFill>
-                  <a:schemeClr val="bg1"/>
-                </a:solidFill>
-                <a:latin typeface="微软雅黑" panose="020B0503020204020204" pitchFamily="34" charset="-122"/>
-                <a:ea typeface="微软雅黑" panose="020B0503020204020204" pitchFamily="34" charset="-122"/>
-                <a:sym typeface="宋体" panose="02010600030101010101" pitchFamily="2" charset="-122"/>
-              </a:rPr>
-              <a:t>的整个过程。</a:t>
-            </a:r>
-          </a:p>
-          <a:p>
-            <a:pPr>
-              <a:lnSpc>
-                <a:spcPct val="150000"/>
-              </a:lnSpc>
-            </a:pPr>
-            <a:r>
-              <a:rPr lang="zh-CN" altLang="en-US" sz="1600" dirty="0">
-                <a:solidFill>
-                  <a:schemeClr val="bg1"/>
-                </a:solidFill>
-                <a:latin typeface="微软雅黑" panose="020B0503020204020204" pitchFamily="34" charset="-122"/>
-                <a:ea typeface="微软雅黑" panose="020B0503020204020204" pitchFamily="34" charset="-122"/>
-                <a:sym typeface="宋体" panose="02010600030101010101" pitchFamily="2" charset="-122"/>
-              </a:rPr>
-              <a:t>组件在</a:t>
-            </a:r>
-            <a:r>
-              <a:rPr lang="zh-CN" altLang="en-US" sz="1600" u="sng" dirty="0">
-                <a:solidFill>
-                  <a:schemeClr val="bg1"/>
-                </a:solidFill>
-                <a:highlight>
-                  <a:srgbClr val="000080"/>
-                </a:highlight>
-                <a:latin typeface="微软雅黑" panose="020B0503020204020204" pitchFamily="34" charset="-122"/>
-                <a:ea typeface="微软雅黑" panose="020B0503020204020204" pitchFamily="34" charset="-122"/>
-                <a:sym typeface="宋体" panose="02010600030101010101" pitchFamily="2" charset="-122"/>
-              </a:rPr>
-              <a:t>活动、非活动、可见、不可见</a:t>
-            </a:r>
-            <a:r>
-              <a:rPr lang="zh-CN" altLang="en-US" sz="1600" dirty="0">
-                <a:solidFill>
-                  <a:schemeClr val="bg1"/>
-                </a:solidFill>
-                <a:latin typeface="微软雅黑" panose="020B0503020204020204" pitchFamily="34" charset="-122"/>
-                <a:ea typeface="微软雅黑" panose="020B0503020204020204" pitchFamily="34" charset="-122"/>
-                <a:sym typeface="宋体" panose="02010600030101010101" pitchFamily="2" charset="-122"/>
-              </a:rPr>
-              <a:t>等状态中不断切换。</a:t>
-            </a:r>
-          </a:p>
-          <a:p>
-            <a:pPr>
-              <a:lnSpc>
-                <a:spcPct val="150000"/>
-              </a:lnSpc>
-            </a:pPr>
-            <a:endParaRPr lang="zh-CN" altLang="en-US" dirty="0">
-              <a:solidFill>
-                <a:schemeClr val="bg1"/>
-              </a:solidFill>
-              <a:latin typeface="Calibri" panose="020F0502020204030204" pitchFamily="34" charset="0"/>
-              <a:sym typeface="宋体" panose="02010600030101010101" pitchFamily="2" charset="-122"/>
-            </a:endParaRPr>
-          </a:p>
-          <a:p>
-            <a:pPr>
-              <a:lnSpc>
-                <a:spcPct val="150000"/>
-              </a:lnSpc>
-            </a:pPr>
-            <a:r>
-              <a:rPr lang="zh-CN" altLang="en-US" sz="1600" dirty="0">
-                <a:solidFill>
-                  <a:schemeClr val="bg1"/>
-                </a:solidFill>
-                <a:latin typeface="微软雅黑" panose="020B0503020204020204" pitchFamily="34" charset="-122"/>
-                <a:ea typeface="微软雅黑" panose="020B0503020204020204" pitchFamily="34" charset="-122"/>
-                <a:sym typeface="Calibri" panose="020F0502020204030204" pitchFamily="34" charset="0"/>
-              </a:rPr>
-              <a:t>Activity</a:t>
-            </a:r>
-            <a:r>
-              <a:rPr lang="zh-CN" altLang="en-US" sz="1600" dirty="0">
-                <a:solidFill>
-                  <a:schemeClr val="bg1"/>
-                </a:solidFill>
-                <a:latin typeface="微软雅黑" panose="020B0503020204020204" pitchFamily="34" charset="-122"/>
-                <a:ea typeface="微软雅黑" panose="020B0503020204020204" pitchFamily="34" charset="-122"/>
-                <a:sym typeface="宋体" panose="02010600030101010101" pitchFamily="2" charset="-122"/>
-              </a:rPr>
-              <a:t>一般处于</a:t>
-            </a:r>
-            <a:r>
-              <a:rPr lang="zh-CN" altLang="en-US" sz="1600" dirty="0">
-                <a:solidFill>
-                  <a:schemeClr val="bg1"/>
-                </a:solidFill>
-                <a:latin typeface="微软雅黑" panose="020B0503020204020204" pitchFamily="34" charset="-122"/>
-                <a:ea typeface="微软雅黑" panose="020B0503020204020204" pitchFamily="34" charset="-122"/>
-                <a:sym typeface="Calibri" panose="020F0502020204030204" pitchFamily="34" charset="0"/>
-              </a:rPr>
-              <a:t>4</a:t>
-            </a:r>
-            <a:r>
-              <a:rPr lang="zh-CN" altLang="en-US" sz="1600" dirty="0">
-                <a:solidFill>
-                  <a:schemeClr val="bg1"/>
-                </a:solidFill>
-                <a:latin typeface="微软雅黑" panose="020B0503020204020204" pitchFamily="34" charset="-122"/>
-                <a:ea typeface="微软雅黑" panose="020B0503020204020204" pitchFamily="34" charset="-122"/>
-                <a:sym typeface="宋体" panose="02010600030101010101" pitchFamily="2" charset="-122"/>
-              </a:rPr>
-              <a:t>种状态：</a:t>
-            </a:r>
-          </a:p>
-          <a:p>
-            <a:pPr>
-              <a:lnSpc>
-                <a:spcPct val="150000"/>
-              </a:lnSpc>
-            </a:pPr>
-            <a:r>
-              <a:rPr lang="zh-CN" altLang="en-US" sz="1600" dirty="0">
-                <a:solidFill>
-                  <a:schemeClr val="bg1"/>
-                </a:solidFill>
-                <a:highlight>
-                  <a:srgbClr val="000080"/>
-                </a:highlight>
-                <a:latin typeface="微软雅黑" panose="020B0503020204020204" pitchFamily="34" charset="-122"/>
-                <a:ea typeface="微软雅黑" panose="020B0503020204020204" pitchFamily="34" charset="-122"/>
-                <a:sym typeface="Calibri" panose="020F0502020204030204" pitchFamily="34" charset="0"/>
-              </a:rPr>
-              <a:t>Running</a:t>
-            </a:r>
-            <a:r>
-              <a:rPr lang="zh-CN" altLang="en-US" sz="1600" dirty="0">
-                <a:solidFill>
-                  <a:schemeClr val="bg1"/>
-                </a:solidFill>
-                <a:highlight>
-                  <a:srgbClr val="000080"/>
-                </a:highlight>
-                <a:latin typeface="微软雅黑" panose="020B0503020204020204" pitchFamily="34" charset="-122"/>
-                <a:ea typeface="微软雅黑" panose="020B0503020204020204" pitchFamily="34" charset="-122"/>
-                <a:sym typeface="宋体" panose="02010600030101010101" pitchFamily="2" charset="-122"/>
-              </a:rPr>
-              <a:t>、</a:t>
-            </a:r>
-            <a:r>
-              <a:rPr lang="zh-CN" altLang="en-US" sz="1600" dirty="0">
-                <a:solidFill>
-                  <a:schemeClr val="bg1"/>
-                </a:solidFill>
-                <a:highlight>
-                  <a:srgbClr val="000080"/>
-                </a:highlight>
-                <a:latin typeface="微软雅黑" panose="020B0503020204020204" pitchFamily="34" charset="-122"/>
-                <a:ea typeface="微软雅黑" panose="020B0503020204020204" pitchFamily="34" charset="-122"/>
-                <a:sym typeface="Calibri" panose="020F0502020204030204" pitchFamily="34" charset="0"/>
-              </a:rPr>
-              <a:t>Paused</a:t>
-            </a:r>
-            <a:r>
-              <a:rPr lang="zh-CN" altLang="en-US" sz="1600" dirty="0">
-                <a:solidFill>
-                  <a:schemeClr val="bg1"/>
-                </a:solidFill>
-                <a:highlight>
-                  <a:srgbClr val="000080"/>
-                </a:highlight>
-                <a:latin typeface="微软雅黑" panose="020B0503020204020204" pitchFamily="34" charset="-122"/>
-                <a:ea typeface="微软雅黑" panose="020B0503020204020204" pitchFamily="34" charset="-122"/>
-                <a:sym typeface="宋体" panose="02010600030101010101" pitchFamily="2" charset="-122"/>
-              </a:rPr>
-              <a:t>、</a:t>
-            </a:r>
-            <a:r>
-              <a:rPr lang="zh-CN" altLang="en-US" sz="1600" dirty="0">
-                <a:solidFill>
-                  <a:schemeClr val="bg1"/>
-                </a:solidFill>
-                <a:highlight>
-                  <a:srgbClr val="000080"/>
-                </a:highlight>
-                <a:latin typeface="微软雅黑" panose="020B0503020204020204" pitchFamily="34" charset="-122"/>
-                <a:ea typeface="微软雅黑" panose="020B0503020204020204" pitchFamily="34" charset="-122"/>
-                <a:sym typeface="Calibri" panose="020F0502020204030204" pitchFamily="34" charset="0"/>
-              </a:rPr>
-              <a:t>Stop</a:t>
-            </a:r>
-            <a:r>
-              <a:rPr lang="zh-CN" altLang="en-US" sz="1600" dirty="0">
-                <a:solidFill>
-                  <a:schemeClr val="bg1"/>
-                </a:solidFill>
-                <a:highlight>
-                  <a:srgbClr val="000080"/>
-                </a:highlight>
-                <a:latin typeface="微软雅黑" panose="020B0503020204020204" pitchFamily="34" charset="-122"/>
-                <a:ea typeface="微软雅黑" panose="020B0503020204020204" pitchFamily="34" charset="-122"/>
-                <a:sym typeface="宋体" panose="02010600030101010101" pitchFamily="2" charset="-122"/>
-              </a:rPr>
-              <a:t>、</a:t>
-            </a:r>
-            <a:r>
-              <a:rPr lang="zh-CN" altLang="en-US" sz="1600" dirty="0">
-                <a:solidFill>
-                  <a:schemeClr val="bg1"/>
-                </a:solidFill>
-                <a:highlight>
-                  <a:srgbClr val="000080"/>
-                </a:highlight>
-                <a:latin typeface="微软雅黑" panose="020B0503020204020204" pitchFamily="34" charset="-122"/>
-                <a:ea typeface="微软雅黑" panose="020B0503020204020204" pitchFamily="34" charset="-122"/>
-                <a:sym typeface="Calibri" panose="020F0502020204030204" pitchFamily="34" charset="0"/>
-              </a:rPr>
-              <a:t>Killed</a:t>
-            </a:r>
-          </a:p>
-          <a:p>
-            <a:pPr>
-              <a:lnSpc>
-                <a:spcPct val="150000"/>
-              </a:lnSpc>
-            </a:pPr>
-            <a:r>
-              <a:rPr lang="zh-CN" altLang="en-US" sz="1600" dirty="0">
-                <a:solidFill>
-                  <a:schemeClr val="bg1"/>
-                </a:solidFill>
-                <a:latin typeface="微软雅黑" panose="020B0503020204020204" pitchFamily="34" charset="-122"/>
-                <a:ea typeface="微软雅黑" panose="020B0503020204020204" pitchFamily="34" charset="-122"/>
-                <a:sym typeface="Calibri" panose="020F0502020204030204" pitchFamily="34" charset="0"/>
-              </a:rPr>
-              <a:t>（运行、暂停、停止、销毁）</a:t>
-            </a:r>
-          </a:p>
-          <a:p>
-            <a:endParaRPr lang="zh-CN" altLang="en-US" dirty="0">
-              <a:solidFill>
-                <a:schemeClr val="bg1"/>
-              </a:solidFill>
-              <a:latin typeface="Calibri" panose="020F0502020204030204" pitchFamily="34" charset="0"/>
-              <a:sym typeface="宋体" panose="02010600030101010101" pitchFamily="2" charset="-122"/>
-            </a:endParaRPr>
-          </a:p>
-        </p:txBody>
-      </p:sp>
-      <p:sp>
-        <p:nvSpPr>
-          <p:cNvPr id="10242" name="TextBox 108">
-            <a:extLst>
-              <a:ext uri="{FF2B5EF4-FFF2-40B4-BE49-F238E27FC236}">
-                <a16:creationId xmlns:a16="http://schemas.microsoft.com/office/drawing/2014/main" id="{E6ECFFCF-C3A7-4854-947A-EE1F78895731}"/>
-              </a:ext>
-            </a:extLst>
-          </p:cNvPr>
-          <p:cNvSpPr>
-            <a:spLocks noChangeArrowheads="1"/>
-          </p:cNvSpPr>
-          <p:nvPr/>
-        </p:nvSpPr>
-        <p:spPr bwMode="auto">
-          <a:xfrm>
-            <a:off x="539750" y="266700"/>
-            <a:ext cx="2808288" cy="369888"/>
-          </a:xfrm>
-          <a:prstGeom prst="rect">
-            <a:avLst/>
-          </a:prstGeom>
-          <a:noFill/>
-          <a:ln>
-            <a:noFill/>
-          </a:ln>
-          <a:extLst>
-            <a:ext uri="{909E8E84-426E-40DD-AFC4-6F175D3DCCD1}">
-              <a14:hiddenFill xmlns:a14="http://schemas.microsoft.com/office/drawing/2010/main">
-                <a:solidFill>
-                  <a:srgbClr val="FFFFFF"/>
-                </a:solidFill>
-              </a14:hiddenFill>
-            </a:ext>
-            <a:ext uri="{91240B29-F687-4F45-9708-019B960494DF}">
-              <a14:hiddenLine xmlns:a14="http://schemas.microsoft.com/office/drawing/2010/main" w="9525">
-                <a:solidFill>
-                  <a:srgbClr val="000000"/>
-                </a:solidFill>
-                <a:miter lim="800000"/>
-                <a:headEnd/>
-                <a:tailEnd/>
-              </a14:hiddenLine>
-            </a:ext>
-          </a:extLst>
-        </p:spPr>
-        <p:txBody>
-          <a:bodyPr wrap="none">
-            <a:spAutoFit/>
-          </a:bodyPr>
-          <a:lstStyle/>
-          <a:p>
-            <a:r>
-              <a:rPr lang="en-US" altLang="zh-CN" dirty="0">
-                <a:solidFill>
-                  <a:schemeClr val="bg1"/>
-                </a:solidFill>
-                <a:latin typeface="微软雅黑" panose="020B0503020204020204" pitchFamily="34" charset="-122"/>
-                <a:ea typeface="微软雅黑" panose="020B0503020204020204" pitchFamily="34" charset="-122"/>
-                <a:sym typeface="微软雅黑" panose="020B0503020204020204" pitchFamily="34" charset="-122"/>
-              </a:rPr>
-              <a:t>4.1.1  Activity</a:t>
-            </a:r>
-            <a:r>
-              <a:rPr lang="zh-CN" altLang="en-US" dirty="0">
-                <a:solidFill>
-                  <a:schemeClr val="bg1"/>
-                </a:solidFill>
-                <a:latin typeface="微软雅黑" panose="020B0503020204020204" pitchFamily="34" charset="-122"/>
-                <a:ea typeface="微软雅黑" panose="020B0503020204020204" pitchFamily="34" charset="-122"/>
-                <a:sym typeface="微软雅黑" panose="020B0503020204020204" pitchFamily="34" charset="-122"/>
-              </a:rPr>
-              <a:t>的生命周期</a:t>
-            </a:r>
-            <a:endParaRPr lang="en-US" altLang="zh-CN" dirty="0">
-              <a:solidFill>
-                <a:schemeClr val="bg1"/>
-              </a:solidFill>
-              <a:latin typeface="微软雅黑" panose="020B0503020204020204" pitchFamily="34" charset="-122"/>
-              <a:ea typeface="微软雅黑" panose="020B0503020204020204" pitchFamily="34" charset="-122"/>
-              <a:sym typeface="微软雅黑" panose="020B0503020204020204" pitchFamily="34" charset="-122"/>
-            </a:endParaRPr>
-          </a:p>
-        </p:txBody>
-      </p:sp>
-      <p:grpSp>
-        <p:nvGrpSpPr>
-          <p:cNvPr id="10243" name="组合 29">
-            <a:extLst>
-              <a:ext uri="{FF2B5EF4-FFF2-40B4-BE49-F238E27FC236}">
-                <a16:creationId xmlns:a16="http://schemas.microsoft.com/office/drawing/2014/main" id="{C2B249A1-FF64-4B57-860F-884A9F269450}"/>
-              </a:ext>
-            </a:extLst>
-          </p:cNvPr>
-          <p:cNvGrpSpPr>
-            <a:grpSpLocks/>
-          </p:cNvGrpSpPr>
-          <p:nvPr/>
-        </p:nvGrpSpPr>
-        <p:grpSpPr bwMode="auto">
-          <a:xfrm>
-            <a:off x="107950" y="244475"/>
-            <a:ext cx="358775" cy="360363"/>
-            <a:chOff x="0" y="0"/>
-            <a:chExt cx="302558" cy="314067"/>
-          </a:xfrm>
-        </p:grpSpPr>
-        <p:sp>
-          <p:nvSpPr>
-            <p:cNvPr id="10244" name="矩形 30">
-              <a:extLst>
-                <a:ext uri="{FF2B5EF4-FFF2-40B4-BE49-F238E27FC236}">
-                  <a16:creationId xmlns:a16="http://schemas.microsoft.com/office/drawing/2014/main" id="{862006B8-5ED2-42CD-A754-D9A6D6DC5788}"/>
-                </a:ext>
-              </a:extLst>
-            </p:cNvPr>
-            <p:cNvSpPr>
-              <a:spLocks noChangeArrowheads="1"/>
-            </p:cNvSpPr>
-            <p:nvPr/>
-          </p:nvSpPr>
-          <p:spPr bwMode="auto">
-            <a:xfrm>
-              <a:off x="0" y="0"/>
-              <a:ext cx="252000" cy="252000"/>
-            </a:xfrm>
-            <a:prstGeom prst="rect">
-              <a:avLst/>
-            </a:prstGeom>
-            <a:solidFill>
-              <a:srgbClr val="414455"/>
-            </a:solidFill>
-            <a:ln>
-              <a:noFill/>
-            </a:ln>
-            <a:extLst>
-              <a:ext uri="{91240B29-F687-4F45-9708-019B960494DF}">
-                <a14:hiddenLine xmlns:a14="http://schemas.microsoft.com/office/drawing/2010/main" w="25400">
-                  <a:solidFill>
-                    <a:srgbClr val="000000"/>
-                  </a:solidFill>
-                  <a:miter lim="800000"/>
-                  <a:headEnd/>
-                  <a:tailEnd/>
-                </a14:hiddenLine>
-              </a:ext>
-            </a:extLst>
-          </p:spPr>
-          <p:txBody>
-            <a:bodyPr anchor="ctr"/>
-            <a:lstStyle/>
-            <a:p>
-              <a:pPr algn="ctr"/>
-              <a:endParaRPr lang="zh-CN" altLang="zh-CN">
-                <a:solidFill>
-                  <a:srgbClr val="FFFFFF"/>
-                </a:solidFill>
-                <a:latin typeface="宋体" panose="02010600030101010101" pitchFamily="2" charset="-122"/>
-                <a:sym typeface="宋体" panose="02010600030101010101" pitchFamily="2" charset="-122"/>
-              </a:endParaRPr>
-            </a:p>
-          </p:txBody>
-        </p:sp>
-        <p:sp>
-          <p:nvSpPr>
-            <p:cNvPr id="10245" name="矩形 31">
-              <a:extLst>
-                <a:ext uri="{FF2B5EF4-FFF2-40B4-BE49-F238E27FC236}">
-                  <a16:creationId xmlns:a16="http://schemas.microsoft.com/office/drawing/2014/main" id="{A358593D-EE91-47D7-B30C-36CC43F408B2}"/>
-                </a:ext>
-              </a:extLst>
-            </p:cNvPr>
-            <p:cNvSpPr>
-              <a:spLocks noChangeArrowheads="1"/>
-            </p:cNvSpPr>
-            <p:nvPr/>
-          </p:nvSpPr>
-          <p:spPr bwMode="auto">
-            <a:xfrm>
-              <a:off x="122558" y="134067"/>
-              <a:ext cx="180000" cy="180000"/>
-            </a:xfrm>
-            <a:prstGeom prst="rect">
-              <a:avLst/>
-            </a:prstGeom>
-            <a:solidFill>
-              <a:srgbClr val="0E90BE"/>
-            </a:solidFill>
-            <a:ln>
-              <a:noFill/>
-            </a:ln>
-            <a:extLst>
-              <a:ext uri="{91240B29-F687-4F45-9708-019B960494DF}">
-                <a14:hiddenLine xmlns:a14="http://schemas.microsoft.com/office/drawing/2010/main" w="25400">
-                  <a:solidFill>
-                    <a:srgbClr val="000000"/>
-                  </a:solidFill>
-                  <a:miter lim="800000"/>
-                  <a:headEnd/>
-                  <a:tailEnd/>
-                </a14:hiddenLine>
-              </a:ext>
-            </a:extLst>
-          </p:spPr>
-          <p:txBody>
-            <a:bodyPr anchor="ctr"/>
-            <a:lstStyle/>
-            <a:p>
-              <a:pPr algn="ctr"/>
-              <a:endParaRPr lang="zh-CN" altLang="zh-CN">
-                <a:solidFill>
-                  <a:srgbClr val="FFFFFF"/>
-                </a:solidFill>
-                <a:latin typeface="宋体" panose="02010600030101010101" pitchFamily="2" charset="-122"/>
-                <a:sym typeface="宋体" panose="02010600030101010101" pitchFamily="2" charset="-122"/>
-              </a:endParaRPr>
-            </a:p>
-          </p:txBody>
-        </p:sp>
-      </p:grpSp>
-    </p:spTree>
-    <p:custDataLst>
-      <p:tags r:id="rId1"/>
-    </p:custDataLst>
-  </p:cSld>
-  <p:clrMapOvr>
-    <a:masterClrMapping/>
-  </p:clrMapOvr>
-  <p:transition spd="slow" advTm="0">
-    <p:wipe/>
-  </p:transition>
-</p:sld>
-</file>
-
-<file path=ppt/slides/slide20.xml><?xml version="1.0" encoding="utf-8"?>
+<file path=ppt/slides/slide22.xml><?xml version="1.0" encoding="utf-8"?>
 <p:sld xmlns:a="http://schemas.openxmlformats.org/drawingml/2006/main" xmlns:r="http://schemas.openxmlformats.org/officeDocument/2006/relationships" xmlns:p="http://schemas.openxmlformats.org/presentationml/2006/main">
   <p:cSld>
     <p:spTree>
@@ -13687,7 +16891,7 @@
 </p:sld>
 </file>
 
-<file path=ppt/slides/slide21.xml><?xml version="1.0" encoding="utf-8"?>
+<file path=ppt/slides/slide23.xml><?xml version="1.0" encoding="utf-8"?>
 <p:sld xmlns:a="http://schemas.openxmlformats.org/drawingml/2006/main" xmlns:r="http://schemas.openxmlformats.org/officeDocument/2006/relationships" xmlns:p="http://schemas.openxmlformats.org/presentationml/2006/main">
   <p:cSld>
     <p:spTree>
@@ -13946,11 +17150,32 @@
           <a:prstGeom prst="rect">
             <a:avLst/>
           </a:prstGeom>
-          <a:solidFill>
-            <a:schemeClr val="dk1">
-              <a:alpha val="50000"/>
-            </a:schemeClr>
-          </a:solidFill>
+          <a:gradFill flip="none" rotWithShape="1">
+            <a:gsLst>
+              <a:gs pos="0">
+                <a:schemeClr val="dk1">
+                  <a:tint val="66000"/>
+                  <a:satMod val="160000"/>
+                </a:schemeClr>
+              </a:gs>
+              <a:gs pos="50000">
+                <a:schemeClr val="dk1">
+                  <a:tint val="44500"/>
+                  <a:satMod val="160000"/>
+                </a:schemeClr>
+              </a:gs>
+              <a:gs pos="100000">
+                <a:schemeClr val="dk1">
+                  <a:tint val="23500"/>
+                  <a:satMod val="160000"/>
+                </a:schemeClr>
+              </a:gs>
+            </a:gsLst>
+            <a:path path="circle">
+              <a:fillToRect l="100000" t="100000"/>
+            </a:path>
+            <a:tileRect r="-100000" b="-100000"/>
+          </a:gradFill>
           <a:ln>
             <a:noFill/>
           </a:ln>
@@ -14149,6 +17374,9 @@
                 <a:solidFill>
                   <a:srgbClr val="000000"/>
                 </a:solidFill>
+                <a:highlight>
+                  <a:srgbClr val="FFFF00"/>
+                </a:highlight>
                 <a:latin typeface="Calibri" panose="020F0502020204030204" pitchFamily="34" charset="0"/>
                 <a:sym typeface="Calibri" panose="020F0502020204030204" pitchFamily="34" charset="0"/>
               </a:rPr>
@@ -14292,7 +17520,7 @@
                 <a:spcPct val="150000"/>
               </a:lnSpc>
               <a:buFont typeface="Wingdings" panose="05000000000000000000" pitchFamily="2" charset="2"/>
-              <a:buChar char=""/>
+              <a:buChar char="l"/>
             </a:pPr>
             <a:r>
               <a:rPr lang="zh-CN" altLang="en-US" sz="1400" dirty="0">
@@ -14311,7 +17539,7 @@
                 <a:spcPct val="150000"/>
               </a:lnSpc>
               <a:buFont typeface="Wingdings" panose="05000000000000000000" pitchFamily="2" charset="2"/>
-              <a:buChar char=""/>
+              <a:buChar char="l"/>
             </a:pPr>
             <a:r>
               <a:rPr lang="zh-CN" altLang="en-US" sz="1400" dirty="0">
@@ -14330,7 +17558,7 @@
                 <a:spcPct val="150000"/>
               </a:lnSpc>
               <a:buFont typeface="Wingdings" panose="05000000000000000000" pitchFamily="2" charset="2"/>
-              <a:buChar char=""/>
+              <a:buChar char="l"/>
             </a:pPr>
             <a:r>
               <a:rPr lang="zh-CN" altLang="en-US" sz="1400" dirty="0">
@@ -14391,7 +17619,7 @@
 </p:sld>
 </file>
 
-<file path=ppt/slides/slide22.xml><?xml version="1.0" encoding="utf-8"?>
+<file path=ppt/slides/slide24.xml><?xml version="1.0" encoding="utf-8"?>
 <p:sld xmlns:a="http://schemas.openxmlformats.org/drawingml/2006/main" xmlns:r="http://schemas.openxmlformats.org/officeDocument/2006/relationships" xmlns:p="http://schemas.openxmlformats.org/presentationml/2006/main">
   <p:cSld>
     <p:spTree>
@@ -14745,7 +17973,7 @@
 </p:sld>
 </file>
 
-<file path=ppt/slides/slide23.xml><?xml version="1.0" encoding="utf-8"?>
+<file path=ppt/slides/slide25.xml><?xml version="1.0" encoding="utf-8"?>
 <p:sld xmlns:a="http://schemas.openxmlformats.org/drawingml/2006/main" xmlns:r="http://schemas.openxmlformats.org/officeDocument/2006/relationships" xmlns:p="http://schemas.openxmlformats.org/presentationml/2006/main">
   <p:cSld>
     <p:spTree>
@@ -15164,7 +18392,7 @@
 </p:sld>
 </file>
 
-<file path=ppt/slides/slide24.xml><?xml version="1.0" encoding="utf-8"?>
+<file path=ppt/slides/slide26.xml><?xml version="1.0" encoding="utf-8"?>
 <p:sld xmlns:a="http://schemas.openxmlformats.org/drawingml/2006/main" xmlns:r="http://schemas.openxmlformats.org/officeDocument/2006/relationships" xmlns:p="http://schemas.openxmlformats.org/presentationml/2006/main">
   <p:cSld>
     <p:spTree>
@@ -15582,7 +18810,7 @@
 </p:sld>
 </file>
 
-<file path=ppt/slides/slide25.xml><?xml version="1.0" encoding="utf-8"?>
+<file path=ppt/slides/slide27.xml><?xml version="1.0" encoding="utf-8"?>
 <p:sld xmlns:a="http://schemas.openxmlformats.org/drawingml/2006/main" xmlns:r="http://schemas.openxmlformats.org/officeDocument/2006/relationships" xmlns:p="http://schemas.openxmlformats.org/presentationml/2006/main">
   <p:cSld>
     <p:spTree>
@@ -16005,29 +19233,15 @@
           <a:prstGeom prst="rect">
             <a:avLst/>
           </a:prstGeom>
-          <a:noFill/>
+          <a:solidFill>
+            <a:schemeClr val="accent6">
+              <a:lumMod val="40000"/>
+              <a:lumOff val="60000"/>
+            </a:schemeClr>
+          </a:solidFill>
           <a:ln>
             <a:noFill/>
           </a:ln>
-          <a:extLst>
-            <a:ext uri="{909E8E84-426E-40DD-AFC4-6F175D3DCCD1}">
-              <a14:hiddenFill xmlns:a14="http://schemas.microsoft.com/office/drawing/2010/main">
-                <a:solidFill>
-                  <a:srgbClr val="FFFFFF"/>
-                </a:solidFill>
-              </a14:hiddenFill>
-            </a:ext>
-            <a:ext uri="{91240B29-F687-4F45-9708-019B960494DF}">
-              <a14:hiddenLine xmlns:a14="http://schemas.microsoft.com/office/drawing/2010/main" w="9525">
-                <a:solidFill>
-                  <a:srgbClr val="000000"/>
-                </a:solidFill>
-                <a:miter lim="800000"/>
-                <a:headEnd/>
-                <a:tailEnd/>
-              </a14:hiddenLine>
-            </a:ext>
-          </a:extLst>
         </p:spPr>
         <p:txBody>
           <a:bodyPr>
@@ -16069,7 +19283,7 @@
 </p:sld>
 </file>
 
-<file path=ppt/slides/slide26.xml><?xml version="1.0" encoding="utf-8"?>
+<file path=ppt/slides/slide28.xml><?xml version="1.0" encoding="utf-8"?>
 <p:sld xmlns:a="http://schemas.openxmlformats.org/drawingml/2006/main" xmlns:r="http://schemas.openxmlformats.org/officeDocument/2006/relationships" xmlns:p="http://schemas.openxmlformats.org/presentationml/2006/main">
   <p:cSld>
     <p:spTree>
@@ -16495,29 +19709,15 @@
           <a:prstGeom prst="rect">
             <a:avLst/>
           </a:prstGeom>
-          <a:noFill/>
+          <a:solidFill>
+            <a:schemeClr val="accent6">
+              <a:lumMod val="40000"/>
+              <a:lumOff val="60000"/>
+            </a:schemeClr>
+          </a:solidFill>
           <a:ln>
             <a:noFill/>
           </a:ln>
-          <a:extLst>
-            <a:ext uri="{909E8E84-426E-40DD-AFC4-6F175D3DCCD1}">
-              <a14:hiddenFill xmlns:a14="http://schemas.microsoft.com/office/drawing/2010/main">
-                <a:solidFill>
-                  <a:srgbClr val="FFFFFF"/>
-                </a:solidFill>
-              </a14:hiddenFill>
-            </a:ext>
-            <a:ext uri="{91240B29-F687-4F45-9708-019B960494DF}">
-              <a14:hiddenLine xmlns:a14="http://schemas.microsoft.com/office/drawing/2010/main" w="9525">
-                <a:solidFill>
-                  <a:srgbClr val="000000"/>
-                </a:solidFill>
-                <a:miter lim="800000"/>
-                <a:headEnd/>
-                <a:tailEnd/>
-              </a14:hiddenLine>
-            </a:ext>
-          </a:extLst>
         </p:spPr>
         <p:txBody>
           <a:bodyPr>
@@ -16526,16 +19726,16 @@
           <a:lstStyle/>
           <a:p>
             <a:r>
-              <a:rPr lang="zh-CN" altLang="en-US"/>
+              <a:rPr lang="zh-CN" altLang="en-US" dirty="0"/>
               <a:t>getWindow().setFlags(WindowManager.LayoutParams.FLAG_FULLSCREEN,WindowManager.LayoutParams.FLAG_FULLSCREEN);</a:t>
             </a:r>
           </a:p>
           <a:p>
-            <a:endParaRPr lang="zh-CN" altLang="en-US"/>
-          </a:p>
-          <a:p>
-            <a:r>
-              <a:rPr lang="zh-CN" altLang="en-US"/>
+            <a:endParaRPr lang="zh-CN" altLang="en-US" dirty="0"/>
+          </a:p>
+          <a:p>
+            <a:r>
+              <a:rPr lang="zh-CN" altLang="en-US" dirty="0"/>
               <a:t>requestWindowFeature(Window.FEATURE_NO_TITLE);</a:t>
             </a:r>
           </a:p>
@@ -16555,7 +19755,7 @@
 </p:sld>
 </file>
 
-<file path=ppt/slides/slide27.xml><?xml version="1.0" encoding="utf-8"?>
+<file path=ppt/slides/slide29.xml><?xml version="1.0" encoding="utf-8"?>
 <p:sld xmlns:a="http://schemas.openxmlformats.org/drawingml/2006/main" xmlns:r="http://schemas.openxmlformats.org/officeDocument/2006/relationships" xmlns:p="http://schemas.openxmlformats.org/presentationml/2006/main">
   <p:cSld>
     <p:spTree>
@@ -21319,6 +24519,13 @@
 </p:tagLst>
 </file>
 
+<file path=ppt/tags/tag29.xml><?xml version="1.0" encoding="utf-8"?>
+<p:tagLst xmlns:a="http://schemas.openxmlformats.org/drawingml/2006/main" xmlns:r="http://schemas.openxmlformats.org/officeDocument/2006/relationships" xmlns:p="http://schemas.openxmlformats.org/presentationml/2006/main">
+  <p:tag name="KSO_WM_TEMPLATE_CATEGORY" val="custom"/>
+  <p:tag name="KSO_WM_TEMPLATE_INDEX" val="160404"/>
+</p:tagLst>
+</file>
+
 <file path=ppt/tags/tag3.xml><?xml version="1.0" encoding="utf-8"?>
 <p:tagLst xmlns:a="http://schemas.openxmlformats.org/drawingml/2006/main" xmlns:r="http://schemas.openxmlformats.org/officeDocument/2006/relationships" xmlns:p="http://schemas.openxmlformats.org/presentationml/2006/main">
   <p:tag name="KSO_WM_TAG_VERSION" val="1.0"/>
@@ -21327,6 +24534,13 @@
   <p:tag name="KSO_WM_UNIT_ID" val="279*i*3"/>
   <p:tag name="KSO_WM_TEMPLATE_CATEGORY" val="custom"/>
   <p:tag name="KSO_WM_TEMPLATE_INDEX" val="116"/>
+</p:tagLst>
+</file>
+
+<file path=ppt/tags/tag30.xml><?xml version="1.0" encoding="utf-8"?>
+<p:tagLst xmlns:a="http://schemas.openxmlformats.org/drawingml/2006/main" xmlns:r="http://schemas.openxmlformats.org/officeDocument/2006/relationships" xmlns:p="http://schemas.openxmlformats.org/presentationml/2006/main">
+  <p:tag name="KSO_WM_TEMPLATE_CATEGORY" val="custom"/>
+  <p:tag name="KSO_WM_TEMPLATE_INDEX" val="160404"/>
 </p:tagLst>
 </file>
 
